--- a/What’s in a Name.pptx
+++ b/What’s in a Name.pptx
@@ -2,7 +2,7 @@
 <file path=ppt/presentation.xml><?xml version="1.0" encoding="utf-8"?>
 <p:presentation xmlns:a="http://schemas.openxmlformats.org/drawingml/2006/main" xmlns:r="http://schemas.openxmlformats.org/officeDocument/2006/relationships" xmlns:p="http://schemas.openxmlformats.org/presentationml/2006/main" saveSubsetFonts="1">
   <p:sldMasterIdLst>
-    <p:sldMasterId id="2147483648" r:id="rId1"/>
+    <p:sldMasterId id="2147483672" r:id="rId1"/>
   </p:sldMasterIdLst>
   <p:sldIdLst>
     <p:sldId id="256" r:id="rId2"/>
@@ -12,6 +12,11 @@
     <p:sldId id="260" r:id="rId6"/>
     <p:sldId id="261" r:id="rId7"/>
     <p:sldId id="262" r:id="rId8"/>
+    <p:sldId id="266" r:id="rId9"/>
+    <p:sldId id="264" r:id="rId10"/>
+    <p:sldId id="263" r:id="rId11"/>
+    <p:sldId id="265" r:id="rId12"/>
+    <p:sldId id="267" r:id="rId13"/>
   </p:sldIdLst>
   <p:sldSz cx="12192000" cy="6858000"/>
   <p:notesSz cx="6858000" cy="9144000"/>
@@ -19,7 +24,7 @@
     <a:defPPr>
       <a:defRPr lang="en-US"/>
     </a:defPPr>
-    <a:lvl1pPr marL="0" algn="l" defTabSz="914400" rtl="0" eaLnBrk="1" latinLnBrk="0" hangingPunct="1">
+    <a:lvl1pPr marL="0" algn="l" defTabSz="457200" rtl="0" eaLnBrk="1" latinLnBrk="0" hangingPunct="1">
       <a:defRPr sz="1800" kern="1200">
         <a:solidFill>
           <a:schemeClr val="tx1"/>
@@ -29,7 +34,7 @@
         <a:cs typeface="+mn-cs"/>
       </a:defRPr>
     </a:lvl1pPr>
-    <a:lvl2pPr marL="457200" algn="l" defTabSz="914400" rtl="0" eaLnBrk="1" latinLnBrk="0" hangingPunct="1">
+    <a:lvl2pPr marL="457200" algn="l" defTabSz="457200" rtl="0" eaLnBrk="1" latinLnBrk="0" hangingPunct="1">
       <a:defRPr sz="1800" kern="1200">
         <a:solidFill>
           <a:schemeClr val="tx1"/>
@@ -39,7 +44,7 @@
         <a:cs typeface="+mn-cs"/>
       </a:defRPr>
     </a:lvl2pPr>
-    <a:lvl3pPr marL="914400" algn="l" defTabSz="914400" rtl="0" eaLnBrk="1" latinLnBrk="0" hangingPunct="1">
+    <a:lvl3pPr marL="914400" algn="l" defTabSz="457200" rtl="0" eaLnBrk="1" latinLnBrk="0" hangingPunct="1">
       <a:defRPr sz="1800" kern="1200">
         <a:solidFill>
           <a:schemeClr val="tx1"/>
@@ -49,7 +54,7 @@
         <a:cs typeface="+mn-cs"/>
       </a:defRPr>
     </a:lvl3pPr>
-    <a:lvl4pPr marL="1371600" algn="l" defTabSz="914400" rtl="0" eaLnBrk="1" latinLnBrk="0" hangingPunct="1">
+    <a:lvl4pPr marL="1371600" algn="l" defTabSz="457200" rtl="0" eaLnBrk="1" latinLnBrk="0" hangingPunct="1">
       <a:defRPr sz="1800" kern="1200">
         <a:solidFill>
           <a:schemeClr val="tx1"/>
@@ -59,7 +64,7 @@
         <a:cs typeface="+mn-cs"/>
       </a:defRPr>
     </a:lvl4pPr>
-    <a:lvl5pPr marL="1828800" algn="l" defTabSz="914400" rtl="0" eaLnBrk="1" latinLnBrk="0" hangingPunct="1">
+    <a:lvl5pPr marL="1828800" algn="l" defTabSz="457200" rtl="0" eaLnBrk="1" latinLnBrk="0" hangingPunct="1">
       <a:defRPr sz="1800" kern="1200">
         <a:solidFill>
           <a:schemeClr val="tx1"/>
@@ -69,7 +74,7 @@
         <a:cs typeface="+mn-cs"/>
       </a:defRPr>
     </a:lvl5pPr>
-    <a:lvl6pPr marL="2286000" algn="l" defTabSz="914400" rtl="0" eaLnBrk="1" latinLnBrk="0" hangingPunct="1">
+    <a:lvl6pPr marL="2286000" algn="l" defTabSz="457200" rtl="0" eaLnBrk="1" latinLnBrk="0" hangingPunct="1">
       <a:defRPr sz="1800" kern="1200">
         <a:solidFill>
           <a:schemeClr val="tx1"/>
@@ -79,7 +84,7 @@
         <a:cs typeface="+mn-cs"/>
       </a:defRPr>
     </a:lvl6pPr>
-    <a:lvl7pPr marL="2743200" algn="l" defTabSz="914400" rtl="0" eaLnBrk="1" latinLnBrk="0" hangingPunct="1">
+    <a:lvl7pPr marL="2743200" algn="l" defTabSz="457200" rtl="0" eaLnBrk="1" latinLnBrk="0" hangingPunct="1">
       <a:defRPr sz="1800" kern="1200">
         <a:solidFill>
           <a:schemeClr val="tx1"/>
@@ -89,7 +94,7 @@
         <a:cs typeface="+mn-cs"/>
       </a:defRPr>
     </a:lvl7pPr>
-    <a:lvl8pPr marL="3200400" algn="l" defTabSz="914400" rtl="0" eaLnBrk="1" latinLnBrk="0" hangingPunct="1">
+    <a:lvl8pPr marL="3200400" algn="l" defTabSz="457200" rtl="0" eaLnBrk="1" latinLnBrk="0" hangingPunct="1">
       <a:defRPr sz="1800" kern="1200">
         <a:solidFill>
           <a:schemeClr val="tx1"/>
@@ -99,7 +104,7 @@
         <a:cs typeface="+mn-cs"/>
       </a:defRPr>
     </a:lvl8pPr>
-    <a:lvl9pPr marL="3657600" algn="l" defTabSz="914400" rtl="0" eaLnBrk="1" latinLnBrk="0" hangingPunct="1">
+    <a:lvl9pPr marL="3657600" algn="l" defTabSz="457200" rtl="0" eaLnBrk="1" latinLnBrk="0" hangingPunct="1">
       <a:defRPr sz="1800" kern="1200">
         <a:solidFill>
           <a:schemeClr val="tx1"/>
@@ -110,11 +115,16 @@
       </a:defRPr>
     </a:lvl9pPr>
   </p:defaultTextStyle>
+  <p:extLst>
+    <p:ext uri="{EFAFB233-063F-42B5-8137-9DF3F51BA10A}">
+      <p15:sldGuideLst xmlns:p15="http://schemas.microsoft.com/office/powerpoint/2012/main"/>
+    </p:ext>
+  </p:extLst>
 </p:presentation>
 </file>
 
 <file path=ppt/slideLayouts/slideLayout1.xml><?xml version="1.0" encoding="utf-8"?>
-<p:sldLayout xmlns:a="http://schemas.openxmlformats.org/drawingml/2006/main" xmlns:r="http://schemas.openxmlformats.org/officeDocument/2006/relationships" xmlns:p="http://schemas.openxmlformats.org/presentationml/2006/main" type="title" preserve="1">
+<p:sldLayout xmlns:a="http://schemas.openxmlformats.org/drawingml/2006/main" xmlns:r="http://schemas.openxmlformats.org/officeDocument/2006/relationships" xmlns:p="http://schemas.openxmlformats.org/presentationml/2006/main" showMasterSp="0" type="title" preserve="1">
   <p:cSld name="Title Slide">
     <p:spTree>
       <p:nvGrpSpPr>
@@ -132,13 +142,262 @@
       </p:grpSpPr>
       <p:sp>
         <p:nvSpPr>
-          <p:cNvPr id="2" name="Title 1">
-            <a:extLst>
-              <a:ext uri="{FF2B5EF4-FFF2-40B4-BE49-F238E27FC236}">
-                <a16:creationId xmlns:a16="http://schemas.microsoft.com/office/drawing/2014/main" id="{8811AEAE-38F1-4666-A11B-234DC5B5028F}"/>
-              </a:ext>
-            </a:extLst>
-          </p:cNvPr>
+          <p:cNvPr id="7" name="Rectangle 6"/>
+          <p:cNvSpPr/>
+          <p:nvPr/>
+        </p:nvSpPr>
+        <p:spPr>
+          <a:xfrm>
+            <a:off x="920834" y="1346946"/>
+            <a:ext cx="10222992" cy="80683"/>
+          </a:xfrm>
+          <a:prstGeom prst="rect">
+            <a:avLst/>
+          </a:prstGeom>
+          <a:blipFill dpi="0" rotWithShape="1">
+            <a:blip r:embed="rId2">
+              <a:alphaModFix amt="85000"/>
+              <a:lum bright="70000" contrast="-70000"/>
+              <a:extLst>
+                <a:ext uri="{BEBA8EAE-BF5A-486C-A8C5-ECC9F3942E4B}">
+                  <a14:imgProps xmlns:a14="http://schemas.microsoft.com/office/drawing/2010/main">
+                    <a14:imgLayer r:embed="rId3">
+                      <a14:imgEffect>
+                        <a14:sharpenSoften amount="61000"/>
+                      </a14:imgEffect>
+                    </a14:imgLayer>
+                  </a14:imgProps>
+                </a:ext>
+                <a:ext uri="{28A0092B-C50C-407E-A947-70E740481C1C}">
+                  <a14:useLocalDpi xmlns:a14="http://schemas.microsoft.com/office/drawing/2010/main" val="0"/>
+                </a:ext>
+              </a:extLst>
+            </a:blip>
+            <a:srcRect/>
+            <a:tile tx="0" ty="-762000" sx="92000" sy="89000" flip="xy" algn="ctr"/>
+          </a:blipFill>
+          <a:ln>
+            <a:noFill/>
+          </a:ln>
+        </p:spPr>
+        <p:style>
+          <a:lnRef idx="2">
+            <a:schemeClr val="accent1">
+              <a:shade val="50000"/>
+            </a:schemeClr>
+          </a:lnRef>
+          <a:fillRef idx="1">
+            <a:schemeClr val="accent1"/>
+          </a:fillRef>
+          <a:effectRef idx="0">
+            <a:schemeClr val="accent1"/>
+          </a:effectRef>
+          <a:fontRef idx="minor">
+            <a:schemeClr val="lt1"/>
+          </a:fontRef>
+        </p:style>
+      </p:sp>
+      <p:sp>
+        <p:nvSpPr>
+          <p:cNvPr id="8" name="Rectangle 7"/>
+          <p:cNvSpPr/>
+          <p:nvPr/>
+        </p:nvSpPr>
+        <p:spPr>
+          <a:xfrm>
+            <a:off x="920834" y="4299696"/>
+            <a:ext cx="10222992" cy="80683"/>
+          </a:xfrm>
+          <a:prstGeom prst="rect">
+            <a:avLst/>
+          </a:prstGeom>
+          <a:blipFill dpi="0" rotWithShape="1">
+            <a:blip r:embed="rId2">
+              <a:alphaModFix amt="85000"/>
+              <a:lum bright="70000" contrast="-70000"/>
+              <a:extLst>
+                <a:ext uri="{BEBA8EAE-BF5A-486C-A8C5-ECC9F3942E4B}">
+                  <a14:imgProps xmlns:a14="http://schemas.microsoft.com/office/drawing/2010/main">
+                    <a14:imgLayer r:embed="rId3">
+                      <a14:imgEffect>
+                        <a14:sharpenSoften amount="61000"/>
+                      </a14:imgEffect>
+                    </a14:imgLayer>
+                  </a14:imgProps>
+                </a:ext>
+                <a:ext uri="{28A0092B-C50C-407E-A947-70E740481C1C}">
+                  <a14:useLocalDpi xmlns:a14="http://schemas.microsoft.com/office/drawing/2010/main" val="0"/>
+                </a:ext>
+              </a:extLst>
+            </a:blip>
+            <a:srcRect/>
+            <a:tile tx="0" ty="-717550" sx="92000" sy="89000" flip="xy" algn="ctr"/>
+          </a:blipFill>
+          <a:ln>
+            <a:noFill/>
+          </a:ln>
+        </p:spPr>
+        <p:style>
+          <a:lnRef idx="2">
+            <a:schemeClr val="accent1">
+              <a:shade val="50000"/>
+            </a:schemeClr>
+          </a:lnRef>
+          <a:fillRef idx="1">
+            <a:schemeClr val="accent1"/>
+          </a:fillRef>
+          <a:effectRef idx="0">
+            <a:schemeClr val="accent1"/>
+          </a:effectRef>
+          <a:fontRef idx="minor">
+            <a:schemeClr val="lt1"/>
+          </a:fontRef>
+        </p:style>
+      </p:sp>
+      <p:sp>
+        <p:nvSpPr>
+          <p:cNvPr id="9" name="Rectangle 8"/>
+          <p:cNvSpPr/>
+          <p:nvPr/>
+        </p:nvSpPr>
+        <p:spPr>
+          <a:xfrm>
+            <a:off x="920834" y="1484779"/>
+            <a:ext cx="10222992" cy="2743200"/>
+          </a:xfrm>
+          <a:prstGeom prst="rect">
+            <a:avLst/>
+          </a:prstGeom>
+          <a:blipFill dpi="0" rotWithShape="1">
+            <a:blip r:embed="rId2">
+              <a:alphaModFix amt="85000"/>
+              <a:lum bright="70000" contrast="-70000"/>
+              <a:extLst>
+                <a:ext uri="{BEBA8EAE-BF5A-486C-A8C5-ECC9F3942E4B}">
+                  <a14:imgProps xmlns:a14="http://schemas.microsoft.com/office/drawing/2010/main">
+                    <a14:imgLayer r:embed="rId3">
+                      <a14:imgEffect>
+                        <a14:sharpenSoften amount="61000"/>
+                      </a14:imgEffect>
+                    </a14:imgLayer>
+                  </a14:imgProps>
+                </a:ext>
+                <a:ext uri="{28A0092B-C50C-407E-A947-70E740481C1C}">
+                  <a14:useLocalDpi xmlns:a14="http://schemas.microsoft.com/office/drawing/2010/main" val="0"/>
+                </a:ext>
+              </a:extLst>
+            </a:blip>
+            <a:srcRect/>
+            <a:tile tx="0" ty="-704850" sx="92000" sy="89000" flip="xy" algn="ctr"/>
+          </a:blipFill>
+          <a:ln>
+            <a:noFill/>
+          </a:ln>
+        </p:spPr>
+        <p:style>
+          <a:lnRef idx="2">
+            <a:schemeClr val="accent1">
+              <a:shade val="50000"/>
+            </a:schemeClr>
+          </a:lnRef>
+          <a:fillRef idx="1">
+            <a:schemeClr val="accent1"/>
+          </a:fillRef>
+          <a:effectRef idx="0">
+            <a:schemeClr val="accent1"/>
+          </a:effectRef>
+          <a:fontRef idx="minor">
+            <a:schemeClr val="lt1"/>
+          </a:fontRef>
+        </p:style>
+      </p:sp>
+      <p:grpSp>
+        <p:nvGrpSpPr>
+          <p:cNvPr id="10" name="Group 9"/>
+          <p:cNvGrpSpPr/>
+          <p:nvPr/>
+        </p:nvGrpSpPr>
+        <p:grpSpPr>
+          <a:xfrm>
+            <a:off x="9649215" y="4068923"/>
+            <a:ext cx="1080904" cy="1080902"/>
+            <a:chOff x="9685338" y="4460675"/>
+            <a:chExt cx="1080904" cy="1080902"/>
+          </a:xfrm>
+        </p:grpSpPr>
+        <p:sp>
+          <p:nvSpPr>
+            <p:cNvPr id="11" name="Oval 10"/>
+            <p:cNvSpPr/>
+            <p:nvPr/>
+          </p:nvSpPr>
+          <p:spPr>
+            <a:xfrm>
+              <a:off x="9685338" y="4460675"/>
+              <a:ext cx="1080904" cy="1080902"/>
+            </a:xfrm>
+            <a:prstGeom prst="ellipse">
+              <a:avLst/>
+            </a:prstGeom>
+            <a:blipFill dpi="0" rotWithShape="1">
+              <a:blip r:embed="rId4">
+                <a:duotone>
+                  <a:schemeClr val="accent1">
+                    <a:shade val="45000"/>
+                    <a:satMod val="135000"/>
+                  </a:schemeClr>
+                  <a:prstClr val="white"/>
+                </a:duotone>
+                <a:extLst>
+                  <a:ext uri="{BEBA8EAE-BF5A-486C-A8C5-ECC9F3942E4B}">
+                    <a14:imgProps xmlns:a14="http://schemas.microsoft.com/office/drawing/2010/main">
+                      <a14:imgLayer r:embed="rId5">
+                        <a14:imgEffect>
+                          <a14:saturation sat="95000"/>
+                        </a14:imgEffect>
+                      </a14:imgLayer>
+                    </a14:imgProps>
+                  </a:ext>
+                </a:extLst>
+              </a:blip>
+              <a:srcRect/>
+              <a:tile tx="0" ty="0" sx="85000" sy="85000" flip="none" algn="tl"/>
+            </a:blipFill>
+            <a:ln w="25400" cap="flat" cmpd="sng" algn="ctr">
+              <a:noFill/>
+              <a:prstDash val="solid"/>
+            </a:ln>
+            <a:effectLst/>
+          </p:spPr>
+        </p:sp>
+        <p:sp>
+          <p:nvSpPr>
+            <p:cNvPr id="12" name="Oval 11"/>
+            <p:cNvSpPr/>
+            <p:nvPr/>
+          </p:nvSpPr>
+          <p:spPr>
+            <a:xfrm>
+              <a:off x="9793429" y="4568765"/>
+              <a:ext cx="864723" cy="864722"/>
+            </a:xfrm>
+            <a:prstGeom prst="ellipse">
+              <a:avLst/>
+            </a:prstGeom>
+            <a:noFill/>
+            <a:ln w="25400" cap="flat" cmpd="sng" algn="ctr">
+              <a:solidFill>
+                <a:sysClr val="window" lastClr="FFFFFF"/>
+              </a:solidFill>
+              <a:prstDash val="solid"/>
+            </a:ln>
+            <a:effectLst/>
+          </p:spPr>
+        </p:sp>
+      </p:grpSp>
+      <p:sp>
+        <p:nvSpPr>
+          <p:cNvPr id="2" name="Title 1"/>
           <p:cNvSpPr>
             <a:spLocks noGrp="1"/>
           </p:cNvSpPr>
@@ -148,15 +407,26 @@
         </p:nvSpPr>
         <p:spPr>
           <a:xfrm>
-            <a:off x="1524000" y="1122363"/>
-            <a:ext cx="9144000" cy="2387600"/>
-          </a:xfrm>
-        </p:spPr>
-        <p:txBody>
-          <a:bodyPr anchor="b"/>
+            <a:off x="1051560" y="1432223"/>
+            <a:ext cx="9966960" cy="3035808"/>
+          </a:xfrm>
+        </p:spPr>
+        <p:txBody>
+          <a:bodyPr anchor="ctr">
+            <a:noAutofit/>
+          </a:bodyPr>
           <a:lstStyle>
-            <a:lvl1pPr algn="ctr">
-              <a:defRPr sz="6000"/>
+            <a:lvl1pPr algn="l">
+              <a:lnSpc>
+                <a:spcPct val="80000"/>
+              </a:lnSpc>
+              <a:defRPr sz="9600" cap="all" baseline="0">
+                <a:blipFill dpi="0" rotWithShape="1">
+                  <a:blip r:embed="rId4"/>
+                  <a:srcRect/>
+                  <a:tile tx="6350" ty="-127000" sx="65000" sy="64000" flip="none" algn="tl"/>
+                </a:blipFill>
+              </a:defRPr>
             </a:lvl1pPr>
           </a:lstStyle>
           <a:p>
@@ -164,18 +434,13 @@
               <a:rPr lang="en-US"/>
               <a:t>Click to edit Master title style</a:t>
             </a:r>
-          </a:p>
-        </p:txBody>
-      </p:sp>
-      <p:sp>
-        <p:nvSpPr>
-          <p:cNvPr id="3" name="Subtitle 2">
-            <a:extLst>
-              <a:ext uri="{FF2B5EF4-FFF2-40B4-BE49-F238E27FC236}">
-                <a16:creationId xmlns:a16="http://schemas.microsoft.com/office/drawing/2014/main" id="{6E357B40-4736-4008-8D60-68C856DA5896}"/>
-              </a:ext>
-            </a:extLst>
-          </p:cNvPr>
+            <a:endParaRPr lang="en-US" dirty="0"/>
+          </a:p>
+        </p:txBody>
+      </p:sp>
+      <p:sp>
+        <p:nvSpPr>
+          <p:cNvPr id="3" name="Subtitle 2"/>
           <p:cNvSpPr>
             <a:spLocks noGrp="1"/>
           </p:cNvSpPr>
@@ -185,48 +450,54 @@
         </p:nvSpPr>
         <p:spPr>
           <a:xfrm>
-            <a:off x="1524000" y="3602038"/>
-            <a:ext cx="9144000" cy="1655762"/>
-          </a:xfrm>
-        </p:spPr>
-        <p:txBody>
-          <a:bodyPr/>
+            <a:off x="1069848" y="4389120"/>
+            <a:ext cx="7891272" cy="1069848"/>
+          </a:xfrm>
+        </p:spPr>
+        <p:txBody>
+          <a:bodyPr>
+            <a:normAutofit/>
+          </a:bodyPr>
           <a:lstStyle>
-            <a:lvl1pPr marL="0" indent="0" algn="ctr">
+            <a:lvl1pPr marL="0" indent="0" algn="l">
               <a:buNone/>
-              <a:defRPr sz="2400"/>
+              <a:defRPr sz="2200">
+                <a:solidFill>
+                  <a:schemeClr val="tx1"/>
+                </a:solidFill>
+              </a:defRPr>
             </a:lvl1pPr>
             <a:lvl2pPr marL="457200" indent="0" algn="ctr">
               <a:buNone/>
-              <a:defRPr sz="2000"/>
+              <a:defRPr sz="2200"/>
             </a:lvl2pPr>
             <a:lvl3pPr marL="914400" indent="0" algn="ctr">
               <a:buNone/>
-              <a:defRPr sz="1800"/>
+              <a:defRPr sz="2200"/>
             </a:lvl3pPr>
             <a:lvl4pPr marL="1371600" indent="0" algn="ctr">
               <a:buNone/>
-              <a:defRPr sz="1600"/>
+              <a:defRPr sz="2000"/>
             </a:lvl4pPr>
             <a:lvl5pPr marL="1828800" indent="0" algn="ctr">
               <a:buNone/>
-              <a:defRPr sz="1600"/>
+              <a:defRPr sz="2000"/>
             </a:lvl5pPr>
             <a:lvl6pPr marL="2286000" indent="0" algn="ctr">
               <a:buNone/>
-              <a:defRPr sz="1600"/>
+              <a:defRPr sz="2000"/>
             </a:lvl6pPr>
             <a:lvl7pPr marL="2743200" indent="0" algn="ctr">
               <a:buNone/>
-              <a:defRPr sz="1600"/>
+              <a:defRPr sz="2000"/>
             </a:lvl7pPr>
             <a:lvl8pPr marL="3200400" indent="0" algn="ctr">
               <a:buNone/>
-              <a:defRPr sz="1600"/>
+              <a:defRPr sz="2000"/>
             </a:lvl8pPr>
             <a:lvl9pPr marL="3657600" indent="0" algn="ctr">
               <a:buNone/>
-              <a:defRPr sz="1600"/>
+              <a:defRPr sz="2000"/>
             </a:lvl9pPr>
           </a:lstStyle>
           <a:p>
@@ -234,18 +505,13 @@
               <a:rPr lang="en-US"/>
               <a:t>Click to edit Master subtitle style</a:t>
             </a:r>
-          </a:p>
-        </p:txBody>
-      </p:sp>
-      <p:sp>
-        <p:nvSpPr>
-          <p:cNvPr id="4" name="Date Placeholder 3">
-            <a:extLst>
-              <a:ext uri="{FF2B5EF4-FFF2-40B4-BE49-F238E27FC236}">
-                <a16:creationId xmlns:a16="http://schemas.microsoft.com/office/drawing/2014/main" id="{12E9E7D7-B9C0-4DDE-BC8B-3D9DA78A8B57}"/>
-              </a:ext>
-            </a:extLst>
-          </p:cNvPr>
+            <a:endParaRPr lang="en-US" dirty="0"/>
+          </a:p>
+        </p:txBody>
+      </p:sp>
+      <p:sp>
+        <p:nvSpPr>
+          <p:cNvPr id="4" name="Date Placeholder 3"/>
           <p:cNvSpPr>
             <a:spLocks noGrp="1"/>
           </p:cNvSpPr>
@@ -260,7 +526,7 @@
           <a:p>
             <a:fld id="{BAFE54DC-5661-417D-B7C7-C81BD4791878}" type="datetimeFigureOut">
               <a:rPr lang="en-US" smtClean="0"/>
-              <a:t>2/6/2018</a:t>
+              <a:t>2/8/2018</a:t>
             </a:fld>
             <a:endParaRPr lang="en-US"/>
           </a:p>
@@ -268,13 +534,7 @@
       </p:sp>
       <p:sp>
         <p:nvSpPr>
-          <p:cNvPr id="5" name="Footer Placeholder 4">
-            <a:extLst>
-              <a:ext uri="{FF2B5EF4-FFF2-40B4-BE49-F238E27FC236}">
-                <a16:creationId xmlns:a16="http://schemas.microsoft.com/office/drawing/2014/main" id="{8001022C-CC2D-4231-AD6C-074FC7548959}"/>
-              </a:ext>
-            </a:extLst>
-          </p:cNvPr>
+          <p:cNvPr id="5" name="Footer Placeholder 4"/>
           <p:cNvSpPr>
             <a:spLocks noGrp="1"/>
           </p:cNvSpPr>
@@ -293,13 +553,7 @@
       </p:sp>
       <p:sp>
         <p:nvSpPr>
-          <p:cNvPr id="6" name="Slide Number Placeholder 5">
-            <a:extLst>
-              <a:ext uri="{FF2B5EF4-FFF2-40B4-BE49-F238E27FC236}">
-                <a16:creationId xmlns:a16="http://schemas.microsoft.com/office/drawing/2014/main" id="{0C3DA02D-C93E-4618-B829-65210F0AD85D}"/>
-              </a:ext>
-            </a:extLst>
-          </p:cNvPr>
+          <p:cNvPr id="6" name="Slide Number Placeholder 5"/>
           <p:cNvSpPr>
             <a:spLocks noGrp="1"/>
           </p:cNvSpPr>
@@ -307,10 +561,19 @@
             <p:ph type="sldNum" sz="quarter" idx="12"/>
           </p:nvPr>
         </p:nvSpPr>
-        <p:spPr/>
+        <p:spPr>
+          <a:xfrm>
+            <a:off x="9592733" y="4289334"/>
+            <a:ext cx="1193868" cy="640080"/>
+          </a:xfrm>
+        </p:spPr>
         <p:txBody>
           <a:bodyPr/>
-          <a:lstStyle/>
+          <a:lstStyle>
+            <a:lvl1pPr>
+              <a:defRPr sz="2800"/>
+            </a:lvl1pPr>
+          </a:lstStyle>
           <a:p>
             <a:fld id="{47422A0E-5A67-4A49-8A90-693857267618}" type="slidenum">
               <a:rPr lang="en-US" smtClean="0"/>
@@ -323,7 +586,7 @@
     </p:spTree>
     <p:extLst>
       <p:ext uri="{BB962C8B-B14F-4D97-AF65-F5344CB8AC3E}">
-        <p14:creationId xmlns:p14="http://schemas.microsoft.com/office/powerpoint/2010/main" val="4113049286"/>
+        <p14:creationId xmlns:p14="http://schemas.microsoft.com/office/powerpoint/2010/main" val="572498471"/>
       </p:ext>
     </p:extLst>
   </p:cSld>
@@ -352,13 +615,7 @@
       </p:grpSpPr>
       <p:sp>
         <p:nvSpPr>
-          <p:cNvPr id="2" name="Title 1">
-            <a:extLst>
-              <a:ext uri="{FF2B5EF4-FFF2-40B4-BE49-F238E27FC236}">
-                <a16:creationId xmlns:a16="http://schemas.microsoft.com/office/drawing/2014/main" id="{895C9BD7-B8C3-49FA-868B-59949BFD41AF}"/>
-              </a:ext>
-            </a:extLst>
-          </p:cNvPr>
+          <p:cNvPr id="2" name="Title 1"/>
           <p:cNvSpPr>
             <a:spLocks noGrp="1"/>
           </p:cNvSpPr>
@@ -375,18 +632,13 @@
               <a:rPr lang="en-US"/>
               <a:t>Click to edit Master title style</a:t>
             </a:r>
-          </a:p>
-        </p:txBody>
-      </p:sp>
-      <p:sp>
-        <p:nvSpPr>
-          <p:cNvPr id="3" name="Vertical Text Placeholder 2">
-            <a:extLst>
-              <a:ext uri="{FF2B5EF4-FFF2-40B4-BE49-F238E27FC236}">
-                <a16:creationId xmlns:a16="http://schemas.microsoft.com/office/drawing/2014/main" id="{F4CC4856-CEE3-4821-9ED0-15103CC433B7}"/>
-              </a:ext>
-            </a:extLst>
-          </p:cNvPr>
+            <a:endParaRPr lang="en-US" dirty="0"/>
+          </a:p>
+        </p:txBody>
+      </p:sp>
+      <p:sp>
+        <p:nvSpPr>
+          <p:cNvPr id="3" name="Vertical Text Placeholder 2"/>
           <p:cNvSpPr>
             <a:spLocks noGrp="1"/>
           </p:cNvSpPr>
@@ -432,18 +684,13 @@
               <a:rPr lang="en-US"/>
               <a:t>Fifth level</a:t>
             </a:r>
-          </a:p>
-        </p:txBody>
-      </p:sp>
-      <p:sp>
-        <p:nvSpPr>
-          <p:cNvPr id="4" name="Date Placeholder 3">
-            <a:extLst>
-              <a:ext uri="{FF2B5EF4-FFF2-40B4-BE49-F238E27FC236}">
-                <a16:creationId xmlns:a16="http://schemas.microsoft.com/office/drawing/2014/main" id="{149E2B46-5AC9-4F4B-83CB-1C60344024FF}"/>
-              </a:ext>
-            </a:extLst>
-          </p:cNvPr>
+            <a:endParaRPr lang="en-US" dirty="0"/>
+          </a:p>
+        </p:txBody>
+      </p:sp>
+      <p:sp>
+        <p:nvSpPr>
+          <p:cNvPr id="4" name="Date Placeholder 3"/>
           <p:cNvSpPr>
             <a:spLocks noGrp="1"/>
           </p:cNvSpPr>
@@ -458,7 +705,7 @@
           <a:p>
             <a:fld id="{BAFE54DC-5661-417D-B7C7-C81BD4791878}" type="datetimeFigureOut">
               <a:rPr lang="en-US" smtClean="0"/>
-              <a:t>2/6/2018</a:t>
+              <a:t>2/8/2018</a:t>
             </a:fld>
             <a:endParaRPr lang="en-US"/>
           </a:p>
@@ -466,13 +713,7 @@
       </p:sp>
       <p:sp>
         <p:nvSpPr>
-          <p:cNvPr id="5" name="Footer Placeholder 4">
-            <a:extLst>
-              <a:ext uri="{FF2B5EF4-FFF2-40B4-BE49-F238E27FC236}">
-                <a16:creationId xmlns:a16="http://schemas.microsoft.com/office/drawing/2014/main" id="{0F348A3E-1D84-4244-9176-244685BD04EE}"/>
-              </a:ext>
-            </a:extLst>
-          </p:cNvPr>
+          <p:cNvPr id="5" name="Footer Placeholder 4"/>
           <p:cNvSpPr>
             <a:spLocks noGrp="1"/>
           </p:cNvSpPr>
@@ -491,13 +732,7 @@
       </p:sp>
       <p:sp>
         <p:nvSpPr>
-          <p:cNvPr id="6" name="Slide Number Placeholder 5">
-            <a:extLst>
-              <a:ext uri="{FF2B5EF4-FFF2-40B4-BE49-F238E27FC236}">
-                <a16:creationId xmlns:a16="http://schemas.microsoft.com/office/drawing/2014/main" id="{225FD56C-D8DF-4227-9E5A-A32C20179804}"/>
-              </a:ext>
-            </a:extLst>
-          </p:cNvPr>
+          <p:cNvPr id="6" name="Slide Number Placeholder 5"/>
           <p:cNvSpPr>
             <a:spLocks noGrp="1"/>
           </p:cNvSpPr>
@@ -521,7 +756,7 @@
     </p:spTree>
     <p:extLst>
       <p:ext uri="{BB962C8B-B14F-4D97-AF65-F5344CB8AC3E}">
-        <p14:creationId xmlns:p14="http://schemas.microsoft.com/office/powerpoint/2010/main" val="2511465094"/>
+        <p14:creationId xmlns:p14="http://schemas.microsoft.com/office/powerpoint/2010/main" val="2555011840"/>
       </p:ext>
     </p:extLst>
   </p:cSld>
@@ -550,13 +785,7 @@
       </p:grpSpPr>
       <p:sp>
         <p:nvSpPr>
-          <p:cNvPr id="2" name="Vertical Title 1">
-            <a:extLst>
-              <a:ext uri="{FF2B5EF4-FFF2-40B4-BE49-F238E27FC236}">
-                <a16:creationId xmlns:a16="http://schemas.microsoft.com/office/drawing/2014/main" id="{BD5A8E2F-0266-4BFD-9CCF-B14FB5456FF5}"/>
-              </a:ext>
-            </a:extLst>
-          </p:cNvPr>
+          <p:cNvPr id="2" name="Vertical Title 1"/>
           <p:cNvSpPr>
             <a:spLocks noGrp="1"/>
           </p:cNvSpPr>
@@ -566,8 +795,8 @@
         </p:nvSpPr>
         <p:spPr>
           <a:xfrm>
-            <a:off x="8724900" y="365125"/>
-            <a:ext cx="2628900" cy="5811838"/>
+            <a:off x="8724900" y="533400"/>
+            <a:ext cx="2552700" cy="5638800"/>
           </a:xfrm>
         </p:spPr>
         <p:txBody>
@@ -578,18 +807,13 @@
               <a:rPr lang="en-US"/>
               <a:t>Click to edit Master title style</a:t>
             </a:r>
-          </a:p>
-        </p:txBody>
-      </p:sp>
-      <p:sp>
-        <p:nvSpPr>
-          <p:cNvPr id="3" name="Vertical Text Placeholder 2">
-            <a:extLst>
-              <a:ext uri="{FF2B5EF4-FFF2-40B4-BE49-F238E27FC236}">
-                <a16:creationId xmlns:a16="http://schemas.microsoft.com/office/drawing/2014/main" id="{976A8F6B-57B7-4980-A7B6-B896A434FBC1}"/>
-              </a:ext>
-            </a:extLst>
-          </p:cNvPr>
+            <a:endParaRPr lang="en-US" dirty="0"/>
+          </a:p>
+        </p:txBody>
+      </p:sp>
+      <p:sp>
+        <p:nvSpPr>
+          <p:cNvPr id="3" name="Vertical Text Placeholder 2"/>
           <p:cNvSpPr>
             <a:spLocks noGrp="1"/>
           </p:cNvSpPr>
@@ -599,8 +823,8 @@
         </p:nvSpPr>
         <p:spPr>
           <a:xfrm>
-            <a:off x="838200" y="365125"/>
-            <a:ext cx="7734300" cy="5811838"/>
+            <a:off x="1066800" y="533400"/>
+            <a:ext cx="7505700" cy="5638800"/>
           </a:xfrm>
         </p:spPr>
         <p:txBody>
@@ -640,18 +864,13 @@
               <a:rPr lang="en-US"/>
               <a:t>Fifth level</a:t>
             </a:r>
-          </a:p>
-        </p:txBody>
-      </p:sp>
-      <p:sp>
-        <p:nvSpPr>
-          <p:cNvPr id="4" name="Date Placeholder 3">
-            <a:extLst>
-              <a:ext uri="{FF2B5EF4-FFF2-40B4-BE49-F238E27FC236}">
-                <a16:creationId xmlns:a16="http://schemas.microsoft.com/office/drawing/2014/main" id="{84FF7DB6-C746-4D67-A6C3-4C98235D8E41}"/>
-              </a:ext>
-            </a:extLst>
-          </p:cNvPr>
+            <a:endParaRPr lang="en-US" dirty="0"/>
+          </a:p>
+        </p:txBody>
+      </p:sp>
+      <p:sp>
+        <p:nvSpPr>
+          <p:cNvPr id="4" name="Date Placeholder 3"/>
           <p:cNvSpPr>
             <a:spLocks noGrp="1"/>
           </p:cNvSpPr>
@@ -666,7 +885,7 @@
           <a:p>
             <a:fld id="{BAFE54DC-5661-417D-B7C7-C81BD4791878}" type="datetimeFigureOut">
               <a:rPr lang="en-US" smtClean="0"/>
-              <a:t>2/6/2018</a:t>
+              <a:t>2/8/2018</a:t>
             </a:fld>
             <a:endParaRPr lang="en-US"/>
           </a:p>
@@ -674,13 +893,7 @@
       </p:sp>
       <p:sp>
         <p:nvSpPr>
-          <p:cNvPr id="5" name="Footer Placeholder 4">
-            <a:extLst>
-              <a:ext uri="{FF2B5EF4-FFF2-40B4-BE49-F238E27FC236}">
-                <a16:creationId xmlns:a16="http://schemas.microsoft.com/office/drawing/2014/main" id="{27BEED10-E47A-4603-9880-54F0BECA505A}"/>
-              </a:ext>
-            </a:extLst>
-          </p:cNvPr>
+          <p:cNvPr id="5" name="Footer Placeholder 4"/>
           <p:cNvSpPr>
             <a:spLocks noGrp="1"/>
           </p:cNvSpPr>
@@ -699,13 +912,7 @@
       </p:sp>
       <p:sp>
         <p:nvSpPr>
-          <p:cNvPr id="6" name="Slide Number Placeholder 5">
-            <a:extLst>
-              <a:ext uri="{FF2B5EF4-FFF2-40B4-BE49-F238E27FC236}">
-                <a16:creationId xmlns:a16="http://schemas.microsoft.com/office/drawing/2014/main" id="{643D4DD0-114C-4DD6-B9BB-CFD1E455C091}"/>
-              </a:ext>
-            </a:extLst>
-          </p:cNvPr>
+          <p:cNvPr id="6" name="Slide Number Placeholder 5"/>
           <p:cNvSpPr>
             <a:spLocks noGrp="1"/>
           </p:cNvSpPr>
@@ -729,7 +936,7 @@
     </p:spTree>
     <p:extLst>
       <p:ext uri="{BB962C8B-B14F-4D97-AF65-F5344CB8AC3E}">
-        <p14:creationId xmlns:p14="http://schemas.microsoft.com/office/powerpoint/2010/main" val="219705699"/>
+        <p14:creationId xmlns:p14="http://schemas.microsoft.com/office/powerpoint/2010/main" val="3684334353"/>
       </p:ext>
     </p:extLst>
   </p:cSld>
@@ -758,13 +965,7 @@
       </p:grpSpPr>
       <p:sp>
         <p:nvSpPr>
-          <p:cNvPr id="2" name="Title 1">
-            <a:extLst>
-              <a:ext uri="{FF2B5EF4-FFF2-40B4-BE49-F238E27FC236}">
-                <a16:creationId xmlns:a16="http://schemas.microsoft.com/office/drawing/2014/main" id="{589AF437-775F-40D3-8D5D-F51814062C9B}"/>
-              </a:ext>
-            </a:extLst>
-          </p:cNvPr>
+          <p:cNvPr id="2" name="Title 1"/>
           <p:cNvSpPr>
             <a:spLocks noGrp="1"/>
           </p:cNvSpPr>
@@ -781,18 +982,13 @@
               <a:rPr lang="en-US"/>
               <a:t>Click to edit Master title style</a:t>
             </a:r>
-          </a:p>
-        </p:txBody>
-      </p:sp>
-      <p:sp>
-        <p:nvSpPr>
-          <p:cNvPr id="3" name="Content Placeholder 2">
-            <a:extLst>
-              <a:ext uri="{FF2B5EF4-FFF2-40B4-BE49-F238E27FC236}">
-                <a16:creationId xmlns:a16="http://schemas.microsoft.com/office/drawing/2014/main" id="{9B533C24-B181-44A7-9641-797B905633FF}"/>
-              </a:ext>
-            </a:extLst>
-          </p:cNvPr>
+            <a:endParaRPr lang="en-US" dirty="0"/>
+          </a:p>
+        </p:txBody>
+      </p:sp>
+      <p:sp>
+        <p:nvSpPr>
+          <p:cNvPr id="3" name="Content Placeholder 2"/>
           <p:cNvSpPr>
             <a:spLocks noGrp="1"/>
           </p:cNvSpPr>
@@ -838,18 +1034,13 @@
               <a:rPr lang="en-US"/>
               <a:t>Fifth level</a:t>
             </a:r>
-          </a:p>
-        </p:txBody>
-      </p:sp>
-      <p:sp>
-        <p:nvSpPr>
-          <p:cNvPr id="4" name="Date Placeholder 3">
-            <a:extLst>
-              <a:ext uri="{FF2B5EF4-FFF2-40B4-BE49-F238E27FC236}">
-                <a16:creationId xmlns:a16="http://schemas.microsoft.com/office/drawing/2014/main" id="{A83E4A0E-4BAB-445C-AAA1-FF55899CB3CF}"/>
-              </a:ext>
-            </a:extLst>
-          </p:cNvPr>
+            <a:endParaRPr lang="en-US" dirty="0"/>
+          </a:p>
+        </p:txBody>
+      </p:sp>
+      <p:sp>
+        <p:nvSpPr>
+          <p:cNvPr id="4" name="Date Placeholder 3"/>
           <p:cNvSpPr>
             <a:spLocks noGrp="1"/>
           </p:cNvSpPr>
@@ -864,7 +1055,7 @@
           <a:p>
             <a:fld id="{BAFE54DC-5661-417D-B7C7-C81BD4791878}" type="datetimeFigureOut">
               <a:rPr lang="en-US" smtClean="0"/>
-              <a:t>2/6/2018</a:t>
+              <a:t>2/8/2018</a:t>
             </a:fld>
             <a:endParaRPr lang="en-US"/>
           </a:p>
@@ -872,13 +1063,7 @@
       </p:sp>
       <p:sp>
         <p:nvSpPr>
-          <p:cNvPr id="5" name="Footer Placeholder 4">
-            <a:extLst>
-              <a:ext uri="{FF2B5EF4-FFF2-40B4-BE49-F238E27FC236}">
-                <a16:creationId xmlns:a16="http://schemas.microsoft.com/office/drawing/2014/main" id="{84156BB0-9E4B-4363-94D1-08AB3D838244}"/>
-              </a:ext>
-            </a:extLst>
-          </p:cNvPr>
+          <p:cNvPr id="5" name="Footer Placeholder 4"/>
           <p:cNvSpPr>
             <a:spLocks noGrp="1"/>
           </p:cNvSpPr>
@@ -897,13 +1082,7 @@
       </p:sp>
       <p:sp>
         <p:nvSpPr>
-          <p:cNvPr id="6" name="Slide Number Placeholder 5">
-            <a:extLst>
-              <a:ext uri="{FF2B5EF4-FFF2-40B4-BE49-F238E27FC236}">
-                <a16:creationId xmlns:a16="http://schemas.microsoft.com/office/drawing/2014/main" id="{FB618CE8-D380-4D67-B13D-19F96FC95E00}"/>
-              </a:ext>
-            </a:extLst>
-          </p:cNvPr>
+          <p:cNvPr id="6" name="Slide Number Placeholder 5"/>
           <p:cNvSpPr>
             <a:spLocks noGrp="1"/>
           </p:cNvSpPr>
@@ -927,7 +1106,7 @@
     </p:spTree>
     <p:extLst>
       <p:ext uri="{BB962C8B-B14F-4D97-AF65-F5344CB8AC3E}">
-        <p14:creationId xmlns:p14="http://schemas.microsoft.com/office/powerpoint/2010/main" val="238147351"/>
+        <p14:creationId xmlns:p14="http://schemas.microsoft.com/office/powerpoint/2010/main" val="3684278551"/>
       </p:ext>
     </p:extLst>
   </p:cSld>
@@ -938,7 +1117,7 @@
 </file>
 
 <file path=ppt/slideLayouts/slideLayout3.xml><?xml version="1.0" encoding="utf-8"?>
-<p:sldLayout xmlns:a="http://schemas.openxmlformats.org/drawingml/2006/main" xmlns:r="http://schemas.openxmlformats.org/officeDocument/2006/relationships" xmlns:p="http://schemas.openxmlformats.org/presentationml/2006/main" type="secHead" preserve="1">
+<p:sldLayout xmlns:a="http://schemas.openxmlformats.org/drawingml/2006/main" xmlns:r="http://schemas.openxmlformats.org/officeDocument/2006/relationships" xmlns:p="http://schemas.openxmlformats.org/presentationml/2006/main" showMasterSp="0" type="secHead" preserve="1">
   <p:cSld name="Section Header">
     <p:spTree>
       <p:nvGrpSpPr>
@@ -956,13 +1135,64 @@
       </p:grpSpPr>
       <p:sp>
         <p:nvSpPr>
-          <p:cNvPr id="2" name="Title 1">
-            <a:extLst>
-              <a:ext uri="{FF2B5EF4-FFF2-40B4-BE49-F238E27FC236}">
-                <a16:creationId xmlns:a16="http://schemas.microsoft.com/office/drawing/2014/main" id="{B4FA4FDF-D37F-46D9-BE01-E3098CE41446}"/>
-              </a:ext>
-            </a:extLst>
-          </p:cNvPr>
+          <p:cNvPr id="7" name="Rectangle 6"/>
+          <p:cNvSpPr/>
+          <p:nvPr/>
+        </p:nvSpPr>
+        <p:spPr>
+          <a:xfrm>
+            <a:off x="0" y="4917989"/>
+            <a:ext cx="12192000" cy="1940010"/>
+          </a:xfrm>
+          <a:prstGeom prst="rect">
+            <a:avLst/>
+          </a:prstGeom>
+          <a:blipFill dpi="0" rotWithShape="1">
+            <a:blip r:embed="rId2">
+              <a:alphaModFix amt="85000"/>
+              <a:lum bright="70000" contrast="-70000"/>
+              <a:extLst>
+                <a:ext uri="{BEBA8EAE-BF5A-486C-A8C5-ECC9F3942E4B}">
+                  <a14:imgProps xmlns:a14="http://schemas.microsoft.com/office/drawing/2010/main">
+                    <a14:imgLayer r:embed="rId3">
+                      <a14:imgEffect>
+                        <a14:sharpenSoften amount="61000"/>
+                      </a14:imgEffect>
+                    </a14:imgLayer>
+                  </a14:imgProps>
+                </a:ext>
+                <a:ext uri="{28A0092B-C50C-407E-A947-70E740481C1C}">
+                  <a14:useLocalDpi xmlns:a14="http://schemas.microsoft.com/office/drawing/2010/main" val="0"/>
+                </a:ext>
+              </a:extLst>
+            </a:blip>
+            <a:srcRect/>
+            <a:tile tx="0" ty="-704850" sx="92000" sy="89000" flip="xy" algn="ctr"/>
+          </a:blipFill>
+          <a:ln>
+            <a:noFill/>
+          </a:ln>
+        </p:spPr>
+        <p:style>
+          <a:lnRef idx="2">
+            <a:schemeClr val="accent1">
+              <a:shade val="50000"/>
+            </a:schemeClr>
+          </a:lnRef>
+          <a:fillRef idx="1">
+            <a:schemeClr val="accent1"/>
+          </a:fillRef>
+          <a:effectRef idx="0">
+            <a:schemeClr val="accent1"/>
+          </a:effectRef>
+          <a:fontRef idx="minor">
+            <a:schemeClr val="lt1"/>
+          </a:fontRef>
+        </p:style>
+      </p:sp>
+      <p:sp>
+        <p:nvSpPr>
+          <p:cNvPr id="2" name="Title 1"/>
           <p:cNvSpPr>
             <a:spLocks noGrp="1"/>
           </p:cNvSpPr>
@@ -972,15 +1202,20 @@
         </p:nvSpPr>
         <p:spPr>
           <a:xfrm>
-            <a:off x="831850" y="1709738"/>
-            <a:ext cx="10515600" cy="2852737"/>
-          </a:xfrm>
-        </p:spPr>
-        <p:txBody>
-          <a:bodyPr anchor="b"/>
+            <a:off x="2167128" y="1225296"/>
+            <a:ext cx="9281160" cy="3520440"/>
+          </a:xfrm>
+        </p:spPr>
+        <p:txBody>
+          <a:bodyPr anchor="ctr">
+            <a:normAutofit/>
+          </a:bodyPr>
           <a:lstStyle>
             <a:lvl1pPr>
-              <a:defRPr sz="6000"/>
+              <a:lnSpc>
+                <a:spcPct val="80000"/>
+              </a:lnSpc>
+              <a:defRPr sz="8000" b="0"/>
             </a:lvl1pPr>
           </a:lstStyle>
           <a:p>
@@ -988,18 +1223,13 @@
               <a:rPr lang="en-US"/>
               <a:t>Click to edit Master title style</a:t>
             </a:r>
-          </a:p>
-        </p:txBody>
-      </p:sp>
-      <p:sp>
-        <p:nvSpPr>
-          <p:cNvPr id="3" name="Text Placeholder 2">
-            <a:extLst>
-              <a:ext uri="{FF2B5EF4-FFF2-40B4-BE49-F238E27FC236}">
-                <a16:creationId xmlns:a16="http://schemas.microsoft.com/office/drawing/2014/main" id="{F9F9B546-E254-43FF-A142-54D977F85673}"/>
-              </a:ext>
-            </a:extLst>
-          </p:cNvPr>
+            <a:endParaRPr lang="en-US" dirty="0"/>
+          </a:p>
+        </p:txBody>
+      </p:sp>
+      <p:sp>
+        <p:nvSpPr>
+          <p:cNvPr id="3" name="Text Placeholder 2"/>
           <p:cNvSpPr>
             <a:spLocks noGrp="1"/>
           </p:cNvSpPr>
@@ -1009,26 +1239,26 @@
         </p:nvSpPr>
         <p:spPr>
           <a:xfrm>
-            <a:off x="831850" y="4589463"/>
-            <a:ext cx="10515600" cy="1500187"/>
-          </a:xfrm>
-        </p:spPr>
-        <p:txBody>
-          <a:bodyPr/>
+            <a:off x="2165774" y="5020056"/>
+            <a:ext cx="9052560" cy="1066800"/>
+          </a:xfrm>
+        </p:spPr>
+        <p:txBody>
+          <a:bodyPr anchor="t">
+            <a:normAutofit/>
+          </a:bodyPr>
           <a:lstStyle>
             <a:lvl1pPr marL="0" indent="0">
               <a:buNone/>
-              <a:defRPr sz="2400">
+              <a:defRPr sz="2000">
                 <a:solidFill>
-                  <a:schemeClr val="tx1">
-                    <a:tint val="75000"/>
-                  </a:schemeClr>
+                  <a:schemeClr val="tx1"/>
                 </a:solidFill>
               </a:defRPr>
             </a:lvl1pPr>
             <a:lvl2pPr marL="457200" indent="0">
               <a:buNone/>
-              <a:defRPr sz="2000">
+              <a:defRPr sz="1800">
                 <a:solidFill>
                   <a:schemeClr val="tx1">
                     <a:tint val="75000"/>
@@ -1038,7 +1268,7 @@
             </a:lvl2pPr>
             <a:lvl3pPr marL="914400" indent="0">
               <a:buNone/>
-              <a:defRPr sz="1800">
+              <a:defRPr sz="1600">
                 <a:solidFill>
                   <a:schemeClr val="tx1">
                     <a:tint val="75000"/>
@@ -1048,7 +1278,7 @@
             </a:lvl3pPr>
             <a:lvl4pPr marL="1371600" indent="0">
               <a:buNone/>
-              <a:defRPr sz="1600">
+              <a:defRPr sz="1400">
                 <a:solidFill>
                   <a:schemeClr val="tx1">
                     <a:tint val="75000"/>
@@ -1058,7 +1288,7 @@
             </a:lvl4pPr>
             <a:lvl5pPr marL="1828800" indent="0">
               <a:buNone/>
-              <a:defRPr sz="1600">
+              <a:defRPr sz="1400">
                 <a:solidFill>
                   <a:schemeClr val="tx1">
                     <a:tint val="75000"/>
@@ -1068,7 +1298,7 @@
             </a:lvl5pPr>
             <a:lvl6pPr marL="2286000" indent="0">
               <a:buNone/>
-              <a:defRPr sz="1600">
+              <a:defRPr sz="1400">
                 <a:solidFill>
                   <a:schemeClr val="tx1">
                     <a:tint val="75000"/>
@@ -1078,7 +1308,7 @@
             </a:lvl6pPr>
             <a:lvl7pPr marL="2743200" indent="0">
               <a:buNone/>
-              <a:defRPr sz="1600">
+              <a:defRPr sz="1400">
                 <a:solidFill>
                   <a:schemeClr val="tx1">
                     <a:tint val="75000"/>
@@ -1088,7 +1318,7 @@
             </a:lvl7pPr>
             <a:lvl8pPr marL="3200400" indent="0">
               <a:buNone/>
-              <a:defRPr sz="1600">
+              <a:defRPr sz="1400">
                 <a:solidFill>
                   <a:schemeClr val="tx1">
                     <a:tint val="75000"/>
@@ -1098,7 +1328,7 @@
             </a:lvl8pPr>
             <a:lvl9pPr marL="3657600" indent="0">
               <a:buNone/>
-              <a:defRPr sz="1600">
+              <a:defRPr sz="1400">
                 <a:solidFill>
                   <a:schemeClr val="tx1">
                     <a:tint val="75000"/>
@@ -1118,13 +1348,7 @@
       </p:sp>
       <p:sp>
         <p:nvSpPr>
-          <p:cNvPr id="4" name="Date Placeholder 3">
-            <a:extLst>
-              <a:ext uri="{FF2B5EF4-FFF2-40B4-BE49-F238E27FC236}">
-                <a16:creationId xmlns:a16="http://schemas.microsoft.com/office/drawing/2014/main" id="{EAFBC649-DF14-4B1B-80CD-C11167B88627}"/>
-              </a:ext>
-            </a:extLst>
-          </p:cNvPr>
+          <p:cNvPr id="4" name="Date Placeholder 3"/>
           <p:cNvSpPr>
             <a:spLocks noGrp="1"/>
           </p:cNvSpPr>
@@ -1132,14 +1356,19 @@
             <p:ph type="dt" sz="half" idx="10"/>
           </p:nvPr>
         </p:nvSpPr>
-        <p:spPr/>
+        <p:spPr>
+          <a:xfrm>
+            <a:off x="8593667" y="6272784"/>
+            <a:ext cx="2644309" cy="365125"/>
+          </a:xfrm>
+        </p:spPr>
         <p:txBody>
           <a:bodyPr/>
           <a:lstStyle/>
           <a:p>
             <a:fld id="{BAFE54DC-5661-417D-B7C7-C81BD4791878}" type="datetimeFigureOut">
               <a:rPr lang="en-US" smtClean="0"/>
-              <a:t>2/6/2018</a:t>
+              <a:t>2/8/2018</a:t>
             </a:fld>
             <a:endParaRPr lang="en-US"/>
           </a:p>
@@ -1147,13 +1376,7 @@
       </p:sp>
       <p:sp>
         <p:nvSpPr>
-          <p:cNvPr id="5" name="Footer Placeholder 4">
-            <a:extLst>
-              <a:ext uri="{FF2B5EF4-FFF2-40B4-BE49-F238E27FC236}">
-                <a16:creationId xmlns:a16="http://schemas.microsoft.com/office/drawing/2014/main" id="{EE691E62-7338-4A27-9159-507549A107C1}"/>
-              </a:ext>
-            </a:extLst>
-          </p:cNvPr>
+          <p:cNvPr id="5" name="Footer Placeholder 4"/>
           <p:cNvSpPr>
             <a:spLocks noGrp="1"/>
           </p:cNvSpPr>
@@ -1161,7 +1384,12 @@
             <p:ph type="ftr" sz="quarter" idx="11"/>
           </p:nvPr>
         </p:nvSpPr>
-        <p:spPr/>
+        <p:spPr>
+          <a:xfrm>
+            <a:off x="2182708" y="6272784"/>
+            <a:ext cx="6327648" cy="365125"/>
+          </a:xfrm>
+        </p:spPr>
         <p:txBody>
           <a:bodyPr/>
           <a:lstStyle/>
@@ -1170,15 +1398,93 @@
           </a:p>
         </p:txBody>
       </p:sp>
-      <p:sp>
-        <p:nvSpPr>
-          <p:cNvPr id="6" name="Slide Number Placeholder 5">
-            <a:extLst>
-              <a:ext uri="{FF2B5EF4-FFF2-40B4-BE49-F238E27FC236}">
-                <a16:creationId xmlns:a16="http://schemas.microsoft.com/office/drawing/2014/main" id="{F4333516-93C4-40A9-96A2-F280A11194C6}"/>
-              </a:ext>
-            </a:extLst>
-          </p:cNvPr>
+      <p:grpSp>
+        <p:nvGrpSpPr>
+          <p:cNvPr id="8" name="Group 7"/>
+          <p:cNvGrpSpPr/>
+          <p:nvPr/>
+        </p:nvGrpSpPr>
+        <p:grpSpPr>
+          <a:xfrm>
+            <a:off x="897399" y="2325848"/>
+            <a:ext cx="1080904" cy="1080902"/>
+            <a:chOff x="9685338" y="4460675"/>
+            <a:chExt cx="1080904" cy="1080902"/>
+          </a:xfrm>
+        </p:grpSpPr>
+        <p:sp>
+          <p:nvSpPr>
+            <p:cNvPr id="9" name="Oval 8"/>
+            <p:cNvSpPr/>
+            <p:nvPr/>
+          </p:nvSpPr>
+          <p:spPr>
+            <a:xfrm>
+              <a:off x="9685338" y="4460675"/>
+              <a:ext cx="1080904" cy="1080902"/>
+            </a:xfrm>
+            <a:prstGeom prst="ellipse">
+              <a:avLst/>
+            </a:prstGeom>
+            <a:blipFill dpi="0" rotWithShape="1">
+              <a:blip r:embed="rId4">
+                <a:duotone>
+                  <a:schemeClr val="accent1">
+                    <a:shade val="45000"/>
+                    <a:satMod val="135000"/>
+                  </a:schemeClr>
+                  <a:prstClr val="white"/>
+                </a:duotone>
+                <a:extLst>
+                  <a:ext uri="{BEBA8EAE-BF5A-486C-A8C5-ECC9F3942E4B}">
+                    <a14:imgProps xmlns:a14="http://schemas.microsoft.com/office/drawing/2010/main">
+                      <a14:imgLayer r:embed="rId5">
+                        <a14:imgEffect>
+                          <a14:saturation sat="95000"/>
+                        </a14:imgEffect>
+                      </a14:imgLayer>
+                    </a14:imgProps>
+                  </a:ext>
+                </a:extLst>
+              </a:blip>
+              <a:srcRect/>
+              <a:tile tx="0" ty="0" sx="85000" sy="85000" flip="none" algn="tl"/>
+            </a:blipFill>
+            <a:ln w="25400" cap="flat" cmpd="sng" algn="ctr">
+              <a:noFill/>
+              <a:prstDash val="solid"/>
+            </a:ln>
+            <a:effectLst/>
+          </p:spPr>
+        </p:sp>
+        <p:sp>
+          <p:nvSpPr>
+            <p:cNvPr id="10" name="Oval 9"/>
+            <p:cNvSpPr/>
+            <p:nvPr/>
+          </p:nvSpPr>
+          <p:spPr>
+            <a:xfrm>
+              <a:off x="9793429" y="4568765"/>
+              <a:ext cx="864723" cy="864722"/>
+            </a:xfrm>
+            <a:prstGeom prst="ellipse">
+              <a:avLst/>
+            </a:prstGeom>
+            <a:noFill/>
+            <a:ln w="25400" cap="flat" cmpd="sng" algn="ctr">
+              <a:solidFill>
+                <a:sysClr val="window" lastClr="FFFFFF"/>
+              </a:solidFill>
+              <a:prstDash val="solid"/>
+            </a:ln>
+            <a:effectLst/>
+          </p:spPr>
+        </p:sp>
+      </p:grpSp>
+      <p:sp>
+        <p:nvSpPr>
+          <p:cNvPr id="6" name="Slide Number Placeholder 5"/>
           <p:cNvSpPr>
             <a:spLocks noGrp="1"/>
           </p:cNvSpPr>
@@ -1186,10 +1492,19 @@
             <p:ph type="sldNum" sz="quarter" idx="12"/>
           </p:nvPr>
         </p:nvSpPr>
-        <p:spPr/>
+        <p:spPr>
+          <a:xfrm>
+            <a:off x="843702" y="2506133"/>
+            <a:ext cx="1188298" cy="720332"/>
+          </a:xfrm>
+        </p:spPr>
         <p:txBody>
           <a:bodyPr/>
-          <a:lstStyle/>
+          <a:lstStyle>
+            <a:lvl1pPr>
+              <a:defRPr sz="2800"/>
+            </a:lvl1pPr>
+          </a:lstStyle>
           <a:p>
             <a:fld id="{47422A0E-5A67-4A49-8A90-693857267618}" type="slidenum">
               <a:rPr lang="en-US" smtClean="0"/>
@@ -1202,7 +1517,7 @@
     </p:spTree>
     <p:extLst>
       <p:ext uri="{BB962C8B-B14F-4D97-AF65-F5344CB8AC3E}">
-        <p14:creationId xmlns:p14="http://schemas.microsoft.com/office/powerpoint/2010/main" val="2904333353"/>
+        <p14:creationId xmlns:p14="http://schemas.microsoft.com/office/powerpoint/2010/main" val="775219287"/>
       </p:ext>
     </p:extLst>
   </p:cSld>
@@ -1231,13 +1546,7 @@
       </p:grpSpPr>
       <p:sp>
         <p:nvSpPr>
-          <p:cNvPr id="2" name="Title 1">
-            <a:extLst>
-              <a:ext uri="{FF2B5EF4-FFF2-40B4-BE49-F238E27FC236}">
-                <a16:creationId xmlns:a16="http://schemas.microsoft.com/office/drawing/2014/main" id="{6BB6CE7B-38D6-4D23-A5FB-91B9F2AFD934}"/>
-              </a:ext>
-            </a:extLst>
-          </p:cNvPr>
+          <p:cNvPr id="2" name="Title 1"/>
           <p:cNvSpPr>
             <a:spLocks noGrp="1"/>
           </p:cNvSpPr>
@@ -1254,18 +1563,13 @@
               <a:rPr lang="en-US"/>
               <a:t>Click to edit Master title style</a:t>
             </a:r>
-          </a:p>
-        </p:txBody>
-      </p:sp>
-      <p:sp>
-        <p:nvSpPr>
-          <p:cNvPr id="3" name="Content Placeholder 2">
-            <a:extLst>
-              <a:ext uri="{FF2B5EF4-FFF2-40B4-BE49-F238E27FC236}">
-                <a16:creationId xmlns:a16="http://schemas.microsoft.com/office/drawing/2014/main" id="{8A04DD0C-60BB-4F30-9D00-A723592F4AE1}"/>
-              </a:ext>
-            </a:extLst>
-          </p:cNvPr>
+            <a:endParaRPr lang="en-US" dirty="0"/>
+          </a:p>
+        </p:txBody>
+      </p:sp>
+      <p:sp>
+        <p:nvSpPr>
+          <p:cNvPr id="3" name="Content Placeholder 2"/>
           <p:cNvSpPr>
             <a:spLocks noGrp="1"/>
           </p:cNvSpPr>
@@ -1275,175 +1579,209 @@
         </p:nvSpPr>
         <p:spPr>
           <a:xfrm>
-            <a:off x="838200" y="1825625"/>
-            <a:ext cx="5181600" cy="4351338"/>
-          </a:xfrm>
-        </p:spPr>
+            <a:off x="1069848" y="2194560"/>
+            <a:ext cx="4754880" cy="3977640"/>
+          </a:xfrm>
+        </p:spPr>
+        <p:txBody>
+          <a:bodyPr/>
+          <a:lstStyle>
+            <a:lvl1pPr>
+              <a:defRPr sz="2000"/>
+            </a:lvl1pPr>
+            <a:lvl2pPr>
+              <a:defRPr sz="1800"/>
+            </a:lvl2pPr>
+            <a:lvl3pPr>
+              <a:defRPr sz="1600"/>
+            </a:lvl3pPr>
+            <a:lvl4pPr>
+              <a:defRPr sz="1600"/>
+            </a:lvl4pPr>
+            <a:lvl5pPr>
+              <a:defRPr sz="1600"/>
+            </a:lvl5pPr>
+            <a:lvl6pPr>
+              <a:defRPr sz="1600"/>
+            </a:lvl6pPr>
+            <a:lvl7pPr>
+              <a:defRPr sz="1600"/>
+            </a:lvl7pPr>
+            <a:lvl8pPr>
+              <a:defRPr sz="1600"/>
+            </a:lvl8pPr>
+            <a:lvl9pPr>
+              <a:defRPr sz="1600"/>
+            </a:lvl9pPr>
+          </a:lstStyle>
+          <a:p>
+            <a:pPr lvl="0"/>
+            <a:r>
+              <a:rPr lang="en-US"/>
+              <a:t>Edit Master text styles</a:t>
+            </a:r>
+          </a:p>
+          <a:p>
+            <a:pPr lvl="1"/>
+            <a:r>
+              <a:rPr lang="en-US"/>
+              <a:t>Second level</a:t>
+            </a:r>
+          </a:p>
+          <a:p>
+            <a:pPr lvl="2"/>
+            <a:r>
+              <a:rPr lang="en-US"/>
+              <a:t>Third level</a:t>
+            </a:r>
+          </a:p>
+          <a:p>
+            <a:pPr lvl="3"/>
+            <a:r>
+              <a:rPr lang="en-US"/>
+              <a:t>Fourth level</a:t>
+            </a:r>
+          </a:p>
+          <a:p>
+            <a:pPr lvl="4"/>
+            <a:r>
+              <a:rPr lang="en-US"/>
+              <a:t>Fifth level</a:t>
+            </a:r>
+            <a:endParaRPr lang="en-US" dirty="0"/>
+          </a:p>
+        </p:txBody>
+      </p:sp>
+      <p:sp>
+        <p:nvSpPr>
+          <p:cNvPr id="4" name="Content Placeholder 3"/>
+          <p:cNvSpPr>
+            <a:spLocks noGrp="1"/>
+          </p:cNvSpPr>
+          <p:nvPr>
+            <p:ph sz="half" idx="2"/>
+          </p:nvPr>
+        </p:nvSpPr>
+        <p:spPr>
+          <a:xfrm>
+            <a:off x="6364224" y="2194560"/>
+            <a:ext cx="4754880" cy="3977640"/>
+          </a:xfrm>
+        </p:spPr>
+        <p:txBody>
+          <a:bodyPr/>
+          <a:lstStyle>
+            <a:lvl1pPr>
+              <a:defRPr sz="2000"/>
+            </a:lvl1pPr>
+            <a:lvl2pPr>
+              <a:defRPr sz="1800"/>
+            </a:lvl2pPr>
+            <a:lvl3pPr>
+              <a:defRPr sz="1600"/>
+            </a:lvl3pPr>
+            <a:lvl4pPr>
+              <a:defRPr sz="1600"/>
+            </a:lvl4pPr>
+            <a:lvl5pPr>
+              <a:defRPr sz="1600"/>
+            </a:lvl5pPr>
+            <a:lvl6pPr>
+              <a:defRPr sz="1600"/>
+            </a:lvl6pPr>
+            <a:lvl7pPr>
+              <a:defRPr sz="1600"/>
+            </a:lvl7pPr>
+            <a:lvl8pPr>
+              <a:defRPr sz="1600"/>
+            </a:lvl8pPr>
+            <a:lvl9pPr>
+              <a:defRPr sz="1600"/>
+            </a:lvl9pPr>
+          </a:lstStyle>
+          <a:p>
+            <a:pPr lvl="0"/>
+            <a:r>
+              <a:rPr lang="en-US"/>
+              <a:t>Edit Master text styles</a:t>
+            </a:r>
+          </a:p>
+          <a:p>
+            <a:pPr lvl="1"/>
+            <a:r>
+              <a:rPr lang="en-US"/>
+              <a:t>Second level</a:t>
+            </a:r>
+          </a:p>
+          <a:p>
+            <a:pPr lvl="2"/>
+            <a:r>
+              <a:rPr lang="en-US"/>
+              <a:t>Third level</a:t>
+            </a:r>
+          </a:p>
+          <a:p>
+            <a:pPr lvl="3"/>
+            <a:r>
+              <a:rPr lang="en-US"/>
+              <a:t>Fourth level</a:t>
+            </a:r>
+          </a:p>
+          <a:p>
+            <a:pPr lvl="4"/>
+            <a:r>
+              <a:rPr lang="en-US"/>
+              <a:t>Fifth level</a:t>
+            </a:r>
+            <a:endParaRPr lang="en-US" dirty="0"/>
+          </a:p>
+        </p:txBody>
+      </p:sp>
+      <p:sp>
+        <p:nvSpPr>
+          <p:cNvPr id="5" name="Date Placeholder 4"/>
+          <p:cNvSpPr>
+            <a:spLocks noGrp="1"/>
+          </p:cNvSpPr>
+          <p:nvPr>
+            <p:ph type="dt" sz="half" idx="10"/>
+          </p:nvPr>
+        </p:nvSpPr>
+        <p:spPr/>
         <p:txBody>
           <a:bodyPr/>
           <a:lstStyle/>
           <a:p>
-            <a:pPr lvl="0"/>
-            <a:r>
-              <a:rPr lang="en-US"/>
-              <a:t>Edit Master text styles</a:t>
-            </a:r>
-          </a:p>
-          <a:p>
-            <a:pPr lvl="1"/>
-            <a:r>
-              <a:rPr lang="en-US"/>
-              <a:t>Second level</a:t>
-            </a:r>
-          </a:p>
-          <a:p>
-            <a:pPr lvl="2"/>
-            <a:r>
-              <a:rPr lang="en-US"/>
-              <a:t>Third level</a:t>
-            </a:r>
-          </a:p>
-          <a:p>
-            <a:pPr lvl="3"/>
-            <a:r>
-              <a:rPr lang="en-US"/>
-              <a:t>Fourth level</a:t>
-            </a:r>
-          </a:p>
-          <a:p>
-            <a:pPr lvl="4"/>
-            <a:r>
-              <a:rPr lang="en-US"/>
-              <a:t>Fifth level</a:t>
-            </a:r>
-          </a:p>
-        </p:txBody>
-      </p:sp>
-      <p:sp>
-        <p:nvSpPr>
-          <p:cNvPr id="4" name="Content Placeholder 3">
-            <a:extLst>
-              <a:ext uri="{FF2B5EF4-FFF2-40B4-BE49-F238E27FC236}">
-                <a16:creationId xmlns:a16="http://schemas.microsoft.com/office/drawing/2014/main" id="{160C0CAA-1EB5-4A2A-9335-3246AE4A7E62}"/>
-              </a:ext>
-            </a:extLst>
-          </p:cNvPr>
-          <p:cNvSpPr>
-            <a:spLocks noGrp="1"/>
-          </p:cNvSpPr>
-          <p:nvPr>
-            <p:ph sz="half" idx="2"/>
-          </p:nvPr>
-        </p:nvSpPr>
-        <p:spPr>
-          <a:xfrm>
-            <a:off x="6172200" y="1825625"/>
-            <a:ext cx="5181600" cy="4351338"/>
-          </a:xfrm>
-        </p:spPr>
+            <a:fld id="{BAFE54DC-5661-417D-B7C7-C81BD4791878}" type="datetimeFigureOut">
+              <a:rPr lang="en-US" smtClean="0"/>
+              <a:t>2/8/2018</a:t>
+            </a:fld>
+            <a:endParaRPr lang="en-US"/>
+          </a:p>
+        </p:txBody>
+      </p:sp>
+      <p:sp>
+        <p:nvSpPr>
+          <p:cNvPr id="6" name="Footer Placeholder 5"/>
+          <p:cNvSpPr>
+            <a:spLocks noGrp="1"/>
+          </p:cNvSpPr>
+          <p:nvPr>
+            <p:ph type="ftr" sz="quarter" idx="11"/>
+          </p:nvPr>
+        </p:nvSpPr>
+        <p:spPr/>
         <p:txBody>
           <a:bodyPr/>
           <a:lstStyle/>
           <a:p>
-            <a:pPr lvl="0"/>
-            <a:r>
-              <a:rPr lang="en-US"/>
-              <a:t>Edit Master text styles</a:t>
-            </a:r>
-          </a:p>
-          <a:p>
-            <a:pPr lvl="1"/>
-            <a:r>
-              <a:rPr lang="en-US"/>
-              <a:t>Second level</a:t>
-            </a:r>
-          </a:p>
-          <a:p>
-            <a:pPr lvl="2"/>
-            <a:r>
-              <a:rPr lang="en-US"/>
-              <a:t>Third level</a:t>
-            </a:r>
-          </a:p>
-          <a:p>
-            <a:pPr lvl="3"/>
-            <a:r>
-              <a:rPr lang="en-US"/>
-              <a:t>Fourth level</a:t>
-            </a:r>
-          </a:p>
-          <a:p>
-            <a:pPr lvl="4"/>
-            <a:r>
-              <a:rPr lang="en-US"/>
-              <a:t>Fifth level</a:t>
-            </a:r>
-          </a:p>
-        </p:txBody>
-      </p:sp>
-      <p:sp>
-        <p:nvSpPr>
-          <p:cNvPr id="5" name="Date Placeholder 4">
-            <a:extLst>
-              <a:ext uri="{FF2B5EF4-FFF2-40B4-BE49-F238E27FC236}">
-                <a16:creationId xmlns:a16="http://schemas.microsoft.com/office/drawing/2014/main" id="{30542D11-080C-4A21-BC60-F15067FDAAA4}"/>
-              </a:ext>
-            </a:extLst>
-          </p:cNvPr>
-          <p:cNvSpPr>
-            <a:spLocks noGrp="1"/>
-          </p:cNvSpPr>
-          <p:nvPr>
-            <p:ph type="dt" sz="half" idx="10"/>
-          </p:nvPr>
-        </p:nvSpPr>
-        <p:spPr/>
-        <p:txBody>
-          <a:bodyPr/>
-          <a:lstStyle/>
-          <a:p>
-            <a:fld id="{BAFE54DC-5661-417D-B7C7-C81BD4791878}" type="datetimeFigureOut">
-              <a:rPr lang="en-US" smtClean="0"/>
-              <a:t>2/6/2018</a:t>
-            </a:fld>
             <a:endParaRPr lang="en-US"/>
           </a:p>
         </p:txBody>
       </p:sp>
       <p:sp>
         <p:nvSpPr>
-          <p:cNvPr id="6" name="Footer Placeholder 5">
-            <a:extLst>
-              <a:ext uri="{FF2B5EF4-FFF2-40B4-BE49-F238E27FC236}">
-                <a16:creationId xmlns:a16="http://schemas.microsoft.com/office/drawing/2014/main" id="{CA0C7361-6D3B-4362-9E27-5BA18BA2C984}"/>
-              </a:ext>
-            </a:extLst>
-          </p:cNvPr>
-          <p:cNvSpPr>
-            <a:spLocks noGrp="1"/>
-          </p:cNvSpPr>
-          <p:nvPr>
-            <p:ph type="ftr" sz="quarter" idx="11"/>
-          </p:nvPr>
-        </p:nvSpPr>
-        <p:spPr/>
-        <p:txBody>
-          <a:bodyPr/>
-          <a:lstStyle/>
-          <a:p>
-            <a:endParaRPr lang="en-US"/>
-          </a:p>
-        </p:txBody>
-      </p:sp>
-      <p:sp>
-        <p:nvSpPr>
-          <p:cNvPr id="7" name="Slide Number Placeholder 6">
-            <a:extLst>
-              <a:ext uri="{FF2B5EF4-FFF2-40B4-BE49-F238E27FC236}">
-                <a16:creationId xmlns:a16="http://schemas.microsoft.com/office/drawing/2014/main" id="{3B3D7F16-FC53-4740-A6AC-6C8D425A5C14}"/>
-              </a:ext>
-            </a:extLst>
-          </p:cNvPr>
+          <p:cNvPr id="7" name="Slide Number Placeholder 6"/>
           <p:cNvSpPr>
             <a:spLocks noGrp="1"/>
           </p:cNvSpPr>
@@ -1467,7 +1805,7 @@
     </p:spTree>
     <p:extLst>
       <p:ext uri="{BB962C8B-B14F-4D97-AF65-F5344CB8AC3E}">
-        <p14:creationId xmlns:p14="http://schemas.microsoft.com/office/powerpoint/2010/main" val="2279747291"/>
+        <p14:creationId xmlns:p14="http://schemas.microsoft.com/office/powerpoint/2010/main" val="3287658554"/>
       </p:ext>
     </p:extLst>
   </p:cSld>
@@ -1496,13 +1834,7 @@
       </p:grpSpPr>
       <p:sp>
         <p:nvSpPr>
-          <p:cNvPr id="2" name="Title 1">
-            <a:extLst>
-              <a:ext uri="{FF2B5EF4-FFF2-40B4-BE49-F238E27FC236}">
-                <a16:creationId xmlns:a16="http://schemas.microsoft.com/office/drawing/2014/main" id="{62008A83-AB92-4292-A42B-7A1D8B9FE28D}"/>
-              </a:ext>
-            </a:extLst>
-          </p:cNvPr>
+          <p:cNvPr id="10" name="Title 9"/>
           <p:cNvSpPr>
             <a:spLocks noGrp="1"/>
           </p:cNvSpPr>
@@ -1510,12 +1842,7 @@
             <p:ph type="title"/>
           </p:nvPr>
         </p:nvSpPr>
-        <p:spPr>
-          <a:xfrm>
-            <a:off x="839788" y="365125"/>
-            <a:ext cx="10515600" cy="1325563"/>
-          </a:xfrm>
-        </p:spPr>
+        <p:spPr/>
         <p:txBody>
           <a:bodyPr/>
           <a:lstStyle/>
@@ -1524,18 +1851,13 @@
               <a:rPr lang="en-US"/>
               <a:t>Click to edit Master title style</a:t>
             </a:r>
-          </a:p>
-        </p:txBody>
-      </p:sp>
-      <p:sp>
-        <p:nvSpPr>
-          <p:cNvPr id="3" name="Text Placeholder 2">
-            <a:extLst>
-              <a:ext uri="{FF2B5EF4-FFF2-40B4-BE49-F238E27FC236}">
-                <a16:creationId xmlns:a16="http://schemas.microsoft.com/office/drawing/2014/main" id="{B55A3D3F-EA70-45DF-8592-A2CDB9341361}"/>
-              </a:ext>
-            </a:extLst>
-          </p:cNvPr>
+            <a:endParaRPr lang="en-US" dirty="0"/>
+          </a:p>
+        </p:txBody>
+      </p:sp>
+      <p:sp>
+        <p:nvSpPr>
+          <p:cNvPr id="3" name="Text Placeholder 2"/>
           <p:cNvSpPr>
             <a:spLocks noGrp="1"/>
           </p:cNvSpPr>
@@ -1545,16 +1867,24 @@
         </p:nvSpPr>
         <p:spPr>
           <a:xfrm>
-            <a:off x="839788" y="1681163"/>
-            <a:ext cx="5157787" cy="823912"/>
-          </a:xfrm>
-        </p:spPr>
-        <p:txBody>
-          <a:bodyPr anchor="b"/>
+            <a:off x="1066800" y="2048256"/>
+            <a:ext cx="4754880" cy="640080"/>
+          </a:xfrm>
+        </p:spPr>
+        <p:txBody>
+          <a:bodyPr anchor="ctr">
+            <a:normAutofit/>
+          </a:bodyPr>
           <a:lstStyle>
             <a:lvl1pPr marL="0" indent="0">
               <a:buNone/>
-              <a:defRPr sz="2400" b="1"/>
+              <a:defRPr sz="2000" b="1">
+                <a:solidFill>
+                  <a:schemeClr val="accent1">
+                    <a:lumMod val="75000"/>
+                  </a:schemeClr>
+                </a:solidFill>
+              </a:defRPr>
             </a:lvl1pPr>
             <a:lvl2pPr marL="457200" indent="0">
               <a:buNone/>
@@ -1600,13 +1930,7 @@
       </p:sp>
       <p:sp>
         <p:nvSpPr>
-          <p:cNvPr id="4" name="Content Placeholder 3">
-            <a:extLst>
-              <a:ext uri="{FF2B5EF4-FFF2-40B4-BE49-F238E27FC236}">
-                <a16:creationId xmlns:a16="http://schemas.microsoft.com/office/drawing/2014/main" id="{E8B9A32E-34D5-451E-9CD5-2F9F6E39625F}"/>
-              </a:ext>
-            </a:extLst>
-          </p:cNvPr>
+          <p:cNvPr id="4" name="Content Placeholder 3"/>
           <p:cNvSpPr>
             <a:spLocks noGrp="1"/>
           </p:cNvSpPr>
@@ -1616,13 +1940,41 @@
         </p:nvSpPr>
         <p:spPr>
           <a:xfrm>
-            <a:off x="839788" y="2505075"/>
-            <a:ext cx="5157787" cy="3684588"/>
+            <a:off x="1069848" y="2743200"/>
+            <a:ext cx="4754880" cy="3291840"/>
           </a:xfrm>
         </p:spPr>
         <p:txBody>
           <a:bodyPr/>
-          <a:lstStyle/>
+          <a:lstStyle>
+            <a:lvl1pPr>
+              <a:defRPr sz="2000"/>
+            </a:lvl1pPr>
+            <a:lvl2pPr>
+              <a:defRPr sz="1800"/>
+            </a:lvl2pPr>
+            <a:lvl3pPr>
+              <a:defRPr sz="1600"/>
+            </a:lvl3pPr>
+            <a:lvl4pPr>
+              <a:defRPr sz="1600"/>
+            </a:lvl4pPr>
+            <a:lvl5pPr>
+              <a:defRPr sz="1600"/>
+            </a:lvl5pPr>
+            <a:lvl6pPr>
+              <a:defRPr sz="1600"/>
+            </a:lvl6pPr>
+            <a:lvl7pPr>
+              <a:defRPr sz="1600"/>
+            </a:lvl7pPr>
+            <a:lvl8pPr>
+              <a:defRPr sz="1600"/>
+            </a:lvl8pPr>
+            <a:lvl9pPr>
+              <a:defRPr sz="1600"/>
+            </a:lvl9pPr>
+          </a:lstStyle>
           <a:p>
             <a:pPr lvl="0"/>
             <a:r>
@@ -1657,18 +2009,13 @@
               <a:rPr lang="en-US"/>
               <a:t>Fifth level</a:t>
             </a:r>
-          </a:p>
-        </p:txBody>
-      </p:sp>
-      <p:sp>
-        <p:nvSpPr>
-          <p:cNvPr id="5" name="Text Placeholder 4">
-            <a:extLst>
-              <a:ext uri="{FF2B5EF4-FFF2-40B4-BE49-F238E27FC236}">
-                <a16:creationId xmlns:a16="http://schemas.microsoft.com/office/drawing/2014/main" id="{BA53029E-B9BA-4BA8-92FD-DCD39EF65A01}"/>
-              </a:ext>
-            </a:extLst>
-          </p:cNvPr>
+            <a:endParaRPr lang="en-US" dirty="0"/>
+          </a:p>
+        </p:txBody>
+      </p:sp>
+      <p:sp>
+        <p:nvSpPr>
+          <p:cNvPr id="5" name="Text Placeholder 4"/>
           <p:cNvSpPr>
             <a:spLocks noGrp="1"/>
           </p:cNvSpPr>
@@ -1678,16 +2025,24 @@
         </p:nvSpPr>
         <p:spPr>
           <a:xfrm>
-            <a:off x="6172200" y="1681163"/>
-            <a:ext cx="5183188" cy="823912"/>
-          </a:xfrm>
-        </p:spPr>
-        <p:txBody>
-          <a:bodyPr anchor="b"/>
+            <a:off x="6364224" y="2048256"/>
+            <a:ext cx="4754880" cy="640080"/>
+          </a:xfrm>
+        </p:spPr>
+        <p:txBody>
+          <a:bodyPr anchor="ctr">
+            <a:normAutofit/>
+          </a:bodyPr>
           <a:lstStyle>
             <a:lvl1pPr marL="0" indent="0">
               <a:buNone/>
-              <a:defRPr sz="2400" b="1"/>
+              <a:defRPr sz="2000" b="1">
+                <a:solidFill>
+                  <a:schemeClr val="accent1">
+                    <a:lumMod val="75000"/>
+                  </a:schemeClr>
+                </a:solidFill>
+              </a:defRPr>
             </a:lvl1pPr>
             <a:lvl2pPr marL="457200" indent="0">
               <a:buNone/>
@@ -1733,13 +2088,7 @@
       </p:sp>
       <p:sp>
         <p:nvSpPr>
-          <p:cNvPr id="6" name="Content Placeholder 5">
-            <a:extLst>
-              <a:ext uri="{FF2B5EF4-FFF2-40B4-BE49-F238E27FC236}">
-                <a16:creationId xmlns:a16="http://schemas.microsoft.com/office/drawing/2014/main" id="{EEDE457B-9138-4E60-9916-388F77EC5938}"/>
-              </a:ext>
-            </a:extLst>
-          </p:cNvPr>
+          <p:cNvPr id="6" name="Content Placeholder 5"/>
           <p:cNvSpPr>
             <a:spLocks noGrp="1"/>
           </p:cNvSpPr>
@@ -1749,64 +2098,110 @@
         </p:nvSpPr>
         <p:spPr>
           <a:xfrm>
-            <a:off x="6172200" y="2505075"/>
-            <a:ext cx="5183188" cy="3684588"/>
-          </a:xfrm>
-        </p:spPr>
+            <a:off x="6364224" y="2743200"/>
+            <a:ext cx="4754880" cy="3291840"/>
+          </a:xfrm>
+        </p:spPr>
+        <p:txBody>
+          <a:bodyPr/>
+          <a:lstStyle>
+            <a:lvl1pPr>
+              <a:defRPr sz="2000"/>
+            </a:lvl1pPr>
+            <a:lvl2pPr>
+              <a:defRPr sz="1800"/>
+            </a:lvl2pPr>
+            <a:lvl3pPr>
+              <a:defRPr sz="1600"/>
+            </a:lvl3pPr>
+            <a:lvl4pPr>
+              <a:defRPr sz="1600"/>
+            </a:lvl4pPr>
+            <a:lvl5pPr>
+              <a:defRPr sz="1600"/>
+            </a:lvl5pPr>
+            <a:lvl6pPr>
+              <a:defRPr sz="1600"/>
+            </a:lvl6pPr>
+            <a:lvl7pPr>
+              <a:defRPr sz="1600"/>
+            </a:lvl7pPr>
+            <a:lvl8pPr>
+              <a:defRPr sz="1600"/>
+            </a:lvl8pPr>
+            <a:lvl9pPr>
+              <a:defRPr sz="1600"/>
+            </a:lvl9pPr>
+          </a:lstStyle>
+          <a:p>
+            <a:pPr lvl="0"/>
+            <a:r>
+              <a:rPr lang="en-US"/>
+              <a:t>Edit Master text styles</a:t>
+            </a:r>
+          </a:p>
+          <a:p>
+            <a:pPr lvl="1"/>
+            <a:r>
+              <a:rPr lang="en-US"/>
+              <a:t>Second level</a:t>
+            </a:r>
+          </a:p>
+          <a:p>
+            <a:pPr lvl="2"/>
+            <a:r>
+              <a:rPr lang="en-US"/>
+              <a:t>Third level</a:t>
+            </a:r>
+          </a:p>
+          <a:p>
+            <a:pPr lvl="3"/>
+            <a:r>
+              <a:rPr lang="en-US"/>
+              <a:t>Fourth level</a:t>
+            </a:r>
+          </a:p>
+          <a:p>
+            <a:pPr lvl="4"/>
+            <a:r>
+              <a:rPr lang="en-US"/>
+              <a:t>Fifth level</a:t>
+            </a:r>
+            <a:endParaRPr lang="en-US" dirty="0"/>
+          </a:p>
+        </p:txBody>
+      </p:sp>
+      <p:sp>
+        <p:nvSpPr>
+          <p:cNvPr id="7" name="Date Placeholder 6"/>
+          <p:cNvSpPr>
+            <a:spLocks noGrp="1"/>
+          </p:cNvSpPr>
+          <p:nvPr>
+            <p:ph type="dt" sz="half" idx="10"/>
+          </p:nvPr>
+        </p:nvSpPr>
+        <p:spPr/>
         <p:txBody>
           <a:bodyPr/>
           <a:lstStyle/>
           <a:p>
-            <a:pPr lvl="0"/>
-            <a:r>
-              <a:rPr lang="en-US"/>
-              <a:t>Edit Master text styles</a:t>
-            </a:r>
-          </a:p>
-          <a:p>
-            <a:pPr lvl="1"/>
-            <a:r>
-              <a:rPr lang="en-US"/>
-              <a:t>Second level</a:t>
-            </a:r>
-          </a:p>
-          <a:p>
-            <a:pPr lvl="2"/>
-            <a:r>
-              <a:rPr lang="en-US"/>
-              <a:t>Third level</a:t>
-            </a:r>
-          </a:p>
-          <a:p>
-            <a:pPr lvl="3"/>
-            <a:r>
-              <a:rPr lang="en-US"/>
-              <a:t>Fourth level</a:t>
-            </a:r>
-          </a:p>
-          <a:p>
-            <a:pPr lvl="4"/>
-            <a:r>
-              <a:rPr lang="en-US"/>
-              <a:t>Fifth level</a:t>
-            </a:r>
-          </a:p>
-        </p:txBody>
-      </p:sp>
-      <p:sp>
-        <p:nvSpPr>
-          <p:cNvPr id="7" name="Date Placeholder 6">
-            <a:extLst>
-              <a:ext uri="{FF2B5EF4-FFF2-40B4-BE49-F238E27FC236}">
-                <a16:creationId xmlns:a16="http://schemas.microsoft.com/office/drawing/2014/main" id="{627EE305-E620-4B42-85D7-E43ECB2528C3}"/>
-              </a:ext>
-            </a:extLst>
-          </p:cNvPr>
-          <p:cNvSpPr>
-            <a:spLocks noGrp="1"/>
-          </p:cNvSpPr>
-          <p:nvPr>
-            <p:ph type="dt" sz="half" idx="10"/>
+            <a:fld id="{BAFE54DC-5661-417D-B7C7-C81BD4791878}" type="datetimeFigureOut">
+              <a:rPr lang="en-US" smtClean="0"/>
+              <a:t>2/8/2018</a:t>
+            </a:fld>
+            <a:endParaRPr lang="en-US"/>
+          </a:p>
+        </p:txBody>
+      </p:sp>
+      <p:sp>
+        <p:nvSpPr>
+          <p:cNvPr id="8" name="Footer Placeholder 7"/>
+          <p:cNvSpPr>
+            <a:spLocks noGrp="1"/>
+          </p:cNvSpPr>
+          <p:nvPr>
+            <p:ph type="ftr" sz="quarter" idx="11"/>
           </p:nvPr>
         </p:nvSpPr>
         <p:spPr/>
@@ -1814,48 +2209,13 @@
           <a:bodyPr/>
           <a:lstStyle/>
           <a:p>
-            <a:fld id="{BAFE54DC-5661-417D-B7C7-C81BD4791878}" type="datetimeFigureOut">
-              <a:rPr lang="en-US" smtClean="0"/>
-              <a:t>2/6/2018</a:t>
-            </a:fld>
             <a:endParaRPr lang="en-US"/>
           </a:p>
         </p:txBody>
       </p:sp>
       <p:sp>
         <p:nvSpPr>
-          <p:cNvPr id="8" name="Footer Placeholder 7">
-            <a:extLst>
-              <a:ext uri="{FF2B5EF4-FFF2-40B4-BE49-F238E27FC236}">
-                <a16:creationId xmlns:a16="http://schemas.microsoft.com/office/drawing/2014/main" id="{FBEF8EB1-BFBE-4E03-993A-315BA7EA6E69}"/>
-              </a:ext>
-            </a:extLst>
-          </p:cNvPr>
-          <p:cNvSpPr>
-            <a:spLocks noGrp="1"/>
-          </p:cNvSpPr>
-          <p:nvPr>
-            <p:ph type="ftr" sz="quarter" idx="11"/>
-          </p:nvPr>
-        </p:nvSpPr>
-        <p:spPr/>
-        <p:txBody>
-          <a:bodyPr/>
-          <a:lstStyle/>
-          <a:p>
-            <a:endParaRPr lang="en-US"/>
-          </a:p>
-        </p:txBody>
-      </p:sp>
-      <p:sp>
-        <p:nvSpPr>
-          <p:cNvPr id="9" name="Slide Number Placeholder 8">
-            <a:extLst>
-              <a:ext uri="{FF2B5EF4-FFF2-40B4-BE49-F238E27FC236}">
-                <a16:creationId xmlns:a16="http://schemas.microsoft.com/office/drawing/2014/main" id="{7FEE6757-AF40-4BBB-AF6E-145FBED14E19}"/>
-              </a:ext>
-            </a:extLst>
-          </p:cNvPr>
+          <p:cNvPr id="9" name="Slide Number Placeholder 8"/>
           <p:cNvSpPr>
             <a:spLocks noGrp="1"/>
           </p:cNvSpPr>
@@ -1879,7 +2239,7 @@
     </p:spTree>
     <p:extLst>
       <p:ext uri="{BB962C8B-B14F-4D97-AF65-F5344CB8AC3E}">
-        <p14:creationId xmlns:p14="http://schemas.microsoft.com/office/powerpoint/2010/main" val="78009774"/>
+        <p14:creationId xmlns:p14="http://schemas.microsoft.com/office/powerpoint/2010/main" val="2785805774"/>
       </p:ext>
     </p:extLst>
   </p:cSld>
@@ -1908,13 +2268,7 @@
       </p:grpSpPr>
       <p:sp>
         <p:nvSpPr>
-          <p:cNvPr id="2" name="Title 1">
-            <a:extLst>
-              <a:ext uri="{FF2B5EF4-FFF2-40B4-BE49-F238E27FC236}">
-                <a16:creationId xmlns:a16="http://schemas.microsoft.com/office/drawing/2014/main" id="{A4DC1CEE-00BB-40B6-B370-56853C9C6571}"/>
-              </a:ext>
-            </a:extLst>
-          </p:cNvPr>
+          <p:cNvPr id="6" name="Title 5"/>
           <p:cNvSpPr>
             <a:spLocks noGrp="1"/>
           </p:cNvSpPr>
@@ -1931,18 +2285,13 @@
               <a:rPr lang="en-US"/>
               <a:t>Click to edit Master title style</a:t>
             </a:r>
-          </a:p>
-        </p:txBody>
-      </p:sp>
-      <p:sp>
-        <p:nvSpPr>
-          <p:cNvPr id="3" name="Date Placeholder 2">
-            <a:extLst>
-              <a:ext uri="{FF2B5EF4-FFF2-40B4-BE49-F238E27FC236}">
-                <a16:creationId xmlns:a16="http://schemas.microsoft.com/office/drawing/2014/main" id="{846DC46E-12F5-43A7-85D2-FC2BF850C6A8}"/>
-              </a:ext>
-            </a:extLst>
-          </p:cNvPr>
+            <a:endParaRPr lang="en-US" dirty="0"/>
+          </a:p>
+        </p:txBody>
+      </p:sp>
+      <p:sp>
+        <p:nvSpPr>
+          <p:cNvPr id="3" name="Date Placeholder 2"/>
           <p:cNvSpPr>
             <a:spLocks noGrp="1"/>
           </p:cNvSpPr>
@@ -1957,7 +2306,7 @@
           <a:p>
             <a:fld id="{BAFE54DC-5661-417D-B7C7-C81BD4791878}" type="datetimeFigureOut">
               <a:rPr lang="en-US" smtClean="0"/>
-              <a:t>2/6/2018</a:t>
+              <a:t>2/8/2018</a:t>
             </a:fld>
             <a:endParaRPr lang="en-US"/>
           </a:p>
@@ -1965,13 +2314,7 @@
       </p:sp>
       <p:sp>
         <p:nvSpPr>
-          <p:cNvPr id="4" name="Footer Placeholder 3">
-            <a:extLst>
-              <a:ext uri="{FF2B5EF4-FFF2-40B4-BE49-F238E27FC236}">
-                <a16:creationId xmlns:a16="http://schemas.microsoft.com/office/drawing/2014/main" id="{992BA6C0-14DC-4ADD-A4A6-DCF967B47CE3}"/>
-              </a:ext>
-            </a:extLst>
-          </p:cNvPr>
+          <p:cNvPr id="4" name="Footer Placeholder 3"/>
           <p:cNvSpPr>
             <a:spLocks noGrp="1"/>
           </p:cNvSpPr>
@@ -1990,13 +2333,7 @@
       </p:sp>
       <p:sp>
         <p:nvSpPr>
-          <p:cNvPr id="5" name="Slide Number Placeholder 4">
-            <a:extLst>
-              <a:ext uri="{FF2B5EF4-FFF2-40B4-BE49-F238E27FC236}">
-                <a16:creationId xmlns:a16="http://schemas.microsoft.com/office/drawing/2014/main" id="{17B926E9-E336-4143-B06B-8345F706C496}"/>
-              </a:ext>
-            </a:extLst>
-          </p:cNvPr>
+          <p:cNvPr id="5" name="Slide Number Placeholder 4"/>
           <p:cNvSpPr>
             <a:spLocks noGrp="1"/>
           </p:cNvSpPr>
@@ -2020,7 +2357,7 @@
     </p:spTree>
     <p:extLst>
       <p:ext uri="{BB962C8B-B14F-4D97-AF65-F5344CB8AC3E}">
-        <p14:creationId xmlns:p14="http://schemas.microsoft.com/office/powerpoint/2010/main" val="368865138"/>
+        <p14:creationId xmlns:p14="http://schemas.microsoft.com/office/powerpoint/2010/main" val="3218565632"/>
       </p:ext>
     </p:extLst>
   </p:cSld>
@@ -2049,13 +2386,7 @@
       </p:grpSpPr>
       <p:sp>
         <p:nvSpPr>
-          <p:cNvPr id="2" name="Date Placeholder 1">
-            <a:extLst>
-              <a:ext uri="{FF2B5EF4-FFF2-40B4-BE49-F238E27FC236}">
-                <a16:creationId xmlns:a16="http://schemas.microsoft.com/office/drawing/2014/main" id="{920E6661-87DB-4FBA-AABF-1CAA43604699}"/>
-              </a:ext>
-            </a:extLst>
-          </p:cNvPr>
+          <p:cNvPr id="2" name="Date Placeholder 1"/>
           <p:cNvSpPr>
             <a:spLocks noGrp="1"/>
           </p:cNvSpPr>
@@ -2070,7 +2401,7 @@
           <a:p>
             <a:fld id="{BAFE54DC-5661-417D-B7C7-C81BD4791878}" type="datetimeFigureOut">
               <a:rPr lang="en-US" smtClean="0"/>
-              <a:t>2/6/2018</a:t>
+              <a:t>2/8/2018</a:t>
             </a:fld>
             <a:endParaRPr lang="en-US"/>
           </a:p>
@@ -2078,13 +2409,7 @@
       </p:sp>
       <p:sp>
         <p:nvSpPr>
-          <p:cNvPr id="3" name="Footer Placeholder 2">
-            <a:extLst>
-              <a:ext uri="{FF2B5EF4-FFF2-40B4-BE49-F238E27FC236}">
-                <a16:creationId xmlns:a16="http://schemas.microsoft.com/office/drawing/2014/main" id="{BD145DC4-C328-4F1B-A5E5-819CE09E4B22}"/>
-              </a:ext>
-            </a:extLst>
-          </p:cNvPr>
+          <p:cNvPr id="3" name="Footer Placeholder 2"/>
           <p:cNvSpPr>
             <a:spLocks noGrp="1"/>
           </p:cNvSpPr>
@@ -2103,13 +2428,7 @@
       </p:sp>
       <p:sp>
         <p:nvSpPr>
-          <p:cNvPr id="4" name="Slide Number Placeholder 3">
-            <a:extLst>
-              <a:ext uri="{FF2B5EF4-FFF2-40B4-BE49-F238E27FC236}">
-                <a16:creationId xmlns:a16="http://schemas.microsoft.com/office/drawing/2014/main" id="{954DDE0A-FBD5-44D0-8D4C-152D01CEEB9C}"/>
-              </a:ext>
-            </a:extLst>
-          </p:cNvPr>
+          <p:cNvPr id="4" name="Slide Number Placeholder 3"/>
           <p:cNvSpPr>
             <a:spLocks noGrp="1"/>
           </p:cNvSpPr>
@@ -2133,7 +2452,7 @@
     </p:spTree>
     <p:extLst>
       <p:ext uri="{BB962C8B-B14F-4D97-AF65-F5344CB8AC3E}">
-        <p14:creationId xmlns:p14="http://schemas.microsoft.com/office/powerpoint/2010/main" val="394451184"/>
+        <p14:creationId xmlns:p14="http://schemas.microsoft.com/office/powerpoint/2010/main" val="3713492893"/>
       </p:ext>
     </p:extLst>
   </p:cSld>
@@ -2144,7 +2463,7 @@
 </file>
 
 <file path=ppt/slideLayouts/slideLayout8.xml><?xml version="1.0" encoding="utf-8"?>
-<p:sldLayout xmlns:a="http://schemas.openxmlformats.org/drawingml/2006/main" xmlns:r="http://schemas.openxmlformats.org/officeDocument/2006/relationships" xmlns:p="http://schemas.openxmlformats.org/presentationml/2006/main" type="objTx" preserve="1">
+<p:sldLayout xmlns:a="http://schemas.openxmlformats.org/drawingml/2006/main" xmlns:r="http://schemas.openxmlformats.org/officeDocument/2006/relationships" xmlns:p="http://schemas.openxmlformats.org/presentationml/2006/main" showMasterSp="0" type="objTx" preserve="1">
   <p:cSld name="Content with Caption">
     <p:spTree>
       <p:nvGrpSpPr>
@@ -2162,13 +2481,64 @@
       </p:grpSpPr>
       <p:sp>
         <p:nvSpPr>
-          <p:cNvPr id="2" name="Title 1">
-            <a:extLst>
-              <a:ext uri="{FF2B5EF4-FFF2-40B4-BE49-F238E27FC236}">
-                <a16:creationId xmlns:a16="http://schemas.microsoft.com/office/drawing/2014/main" id="{D082AE8D-400B-4794-8D58-55D6E8ABAF09}"/>
-              </a:ext>
-            </a:extLst>
-          </p:cNvPr>
+          <p:cNvPr id="8" name="Rectangle 7"/>
+          <p:cNvSpPr/>
+          <p:nvPr/>
+        </p:nvSpPr>
+        <p:spPr>
+          <a:xfrm>
+            <a:off x="8303740" y="0"/>
+            <a:ext cx="3888259" cy="6857999"/>
+          </a:xfrm>
+          <a:prstGeom prst="rect">
+            <a:avLst/>
+          </a:prstGeom>
+          <a:blipFill dpi="0" rotWithShape="1">
+            <a:blip r:embed="rId2">
+              <a:alphaModFix amt="60000"/>
+              <a:lum bright="70000" contrast="-70000"/>
+              <a:extLst>
+                <a:ext uri="{BEBA8EAE-BF5A-486C-A8C5-ECC9F3942E4B}">
+                  <a14:imgProps xmlns:a14="http://schemas.microsoft.com/office/drawing/2010/main">
+                    <a14:imgLayer r:embed="rId3">
+                      <a14:imgEffect>
+                        <a14:sharpenSoften amount="61000"/>
+                      </a14:imgEffect>
+                    </a14:imgLayer>
+                  </a14:imgProps>
+                </a:ext>
+                <a:ext uri="{28A0092B-C50C-407E-A947-70E740481C1C}">
+                  <a14:useLocalDpi xmlns:a14="http://schemas.microsoft.com/office/drawing/2010/main" val="0"/>
+                </a:ext>
+              </a:extLst>
+            </a:blip>
+            <a:srcRect/>
+            <a:tile tx="0" ty="-704850" sx="92000" sy="89000" flip="xy" algn="ctr"/>
+          </a:blipFill>
+          <a:ln>
+            <a:noFill/>
+          </a:ln>
+        </p:spPr>
+        <p:style>
+          <a:lnRef idx="2">
+            <a:schemeClr val="accent1">
+              <a:shade val="50000"/>
+            </a:schemeClr>
+          </a:lnRef>
+          <a:fillRef idx="1">
+            <a:schemeClr val="accent1"/>
+          </a:fillRef>
+          <a:effectRef idx="0">
+            <a:schemeClr val="accent1"/>
+          </a:effectRef>
+          <a:fontRef idx="minor">
+            <a:schemeClr val="lt1"/>
+          </a:fontRef>
+        </p:style>
+      </p:sp>
+      <p:sp>
+        <p:nvSpPr>
+          <p:cNvPr id="2" name="Title 1"/>
           <p:cNvSpPr>
             <a:spLocks noGrp="1"/>
           </p:cNvSpPr>
@@ -2178,15 +2548,17 @@
         </p:nvSpPr>
         <p:spPr>
           <a:xfrm>
-            <a:off x="839788" y="457200"/>
-            <a:ext cx="3932237" cy="1600200"/>
-          </a:xfrm>
-        </p:spPr>
-        <p:txBody>
-          <a:bodyPr anchor="b"/>
+            <a:off x="8549640" y="685800"/>
+            <a:ext cx="3200400" cy="1737360"/>
+          </a:xfrm>
+        </p:spPr>
+        <p:txBody>
+          <a:bodyPr anchor="b">
+            <a:normAutofit/>
+          </a:bodyPr>
           <a:lstStyle>
             <a:lvl1pPr>
-              <a:defRPr sz="3200"/>
+              <a:defRPr sz="3200" b="1"/>
             </a:lvl1pPr>
           </a:lstStyle>
           <a:p>
@@ -2194,18 +2566,13 @@
               <a:rPr lang="en-US"/>
               <a:t>Click to edit Master title style</a:t>
             </a:r>
-          </a:p>
-        </p:txBody>
-      </p:sp>
-      <p:sp>
-        <p:nvSpPr>
-          <p:cNvPr id="3" name="Content Placeholder 2">
-            <a:extLst>
-              <a:ext uri="{FF2B5EF4-FFF2-40B4-BE49-F238E27FC236}">
-                <a16:creationId xmlns:a16="http://schemas.microsoft.com/office/drawing/2014/main" id="{F6F317D1-7DF9-4067-A1B1-3052E0C0F75C}"/>
-              </a:ext>
-            </a:extLst>
-          </p:cNvPr>
+            <a:endParaRPr lang="en-US" dirty="0"/>
+          </a:p>
+        </p:txBody>
+      </p:sp>
+      <p:sp>
+        <p:nvSpPr>
+          <p:cNvPr id="3" name="Content Placeholder 2"/>
           <p:cNvSpPr>
             <a:spLocks noGrp="1"/>
           </p:cNvSpPr>
@@ -2215,39 +2582,39 @@
         </p:nvSpPr>
         <p:spPr>
           <a:xfrm>
-            <a:off x="5183188" y="987425"/>
-            <a:ext cx="6172200" cy="4873625"/>
+            <a:off x="838200" y="685800"/>
+            <a:ext cx="6711696" cy="5020056"/>
           </a:xfrm>
         </p:spPr>
         <p:txBody>
           <a:bodyPr/>
           <a:lstStyle>
             <a:lvl1pPr>
-              <a:defRPr sz="3200"/>
+              <a:defRPr sz="2000"/>
             </a:lvl1pPr>
             <a:lvl2pPr>
-              <a:defRPr sz="2800"/>
+              <a:defRPr sz="1800"/>
             </a:lvl2pPr>
             <a:lvl3pPr>
-              <a:defRPr sz="2400"/>
+              <a:defRPr sz="1600"/>
             </a:lvl3pPr>
             <a:lvl4pPr>
-              <a:defRPr sz="2000"/>
+              <a:defRPr sz="1600"/>
             </a:lvl4pPr>
             <a:lvl5pPr>
-              <a:defRPr sz="2000"/>
+              <a:defRPr sz="1600"/>
             </a:lvl5pPr>
             <a:lvl6pPr>
-              <a:defRPr sz="2000"/>
+              <a:defRPr sz="1600"/>
             </a:lvl6pPr>
             <a:lvl7pPr>
-              <a:defRPr sz="2000"/>
+              <a:defRPr sz="1600"/>
             </a:lvl7pPr>
             <a:lvl8pPr>
-              <a:defRPr sz="2000"/>
+              <a:defRPr sz="1600"/>
             </a:lvl8pPr>
             <a:lvl9pPr>
-              <a:defRPr sz="2000"/>
+              <a:defRPr sz="1600"/>
             </a:lvl9pPr>
           </a:lstStyle>
           <a:p>
@@ -2284,18 +2651,13 @@
               <a:rPr lang="en-US"/>
               <a:t>Fifth level</a:t>
             </a:r>
-          </a:p>
-        </p:txBody>
-      </p:sp>
-      <p:sp>
-        <p:nvSpPr>
-          <p:cNvPr id="4" name="Text Placeholder 3">
-            <a:extLst>
-              <a:ext uri="{FF2B5EF4-FFF2-40B4-BE49-F238E27FC236}">
-                <a16:creationId xmlns:a16="http://schemas.microsoft.com/office/drawing/2014/main" id="{E766B55B-8824-4448-9B9E-6479C7F004FF}"/>
-              </a:ext>
-            </a:extLst>
-          </p:cNvPr>
+            <a:endParaRPr lang="en-US" dirty="0"/>
+          </a:p>
+        </p:txBody>
+      </p:sp>
+      <p:sp>
+        <p:nvSpPr>
+          <p:cNvPr id="4" name="Text Placeholder 3"/>
           <p:cNvSpPr>
             <a:spLocks noGrp="1"/>
           </p:cNvSpPr>
@@ -2305,48 +2667,62 @@
         </p:nvSpPr>
         <p:spPr>
           <a:xfrm>
-            <a:off x="839788" y="2057400"/>
-            <a:ext cx="3932237" cy="3811588"/>
-          </a:xfrm>
-        </p:spPr>
-        <p:txBody>
-          <a:bodyPr/>
+            <a:off x="8549640" y="2423160"/>
+            <a:ext cx="3200400" cy="3291840"/>
+          </a:xfrm>
+        </p:spPr>
+        <p:txBody>
+          <a:bodyPr>
+            <a:normAutofit/>
+          </a:bodyPr>
           <a:lstStyle>
             <a:lvl1pPr marL="0" indent="0">
+              <a:lnSpc>
+                <a:spcPct val="100000"/>
+              </a:lnSpc>
+              <a:spcBef>
+                <a:spcPts val="1000"/>
+              </a:spcBef>
               <a:buNone/>
-              <a:defRPr sz="1600"/>
+              <a:defRPr sz="1400">
+                <a:solidFill>
+                  <a:schemeClr val="accent1">
+                    <a:lumMod val="75000"/>
+                  </a:schemeClr>
+                </a:solidFill>
+              </a:defRPr>
             </a:lvl1pPr>
             <a:lvl2pPr marL="457200" indent="0">
               <a:buNone/>
-              <a:defRPr sz="1400"/>
+              <a:defRPr sz="1200"/>
             </a:lvl2pPr>
             <a:lvl3pPr marL="914400" indent="0">
               <a:buNone/>
-              <a:defRPr sz="1200"/>
+              <a:defRPr sz="1000"/>
             </a:lvl3pPr>
             <a:lvl4pPr marL="1371600" indent="0">
               <a:buNone/>
-              <a:defRPr sz="1000"/>
+              <a:defRPr sz="900"/>
             </a:lvl4pPr>
             <a:lvl5pPr marL="1828800" indent="0">
               <a:buNone/>
-              <a:defRPr sz="1000"/>
+              <a:defRPr sz="900"/>
             </a:lvl5pPr>
             <a:lvl6pPr marL="2286000" indent="0">
               <a:buNone/>
-              <a:defRPr sz="1000"/>
+              <a:defRPr sz="900"/>
             </a:lvl6pPr>
             <a:lvl7pPr marL="2743200" indent="0">
               <a:buNone/>
-              <a:defRPr sz="1000"/>
+              <a:defRPr sz="900"/>
             </a:lvl7pPr>
             <a:lvl8pPr marL="3200400" indent="0">
               <a:buNone/>
-              <a:defRPr sz="1000"/>
+              <a:defRPr sz="900"/>
             </a:lvl8pPr>
             <a:lvl9pPr marL="3657600" indent="0">
               <a:buNone/>
-              <a:defRPr sz="1000"/>
+              <a:defRPr sz="900"/>
             </a:lvl9pPr>
           </a:lstStyle>
           <a:p>
@@ -2360,13 +2736,7 @@
       </p:sp>
       <p:sp>
         <p:nvSpPr>
-          <p:cNvPr id="5" name="Date Placeholder 4">
-            <a:extLst>
-              <a:ext uri="{FF2B5EF4-FFF2-40B4-BE49-F238E27FC236}">
-                <a16:creationId xmlns:a16="http://schemas.microsoft.com/office/drawing/2014/main" id="{CDB7A47F-3A13-4FF4-8C14-58BE0540F9C5}"/>
-              </a:ext>
-            </a:extLst>
-          </p:cNvPr>
+          <p:cNvPr id="5" name="Date Placeholder 4"/>
           <p:cNvSpPr>
             <a:spLocks noGrp="1"/>
           </p:cNvSpPr>
@@ -2381,7 +2751,7 @@
           <a:p>
             <a:fld id="{BAFE54DC-5661-417D-B7C7-C81BD4791878}" type="datetimeFigureOut">
               <a:rPr lang="en-US" smtClean="0"/>
-              <a:t>2/6/2018</a:t>
+              <a:t>2/8/2018</a:t>
             </a:fld>
             <a:endParaRPr lang="en-US"/>
           </a:p>
@@ -2389,13 +2759,7 @@
       </p:sp>
       <p:sp>
         <p:nvSpPr>
-          <p:cNvPr id="6" name="Footer Placeholder 5">
-            <a:extLst>
-              <a:ext uri="{FF2B5EF4-FFF2-40B4-BE49-F238E27FC236}">
-                <a16:creationId xmlns:a16="http://schemas.microsoft.com/office/drawing/2014/main" id="{1B06F7F2-1E6D-4B90-BB80-285033985D3C}"/>
-              </a:ext>
-            </a:extLst>
-          </p:cNvPr>
+          <p:cNvPr id="6" name="Footer Placeholder 5"/>
           <p:cNvSpPr>
             <a:spLocks noGrp="1"/>
           </p:cNvSpPr>
@@ -2412,15 +2776,98 @@
           </a:p>
         </p:txBody>
       </p:sp>
-      <p:sp>
-        <p:nvSpPr>
-          <p:cNvPr id="7" name="Slide Number Placeholder 6">
-            <a:extLst>
-              <a:ext uri="{FF2B5EF4-FFF2-40B4-BE49-F238E27FC236}">
-                <a16:creationId xmlns:a16="http://schemas.microsoft.com/office/drawing/2014/main" id="{C4042C8B-1F7C-4F49-942C-B591774F4C45}"/>
-              </a:ext>
-            </a:extLst>
-          </p:cNvPr>
+      <p:grpSp>
+        <p:nvGrpSpPr>
+          <p:cNvPr id="9" name="Group 8"/>
+          <p:cNvGrpSpPr>
+            <a:grpSpLocks noChangeAspect="1"/>
+          </p:cNvGrpSpPr>
+          <p:nvPr/>
+        </p:nvGrpSpPr>
+        <p:grpSpPr>
+          <a:xfrm>
+            <a:off x="11401725" y="6229681"/>
+            <a:ext cx="457200" cy="457200"/>
+            <a:chOff x="11361456" y="6195813"/>
+            <a:chExt cx="548640" cy="548640"/>
+          </a:xfrm>
+        </p:grpSpPr>
+        <p:sp>
+          <p:nvSpPr>
+            <p:cNvPr id="10" name="Oval 9"/>
+            <p:cNvSpPr/>
+            <p:nvPr/>
+          </p:nvSpPr>
+          <p:spPr>
+            <a:xfrm>
+              <a:off x="11361456" y="6195813"/>
+              <a:ext cx="548640" cy="548640"/>
+            </a:xfrm>
+            <a:prstGeom prst="ellipse">
+              <a:avLst/>
+            </a:prstGeom>
+            <a:blipFill dpi="0" rotWithShape="1">
+              <a:blip r:embed="rId4">
+                <a:duotone>
+                  <a:schemeClr val="accent1">
+                    <a:shade val="45000"/>
+                    <a:satMod val="135000"/>
+                  </a:schemeClr>
+                  <a:prstClr val="white"/>
+                </a:duotone>
+                <a:extLst>
+                  <a:ext uri="{BEBA8EAE-BF5A-486C-A8C5-ECC9F3942E4B}">
+                    <a14:imgProps xmlns:a14="http://schemas.microsoft.com/office/drawing/2010/main">
+                      <a14:imgLayer r:embed="rId5">
+                        <a14:imgEffect>
+                          <a14:saturation sat="95000"/>
+                        </a14:imgEffect>
+                        <a14:imgEffect>
+                          <a14:brightnessContrast bright="-40000" contrast="20000"/>
+                        </a14:imgEffect>
+                      </a14:imgLayer>
+                    </a14:imgProps>
+                  </a:ext>
+                </a:extLst>
+              </a:blip>
+              <a:srcRect/>
+              <a:tile tx="50800" ty="0" sx="85000" sy="85000" flip="none" algn="tl"/>
+            </a:blipFill>
+            <a:ln w="25400" cap="flat" cmpd="sng" algn="ctr">
+              <a:noFill/>
+              <a:prstDash val="solid"/>
+            </a:ln>
+            <a:effectLst/>
+          </p:spPr>
+        </p:sp>
+        <p:sp>
+          <p:nvSpPr>
+            <p:cNvPr id="11" name="Oval 10"/>
+            <p:cNvSpPr/>
+            <p:nvPr/>
+          </p:nvSpPr>
+          <p:spPr>
+            <a:xfrm>
+              <a:off x="11396488" y="6230844"/>
+              <a:ext cx="478576" cy="478578"/>
+            </a:xfrm>
+            <a:prstGeom prst="ellipse">
+              <a:avLst/>
+            </a:prstGeom>
+            <a:noFill/>
+            <a:ln w="12700" cap="flat" cmpd="sng" algn="ctr">
+              <a:solidFill>
+                <a:sysClr val="window" lastClr="FFFFFF"/>
+              </a:solidFill>
+              <a:prstDash val="solid"/>
+            </a:ln>
+            <a:effectLst/>
+          </p:spPr>
+        </p:sp>
+      </p:grpSp>
+      <p:sp>
+        <p:nvSpPr>
+          <p:cNvPr id="7" name="Slide Number Placeholder 6"/>
           <p:cNvSpPr>
             <a:spLocks noGrp="1"/>
           </p:cNvSpPr>
@@ -2444,7 +2891,7 @@
     </p:spTree>
     <p:extLst>
       <p:ext uri="{BB962C8B-B14F-4D97-AF65-F5344CB8AC3E}">
-        <p14:creationId xmlns:p14="http://schemas.microsoft.com/office/powerpoint/2010/main" val="4165911131"/>
+        <p14:creationId xmlns:p14="http://schemas.microsoft.com/office/powerpoint/2010/main" val="1867962962"/>
       </p:ext>
     </p:extLst>
   </p:cSld>
@@ -2455,7 +2902,7 @@
 </file>
 
 <file path=ppt/slideLayouts/slideLayout9.xml><?xml version="1.0" encoding="utf-8"?>
-<p:sldLayout xmlns:a="http://schemas.openxmlformats.org/drawingml/2006/main" xmlns:r="http://schemas.openxmlformats.org/officeDocument/2006/relationships" xmlns:p="http://schemas.openxmlformats.org/presentationml/2006/main" type="picTx" preserve="1">
+<p:sldLayout xmlns:a="http://schemas.openxmlformats.org/drawingml/2006/main" xmlns:r="http://schemas.openxmlformats.org/officeDocument/2006/relationships" xmlns:p="http://schemas.openxmlformats.org/presentationml/2006/main" showMasterSp="0" type="picTx" preserve="1">
   <p:cSld name="Picture with Caption">
     <p:spTree>
       <p:nvGrpSpPr>
@@ -2473,13 +2920,64 @@
       </p:grpSpPr>
       <p:sp>
         <p:nvSpPr>
-          <p:cNvPr id="2" name="Title 1">
-            <a:extLst>
-              <a:ext uri="{FF2B5EF4-FFF2-40B4-BE49-F238E27FC236}">
-                <a16:creationId xmlns:a16="http://schemas.microsoft.com/office/drawing/2014/main" id="{77D01610-5638-4AFC-8C65-A9A9E3F13CC0}"/>
-              </a:ext>
-            </a:extLst>
-          </p:cNvPr>
+          <p:cNvPr id="11" name="Rectangle 10"/>
+          <p:cNvSpPr/>
+          <p:nvPr/>
+        </p:nvSpPr>
+        <p:spPr>
+          <a:xfrm>
+            <a:off x="8303740" y="0"/>
+            <a:ext cx="3888259" cy="6857999"/>
+          </a:xfrm>
+          <a:prstGeom prst="rect">
+            <a:avLst/>
+          </a:prstGeom>
+          <a:blipFill dpi="0" rotWithShape="1">
+            <a:blip r:embed="rId2">
+              <a:alphaModFix amt="60000"/>
+              <a:lum bright="70000" contrast="-70000"/>
+              <a:extLst>
+                <a:ext uri="{BEBA8EAE-BF5A-486C-A8C5-ECC9F3942E4B}">
+                  <a14:imgProps xmlns:a14="http://schemas.microsoft.com/office/drawing/2010/main">
+                    <a14:imgLayer r:embed="rId3">
+                      <a14:imgEffect>
+                        <a14:sharpenSoften amount="61000"/>
+                      </a14:imgEffect>
+                    </a14:imgLayer>
+                  </a14:imgProps>
+                </a:ext>
+                <a:ext uri="{28A0092B-C50C-407E-A947-70E740481C1C}">
+                  <a14:useLocalDpi xmlns:a14="http://schemas.microsoft.com/office/drawing/2010/main" val="0"/>
+                </a:ext>
+              </a:extLst>
+            </a:blip>
+            <a:srcRect/>
+            <a:tile tx="0" ty="-704850" sx="92000" sy="89000" flip="xy" algn="ctr"/>
+          </a:blipFill>
+          <a:ln>
+            <a:noFill/>
+          </a:ln>
+        </p:spPr>
+        <p:style>
+          <a:lnRef idx="2">
+            <a:schemeClr val="accent1">
+              <a:shade val="50000"/>
+            </a:schemeClr>
+          </a:lnRef>
+          <a:fillRef idx="1">
+            <a:schemeClr val="accent1"/>
+          </a:fillRef>
+          <a:effectRef idx="0">
+            <a:schemeClr val="accent1"/>
+          </a:effectRef>
+          <a:fontRef idx="minor">
+            <a:schemeClr val="lt1"/>
+          </a:fontRef>
+        </p:style>
+      </p:sp>
+      <p:sp>
+        <p:nvSpPr>
+          <p:cNvPr id="2" name="Title 1"/>
           <p:cNvSpPr>
             <a:spLocks noGrp="1"/>
           </p:cNvSpPr>
@@ -2489,15 +2987,17 @@
         </p:nvSpPr>
         <p:spPr>
           <a:xfrm>
-            <a:off x="839788" y="457200"/>
-            <a:ext cx="3932237" cy="1600200"/>
-          </a:xfrm>
-        </p:spPr>
-        <p:txBody>
-          <a:bodyPr anchor="b"/>
+            <a:off x="8549640" y="685800"/>
+            <a:ext cx="3200400" cy="1737360"/>
+          </a:xfrm>
+        </p:spPr>
+        <p:txBody>
+          <a:bodyPr anchor="b">
+            <a:normAutofit/>
+          </a:bodyPr>
           <a:lstStyle>
             <a:lvl1pPr>
-              <a:defRPr sz="3200"/>
+              <a:defRPr sz="3200" b="1"/>
             </a:lvl1pPr>
           </a:lstStyle>
           <a:p>
@@ -2505,20 +3005,15 @@
               <a:rPr lang="en-US"/>
               <a:t>Click to edit Master title style</a:t>
             </a:r>
-          </a:p>
-        </p:txBody>
-      </p:sp>
-      <p:sp>
-        <p:nvSpPr>
-          <p:cNvPr id="3" name="Picture Placeholder 2">
-            <a:extLst>
-              <a:ext uri="{FF2B5EF4-FFF2-40B4-BE49-F238E27FC236}">
-                <a16:creationId xmlns:a16="http://schemas.microsoft.com/office/drawing/2014/main" id="{42AD8825-DA1A-4DAE-9C73-2E84557511D7}"/>
-              </a:ext>
-            </a:extLst>
-          </p:cNvPr>
-          <p:cNvSpPr>
-            <a:spLocks noGrp="1"/>
+            <a:endParaRPr lang="en-US" dirty="0"/>
+          </a:p>
+        </p:txBody>
+      </p:sp>
+      <p:sp>
+        <p:nvSpPr>
+          <p:cNvPr id="3" name="Picture Placeholder 2"/>
+          <p:cNvSpPr>
+            <a:spLocks noGrp="1" noChangeAspect="1"/>
           </p:cNvSpPr>
           <p:nvPr>
             <p:ph type="pic" idx="1"/>
@@ -2526,12 +3021,18 @@
         </p:nvSpPr>
         <p:spPr>
           <a:xfrm>
-            <a:off x="5183188" y="987425"/>
-            <a:ext cx="6172200" cy="4873625"/>
-          </a:xfrm>
-        </p:spPr>
-        <p:txBody>
-          <a:bodyPr/>
+            <a:off x="0" y="0"/>
+            <a:ext cx="8303740" cy="6858000"/>
+          </a:xfrm>
+          <a:solidFill>
+            <a:schemeClr val="tx2">
+              <a:lumMod val="20000"/>
+              <a:lumOff val="80000"/>
+            </a:schemeClr>
+          </a:solidFill>
+        </p:spPr>
+        <p:txBody>
+          <a:bodyPr anchor="t"/>
           <a:lstStyle>
             <a:lvl1pPr marL="0" indent="0">
               <a:buNone/>
@@ -2571,19 +3072,17 @@
             </a:lvl9pPr>
           </a:lstStyle>
           <a:p>
-            <a:endParaRPr lang="en-US"/>
-          </a:p>
-        </p:txBody>
-      </p:sp>
-      <p:sp>
-        <p:nvSpPr>
-          <p:cNvPr id="4" name="Text Placeholder 3">
-            <a:extLst>
-              <a:ext uri="{FF2B5EF4-FFF2-40B4-BE49-F238E27FC236}">
-                <a16:creationId xmlns:a16="http://schemas.microsoft.com/office/drawing/2014/main" id="{DEA455F2-39CD-4959-B736-874FDA7B858D}"/>
-              </a:ext>
-            </a:extLst>
-          </p:cNvPr>
+            <a:r>
+              <a:rPr lang="en-US"/>
+              <a:t>Click icon to add picture</a:t>
+            </a:r>
+            <a:endParaRPr lang="en-US" dirty="0"/>
+          </a:p>
+        </p:txBody>
+      </p:sp>
+      <p:sp>
+        <p:nvSpPr>
+          <p:cNvPr id="4" name="Text Placeholder 3"/>
           <p:cNvSpPr>
             <a:spLocks noGrp="1"/>
           </p:cNvSpPr>
@@ -2593,48 +3092,62 @@
         </p:nvSpPr>
         <p:spPr>
           <a:xfrm>
-            <a:off x="839788" y="2057400"/>
-            <a:ext cx="3932237" cy="3811588"/>
-          </a:xfrm>
-        </p:spPr>
-        <p:txBody>
-          <a:bodyPr/>
+            <a:off x="8549640" y="2423160"/>
+            <a:ext cx="3200400" cy="3291840"/>
+          </a:xfrm>
+        </p:spPr>
+        <p:txBody>
+          <a:bodyPr>
+            <a:normAutofit/>
+          </a:bodyPr>
           <a:lstStyle>
             <a:lvl1pPr marL="0" indent="0">
+              <a:lnSpc>
+                <a:spcPct val="100000"/>
+              </a:lnSpc>
+              <a:spcBef>
+                <a:spcPts val="1000"/>
+              </a:spcBef>
               <a:buNone/>
-              <a:defRPr sz="1600"/>
+              <a:defRPr sz="1400">
+                <a:solidFill>
+                  <a:schemeClr val="accent1">
+                    <a:lumMod val="75000"/>
+                  </a:schemeClr>
+                </a:solidFill>
+              </a:defRPr>
             </a:lvl1pPr>
             <a:lvl2pPr marL="457200" indent="0">
               <a:buNone/>
-              <a:defRPr sz="1400"/>
+              <a:defRPr sz="1200"/>
             </a:lvl2pPr>
             <a:lvl3pPr marL="914400" indent="0">
               <a:buNone/>
-              <a:defRPr sz="1200"/>
+              <a:defRPr sz="1000"/>
             </a:lvl3pPr>
             <a:lvl4pPr marL="1371600" indent="0">
               <a:buNone/>
-              <a:defRPr sz="1000"/>
+              <a:defRPr sz="900"/>
             </a:lvl4pPr>
             <a:lvl5pPr marL="1828800" indent="0">
               <a:buNone/>
-              <a:defRPr sz="1000"/>
+              <a:defRPr sz="900"/>
             </a:lvl5pPr>
             <a:lvl6pPr marL="2286000" indent="0">
               <a:buNone/>
-              <a:defRPr sz="1000"/>
+              <a:defRPr sz="900"/>
             </a:lvl6pPr>
             <a:lvl7pPr marL="2743200" indent="0">
               <a:buNone/>
-              <a:defRPr sz="1000"/>
+              <a:defRPr sz="900"/>
             </a:lvl7pPr>
             <a:lvl8pPr marL="3200400" indent="0">
               <a:buNone/>
-              <a:defRPr sz="1000"/>
+              <a:defRPr sz="900"/>
             </a:lvl8pPr>
             <a:lvl9pPr marL="3657600" indent="0">
               <a:buNone/>
-              <a:defRPr sz="1000"/>
+              <a:defRPr sz="900"/>
             </a:lvl9pPr>
           </a:lstStyle>
           <a:p>
@@ -2648,13 +3161,7 @@
       </p:sp>
       <p:sp>
         <p:nvSpPr>
-          <p:cNvPr id="5" name="Date Placeholder 4">
-            <a:extLst>
-              <a:ext uri="{FF2B5EF4-FFF2-40B4-BE49-F238E27FC236}">
-                <a16:creationId xmlns:a16="http://schemas.microsoft.com/office/drawing/2014/main" id="{A2D190CC-872B-43BC-9FC3-B7B29598E7A5}"/>
-              </a:ext>
-            </a:extLst>
-          </p:cNvPr>
+          <p:cNvPr id="5" name="Date Placeholder 4"/>
           <p:cNvSpPr>
             <a:spLocks noGrp="1"/>
           </p:cNvSpPr>
@@ -2669,46 +3176,104 @@
           <a:p>
             <a:fld id="{BAFE54DC-5661-417D-B7C7-C81BD4791878}" type="datetimeFigureOut">
               <a:rPr lang="en-US" smtClean="0"/>
-              <a:t>2/6/2018</a:t>
+              <a:t>2/8/2018</a:t>
             </a:fld>
             <a:endParaRPr lang="en-US"/>
           </a:p>
         </p:txBody>
       </p:sp>
-      <p:sp>
-        <p:nvSpPr>
-          <p:cNvPr id="6" name="Footer Placeholder 5">
-            <a:extLst>
-              <a:ext uri="{FF2B5EF4-FFF2-40B4-BE49-F238E27FC236}">
-                <a16:creationId xmlns:a16="http://schemas.microsoft.com/office/drawing/2014/main" id="{C3107E5B-A831-45C0-BC5B-FE76B5B9D7FB}"/>
-              </a:ext>
-            </a:extLst>
-          </p:cNvPr>
-          <p:cNvSpPr>
-            <a:spLocks noGrp="1"/>
-          </p:cNvSpPr>
-          <p:nvPr>
-            <p:ph type="ftr" sz="quarter" idx="11"/>
-          </p:nvPr>
-        </p:nvSpPr>
-        <p:spPr/>
-        <p:txBody>
-          <a:bodyPr/>
-          <a:lstStyle/>
-          <a:p>
-            <a:endParaRPr lang="en-US"/>
-          </a:p>
-        </p:txBody>
-      </p:sp>
-      <p:sp>
-        <p:nvSpPr>
-          <p:cNvPr id="7" name="Slide Number Placeholder 6">
-            <a:extLst>
-              <a:ext uri="{FF2B5EF4-FFF2-40B4-BE49-F238E27FC236}">
-                <a16:creationId xmlns:a16="http://schemas.microsoft.com/office/drawing/2014/main" id="{70478A6F-A362-471E-BE33-2ADAB2176C33}"/>
-              </a:ext>
-            </a:extLst>
-          </p:cNvPr>
+      <p:grpSp>
+        <p:nvGrpSpPr>
+          <p:cNvPr id="8" name="Group 7"/>
+          <p:cNvGrpSpPr>
+            <a:grpSpLocks noChangeAspect="1"/>
+          </p:cNvGrpSpPr>
+          <p:nvPr/>
+        </p:nvGrpSpPr>
+        <p:grpSpPr>
+          <a:xfrm>
+            <a:off x="11401725" y="6229681"/>
+            <a:ext cx="457200" cy="457200"/>
+            <a:chOff x="11361456" y="6195813"/>
+            <a:chExt cx="548640" cy="548640"/>
+          </a:xfrm>
+        </p:grpSpPr>
+        <p:sp>
+          <p:nvSpPr>
+            <p:cNvPr id="9" name="Oval 8"/>
+            <p:cNvSpPr/>
+            <p:nvPr/>
+          </p:nvSpPr>
+          <p:spPr>
+            <a:xfrm>
+              <a:off x="11361456" y="6195813"/>
+              <a:ext cx="548640" cy="548640"/>
+            </a:xfrm>
+            <a:prstGeom prst="ellipse">
+              <a:avLst/>
+            </a:prstGeom>
+            <a:blipFill dpi="0" rotWithShape="1">
+              <a:blip r:embed="rId4">
+                <a:duotone>
+                  <a:schemeClr val="accent1">
+                    <a:shade val="45000"/>
+                    <a:satMod val="135000"/>
+                  </a:schemeClr>
+                  <a:prstClr val="white"/>
+                </a:duotone>
+                <a:extLst>
+                  <a:ext uri="{BEBA8EAE-BF5A-486C-A8C5-ECC9F3942E4B}">
+                    <a14:imgProps xmlns:a14="http://schemas.microsoft.com/office/drawing/2010/main">
+                      <a14:imgLayer r:embed="rId5">
+                        <a14:imgEffect>
+                          <a14:saturation sat="95000"/>
+                        </a14:imgEffect>
+                        <a14:imgEffect>
+                          <a14:brightnessContrast bright="-40000" contrast="20000"/>
+                        </a14:imgEffect>
+                      </a14:imgLayer>
+                    </a14:imgProps>
+                  </a:ext>
+                </a:extLst>
+              </a:blip>
+              <a:srcRect/>
+              <a:tile tx="50800" ty="0" sx="85000" sy="85000" flip="none" algn="tl"/>
+            </a:blipFill>
+            <a:ln w="25400" cap="flat" cmpd="sng" algn="ctr">
+              <a:noFill/>
+              <a:prstDash val="solid"/>
+            </a:ln>
+            <a:effectLst/>
+          </p:spPr>
+        </p:sp>
+        <p:sp>
+          <p:nvSpPr>
+            <p:cNvPr id="10" name="Oval 9"/>
+            <p:cNvSpPr/>
+            <p:nvPr/>
+          </p:nvSpPr>
+          <p:spPr>
+            <a:xfrm>
+              <a:off x="11396488" y="6230844"/>
+              <a:ext cx="478576" cy="478578"/>
+            </a:xfrm>
+            <a:prstGeom prst="ellipse">
+              <a:avLst/>
+            </a:prstGeom>
+            <a:noFill/>
+            <a:ln w="12700" cap="flat" cmpd="sng" algn="ctr">
+              <a:solidFill>
+                <a:sysClr val="window" lastClr="FFFFFF"/>
+              </a:solidFill>
+              <a:prstDash val="solid"/>
+            </a:ln>
+            <a:effectLst/>
+          </p:spPr>
+        </p:sp>
+      </p:grpSp>
+      <p:sp>
+        <p:nvSpPr>
+          <p:cNvPr id="7" name="Slide Number Placeholder 6"/>
           <p:cNvSpPr>
             <a:spLocks noGrp="1"/>
           </p:cNvSpPr>
@@ -2732,7 +3297,7 @@
     </p:spTree>
     <p:extLst>
       <p:ext uri="{BB962C8B-B14F-4D97-AF65-F5344CB8AC3E}">
-        <p14:creationId xmlns:p14="http://schemas.microsoft.com/office/powerpoint/2010/main" val="2497100694"/>
+        <p14:creationId xmlns:p14="http://schemas.microsoft.com/office/powerpoint/2010/main" val="2775129809"/>
       </p:ext>
     </p:extLst>
   </p:cSld>
@@ -2766,13 +3331,7 @@
       </p:grpSpPr>
       <p:sp>
         <p:nvSpPr>
-          <p:cNvPr id="2" name="Title Placeholder 1">
-            <a:extLst>
-              <a:ext uri="{FF2B5EF4-FFF2-40B4-BE49-F238E27FC236}">
-                <a16:creationId xmlns:a16="http://schemas.microsoft.com/office/drawing/2014/main" id="{BC3B444F-B268-4FD6-A452-76160124B73D}"/>
-              </a:ext>
-            </a:extLst>
-          </p:cNvPr>
+          <p:cNvPr id="2" name="Title Placeholder 1"/>
           <p:cNvSpPr>
             <a:spLocks noGrp="1"/>
           </p:cNvSpPr>
@@ -2782,8 +3341,8 @@
         </p:nvSpPr>
         <p:spPr>
           <a:xfrm>
-            <a:off x="838200" y="365125"/>
-            <a:ext cx="10515600" cy="1325563"/>
+            <a:off x="1069848" y="484632"/>
+            <a:ext cx="10058400" cy="1609344"/>
           </a:xfrm>
           <a:prstGeom prst="rect">
             <a:avLst/>
@@ -2799,18 +3358,13 @@
               <a:rPr lang="en-US"/>
               <a:t>Click to edit Master title style</a:t>
             </a:r>
-          </a:p>
-        </p:txBody>
-      </p:sp>
-      <p:sp>
-        <p:nvSpPr>
-          <p:cNvPr id="3" name="Text Placeholder 2">
-            <a:extLst>
-              <a:ext uri="{FF2B5EF4-FFF2-40B4-BE49-F238E27FC236}">
-                <a16:creationId xmlns:a16="http://schemas.microsoft.com/office/drawing/2014/main" id="{333DA5A7-2ACA-4808-9125-4CE0D66D6944}"/>
-              </a:ext>
-            </a:extLst>
-          </p:cNvPr>
+            <a:endParaRPr lang="en-US" dirty="0"/>
+          </a:p>
+        </p:txBody>
+      </p:sp>
+      <p:sp>
+        <p:nvSpPr>
+          <p:cNvPr id="3" name="Text Placeholder 2"/>
           <p:cNvSpPr>
             <a:spLocks noGrp="1"/>
           </p:cNvSpPr>
@@ -2820,8 +3374,8 @@
         </p:nvSpPr>
         <p:spPr>
           <a:xfrm>
-            <a:off x="838200" y="1825625"/>
-            <a:ext cx="10515600" cy="4351338"/>
+            <a:off x="1069848" y="2121408"/>
+            <a:ext cx="10058400" cy="4050792"/>
           </a:xfrm>
           <a:prstGeom prst="rect">
             <a:avLst/>
@@ -2866,18 +3420,13 @@
               <a:rPr lang="en-US"/>
               <a:t>Fifth level</a:t>
             </a:r>
-          </a:p>
-        </p:txBody>
-      </p:sp>
-      <p:sp>
-        <p:nvSpPr>
-          <p:cNvPr id="4" name="Date Placeholder 3">
-            <a:extLst>
-              <a:ext uri="{FF2B5EF4-FFF2-40B4-BE49-F238E27FC236}">
-                <a16:creationId xmlns:a16="http://schemas.microsoft.com/office/drawing/2014/main" id="{B0C00760-D3EC-4AD9-9946-A7E58F0410D2}"/>
-              </a:ext>
-            </a:extLst>
-          </p:cNvPr>
+            <a:endParaRPr lang="en-US" dirty="0"/>
+          </a:p>
+        </p:txBody>
+      </p:sp>
+      <p:sp>
+        <p:nvSpPr>
+          <p:cNvPr id="4" name="Date Placeholder 3"/>
           <p:cNvSpPr>
             <a:spLocks noGrp="1"/>
           </p:cNvSpPr>
@@ -2887,8 +3436,8 @@
         </p:nvSpPr>
         <p:spPr>
           <a:xfrm>
-            <a:off x="838200" y="6356350"/>
-            <a:ext cx="2743200" cy="365125"/>
+            <a:off x="7964424" y="6272784"/>
+            <a:ext cx="3273552" cy="365125"/>
           </a:xfrm>
           <a:prstGeom prst="rect">
             <a:avLst/>
@@ -2897,12 +3446,10 @@
         <p:txBody>
           <a:bodyPr vert="horz" lIns="91440" tIns="45720" rIns="91440" bIns="45720" rtlCol="0" anchor="ctr"/>
           <a:lstStyle>
-            <a:lvl1pPr algn="l">
-              <a:defRPr sz="1200">
+            <a:lvl1pPr algn="r">
+              <a:defRPr sz="1100">
                 <a:solidFill>
-                  <a:schemeClr val="tx1">
-                    <a:tint val="75000"/>
-                  </a:schemeClr>
+                  <a:schemeClr val="tx2"/>
                 </a:solidFill>
               </a:defRPr>
             </a:lvl1pPr>
@@ -2910,7 +3457,7 @@
           <a:p>
             <a:fld id="{BAFE54DC-5661-417D-B7C7-C81BD4791878}" type="datetimeFigureOut">
               <a:rPr lang="en-US" smtClean="0"/>
-              <a:t>2/6/2018</a:t>
+              <a:t>2/8/2018</a:t>
             </a:fld>
             <a:endParaRPr lang="en-US"/>
           </a:p>
@@ -2918,13 +3465,7 @@
       </p:sp>
       <p:sp>
         <p:nvSpPr>
-          <p:cNvPr id="5" name="Footer Placeholder 4">
-            <a:extLst>
-              <a:ext uri="{FF2B5EF4-FFF2-40B4-BE49-F238E27FC236}">
-                <a16:creationId xmlns:a16="http://schemas.microsoft.com/office/drawing/2014/main" id="{FD04D6DC-6369-4C8D-830D-6E10E62EF62E}"/>
-              </a:ext>
-            </a:extLst>
-          </p:cNvPr>
+          <p:cNvPr id="5" name="Footer Placeholder 4"/>
           <p:cNvSpPr>
             <a:spLocks noGrp="1"/>
           </p:cNvSpPr>
@@ -2934,8 +3475,8 @@
         </p:nvSpPr>
         <p:spPr>
           <a:xfrm>
-            <a:off x="4038600" y="6356350"/>
-            <a:ext cx="4114800" cy="365125"/>
+            <a:off x="1088136" y="6272784"/>
+            <a:ext cx="6327648" cy="365125"/>
           </a:xfrm>
           <a:prstGeom prst="rect">
             <a:avLst/>
@@ -2944,12 +3485,10 @@
         <p:txBody>
           <a:bodyPr vert="horz" lIns="91440" tIns="45720" rIns="91440" bIns="45720" rtlCol="0" anchor="ctr"/>
           <a:lstStyle>
-            <a:lvl1pPr algn="ctr">
-              <a:defRPr sz="1200">
+            <a:lvl1pPr algn="l">
+              <a:defRPr sz="1100">
                 <a:solidFill>
-                  <a:schemeClr val="tx1">
-                    <a:tint val="75000"/>
-                  </a:schemeClr>
+                  <a:schemeClr val="tx2"/>
                 </a:solidFill>
               </a:defRPr>
             </a:lvl1pPr>
@@ -2959,15 +3498,98 @@
           </a:p>
         </p:txBody>
       </p:sp>
-      <p:sp>
-        <p:nvSpPr>
-          <p:cNvPr id="6" name="Slide Number Placeholder 5">
-            <a:extLst>
-              <a:ext uri="{FF2B5EF4-FFF2-40B4-BE49-F238E27FC236}">
-                <a16:creationId xmlns:a16="http://schemas.microsoft.com/office/drawing/2014/main" id="{EF403559-CBA8-4E49-83DF-FF80D81A684F}"/>
-              </a:ext>
-            </a:extLst>
-          </p:cNvPr>
+      <p:grpSp>
+        <p:nvGrpSpPr>
+          <p:cNvPr id="7" name="Group 6"/>
+          <p:cNvGrpSpPr>
+            <a:grpSpLocks noChangeAspect="1"/>
+          </p:cNvGrpSpPr>
+          <p:nvPr/>
+        </p:nvGrpSpPr>
+        <p:grpSpPr>
+          <a:xfrm>
+            <a:off x="11401725" y="6229681"/>
+            <a:ext cx="457200" cy="457200"/>
+            <a:chOff x="11361456" y="6195813"/>
+            <a:chExt cx="548640" cy="548640"/>
+          </a:xfrm>
+        </p:grpSpPr>
+        <p:sp>
+          <p:nvSpPr>
+            <p:cNvPr id="8" name="Oval 7"/>
+            <p:cNvSpPr/>
+            <p:nvPr/>
+          </p:nvSpPr>
+          <p:spPr>
+            <a:xfrm>
+              <a:off x="11361456" y="6195813"/>
+              <a:ext cx="548640" cy="548640"/>
+            </a:xfrm>
+            <a:prstGeom prst="ellipse">
+              <a:avLst/>
+            </a:prstGeom>
+            <a:blipFill dpi="0" rotWithShape="1">
+              <a:blip r:embed="rId13">
+                <a:duotone>
+                  <a:schemeClr val="accent1">
+                    <a:shade val="45000"/>
+                    <a:satMod val="135000"/>
+                  </a:schemeClr>
+                  <a:prstClr val="white"/>
+                </a:duotone>
+                <a:extLst>
+                  <a:ext uri="{BEBA8EAE-BF5A-486C-A8C5-ECC9F3942E4B}">
+                    <a14:imgProps xmlns:a14="http://schemas.microsoft.com/office/drawing/2010/main">
+                      <a14:imgLayer r:embed="rId14">
+                        <a14:imgEffect>
+                          <a14:saturation sat="95000"/>
+                        </a14:imgEffect>
+                        <a14:imgEffect>
+                          <a14:brightnessContrast bright="-40000" contrast="20000"/>
+                        </a14:imgEffect>
+                      </a14:imgLayer>
+                    </a14:imgProps>
+                  </a:ext>
+                </a:extLst>
+              </a:blip>
+              <a:srcRect/>
+              <a:tile tx="50800" ty="0" sx="85000" sy="85000" flip="none" algn="tl"/>
+            </a:blipFill>
+            <a:ln w="25400" cap="flat" cmpd="sng" algn="ctr">
+              <a:noFill/>
+              <a:prstDash val="solid"/>
+            </a:ln>
+            <a:effectLst/>
+          </p:spPr>
+        </p:sp>
+        <p:sp>
+          <p:nvSpPr>
+            <p:cNvPr id="9" name="Oval 8"/>
+            <p:cNvSpPr/>
+            <p:nvPr/>
+          </p:nvSpPr>
+          <p:spPr>
+            <a:xfrm>
+              <a:off x="11396488" y="6230844"/>
+              <a:ext cx="478576" cy="478578"/>
+            </a:xfrm>
+            <a:prstGeom prst="ellipse">
+              <a:avLst/>
+            </a:prstGeom>
+            <a:noFill/>
+            <a:ln w="12700" cap="flat" cmpd="sng" algn="ctr">
+              <a:solidFill>
+                <a:srgbClr val="FFFFFF"/>
+              </a:solidFill>
+              <a:prstDash val="solid"/>
+            </a:ln>
+            <a:effectLst/>
+          </p:spPr>
+        </p:sp>
+      </p:grpSp>
+      <p:sp>
+        <p:nvSpPr>
+          <p:cNvPr id="6" name="Slide Number Placeholder 5"/>
           <p:cNvSpPr>
             <a:spLocks noGrp="1"/>
           </p:cNvSpPr>
@@ -2977,8 +3599,8 @@
         </p:nvSpPr>
         <p:spPr>
           <a:xfrm>
-            <a:off x="8610600" y="6356350"/>
-            <a:ext cx="2743200" cy="365125"/>
+            <a:off x="11311128" y="6272784"/>
+            <a:ext cx="640080" cy="365125"/>
           </a:xfrm>
           <a:prstGeom prst="rect">
             <a:avLst/>
@@ -2987,13 +3609,12 @@
         <p:txBody>
           <a:bodyPr vert="horz" lIns="91440" tIns="45720" rIns="91440" bIns="45720" rtlCol="0" anchor="ctr"/>
           <a:lstStyle>
-            <a:lvl1pPr algn="r">
-              <a:defRPr sz="1200">
+            <a:lvl1pPr algn="ctr">
+              <a:defRPr sz="1400" b="1">
                 <a:solidFill>
-                  <a:schemeClr val="tx1">
-                    <a:tint val="75000"/>
-                  </a:schemeClr>
+                  <a:srgbClr val="FFFFFF"/>
                 </a:solidFill>
+                <a:latin typeface="+mj-lt"/>
               </a:defRPr>
             </a:lvl1pPr>
           </a:lstStyle>
@@ -3009,23 +3630,23 @@
     </p:spTree>
     <p:extLst>
       <p:ext uri="{BB962C8B-B14F-4D97-AF65-F5344CB8AC3E}">
-        <p14:creationId xmlns:p14="http://schemas.microsoft.com/office/powerpoint/2010/main" val="1724442115"/>
+        <p14:creationId xmlns:p14="http://schemas.microsoft.com/office/powerpoint/2010/main" val="4241426029"/>
       </p:ext>
     </p:extLst>
   </p:cSld>
   <p:clrMap bg1="lt1" tx1="dk1" bg2="lt2" tx2="dk2" accent1="accent1" accent2="accent2" accent3="accent3" accent4="accent4" accent5="accent5" accent6="accent6" hlink="hlink" folHlink="folHlink"/>
   <p:sldLayoutIdLst>
-    <p:sldLayoutId id="2147483649" r:id="rId1"/>
-    <p:sldLayoutId id="2147483650" r:id="rId2"/>
-    <p:sldLayoutId id="2147483651" r:id="rId3"/>
-    <p:sldLayoutId id="2147483652" r:id="rId4"/>
-    <p:sldLayoutId id="2147483653" r:id="rId5"/>
-    <p:sldLayoutId id="2147483654" r:id="rId6"/>
-    <p:sldLayoutId id="2147483655" r:id="rId7"/>
-    <p:sldLayoutId id="2147483656" r:id="rId8"/>
-    <p:sldLayoutId id="2147483657" r:id="rId9"/>
-    <p:sldLayoutId id="2147483658" r:id="rId10"/>
-    <p:sldLayoutId id="2147483659" r:id="rId11"/>
+    <p:sldLayoutId id="2147483673" r:id="rId1"/>
+    <p:sldLayoutId id="2147483674" r:id="rId2"/>
+    <p:sldLayoutId id="2147483675" r:id="rId3"/>
+    <p:sldLayoutId id="2147483676" r:id="rId4"/>
+    <p:sldLayoutId id="2147483677" r:id="rId5"/>
+    <p:sldLayoutId id="2147483678" r:id="rId6"/>
+    <p:sldLayoutId id="2147483679" r:id="rId7"/>
+    <p:sldLayoutId id="2147483680" r:id="rId8"/>
+    <p:sldLayoutId id="2147483681" r:id="rId9"/>
+    <p:sldLayoutId id="2147483682" r:id="rId10"/>
+    <p:sldLayoutId id="2147483683" r:id="rId11"/>
   </p:sldLayoutIdLst>
   <p:txStyles>
     <p:titleStyle>
@@ -3037,10 +3658,17 @@
           <a:spcPct val="0"/>
         </a:spcBef>
         <a:buNone/>
-        <a:defRPr sz="4400" kern="1200">
-          <a:solidFill>
-            <a:schemeClr val="tx1"/>
-          </a:solidFill>
+        <a:defRPr sz="5400" kern="1200" cap="all" baseline="0">
+          <a:blipFill>
+            <a:blip r:embed="rId15">
+              <a:extLst>
+                <a:ext uri="{28A0092B-C50C-407E-A947-70E740481C1C}">
+                  <a14:useLocalDpi xmlns:a14="http://schemas.microsoft.com/office/drawing/2010/main" val="0"/>
+                </a:ext>
+              </a:extLst>
+            </a:blip>
+            <a:tile tx="6350" ty="-127000" sx="65000" sy="64000" flip="none" algn="tl"/>
+          </a:blipFill>
           <a:latin typeface="+mj-lt"/>
           <a:ea typeface="+mj-ea"/>
           <a:cs typeface="+mj-cs"/>
@@ -3048,16 +3676,22 @@
       </a:lvl1pPr>
     </p:titleStyle>
     <p:bodyStyle>
-      <a:lvl1pPr marL="228600" indent="-228600" algn="l" defTabSz="914400" rtl="0" eaLnBrk="1" latinLnBrk="0" hangingPunct="1">
+      <a:lvl1pPr marL="182880" indent="-182880" algn="l" defTabSz="914400" rtl="0" eaLnBrk="1" latinLnBrk="0" hangingPunct="1">
         <a:lnSpc>
           <a:spcPct val="90000"/>
         </a:lnSpc>
         <a:spcBef>
-          <a:spcPts val="1000"/>
+          <a:spcPts val="1200"/>
         </a:spcBef>
-        <a:buFont typeface="Arial" panose="020B0604020202020204" pitchFamily="34" charset="0"/>
-        <a:buChar char="•"/>
-        <a:defRPr sz="2800" kern="1200">
+        <a:buClr>
+          <a:schemeClr val="accent1">
+            <a:lumMod val="75000"/>
+          </a:schemeClr>
+        </a:buClr>
+        <a:buSzPct val="85000"/>
+        <a:buFont typeface="Wingdings" pitchFamily="2" charset="2"/>
+        <a:buChar char="§"/>
+        <a:defRPr sz="2000" kern="1200">
           <a:solidFill>
             <a:schemeClr val="tx1"/>
           </a:solidFill>
@@ -3066,16 +3700,25 @@
           <a:cs typeface="+mn-cs"/>
         </a:defRPr>
       </a:lvl1pPr>
-      <a:lvl2pPr marL="685800" indent="-228600" algn="l" defTabSz="914400" rtl="0" eaLnBrk="1" latinLnBrk="0" hangingPunct="1">
+      <a:lvl2pPr marL="457200" indent="-182880" algn="l" defTabSz="914400" rtl="0" eaLnBrk="1" latinLnBrk="0" hangingPunct="1">
         <a:lnSpc>
           <a:spcPct val="90000"/>
         </a:lnSpc>
         <a:spcBef>
-          <a:spcPts val="500"/>
+          <a:spcPts val="400"/>
         </a:spcBef>
-        <a:buFont typeface="Arial" panose="020B0604020202020204" pitchFamily="34" charset="0"/>
-        <a:buChar char="•"/>
-        <a:defRPr sz="2400" kern="1200">
+        <a:spcAft>
+          <a:spcPts val="200"/>
+        </a:spcAft>
+        <a:buClr>
+          <a:schemeClr val="accent1">
+            <a:lumMod val="75000"/>
+          </a:schemeClr>
+        </a:buClr>
+        <a:buSzPct val="85000"/>
+        <a:buFont typeface="Wingdings" pitchFamily="2" charset="2"/>
+        <a:buChar char="§"/>
+        <a:defRPr sz="1800" kern="1200">
           <a:solidFill>
             <a:schemeClr val="tx1"/>
           </a:solidFill>
@@ -3084,16 +3727,25 @@
           <a:cs typeface="+mn-cs"/>
         </a:defRPr>
       </a:lvl2pPr>
-      <a:lvl3pPr marL="1143000" indent="-228600" algn="l" defTabSz="914400" rtl="0" eaLnBrk="1" latinLnBrk="0" hangingPunct="1">
+      <a:lvl3pPr marL="731520" indent="-182880" algn="l" defTabSz="914400" rtl="0" eaLnBrk="1" latinLnBrk="0" hangingPunct="1">
         <a:lnSpc>
           <a:spcPct val="90000"/>
         </a:lnSpc>
         <a:spcBef>
-          <a:spcPts val="500"/>
+          <a:spcPts val="400"/>
         </a:spcBef>
-        <a:buFont typeface="Arial" panose="020B0604020202020204" pitchFamily="34" charset="0"/>
-        <a:buChar char="•"/>
-        <a:defRPr sz="2000" kern="1200">
+        <a:spcAft>
+          <a:spcPts val="200"/>
+        </a:spcAft>
+        <a:buClr>
+          <a:schemeClr val="accent1">
+            <a:lumMod val="75000"/>
+          </a:schemeClr>
+        </a:buClr>
+        <a:buSzPct val="85000"/>
+        <a:buFont typeface="Wingdings" pitchFamily="2" charset="2"/>
+        <a:buChar char="§"/>
+        <a:defRPr sz="1600" kern="1200">
           <a:solidFill>
             <a:schemeClr val="tx1"/>
           </a:solidFill>
@@ -3102,16 +3754,25 @@
           <a:cs typeface="+mn-cs"/>
         </a:defRPr>
       </a:lvl3pPr>
-      <a:lvl4pPr marL="1600200" indent="-228600" algn="l" defTabSz="914400" rtl="0" eaLnBrk="1" latinLnBrk="0" hangingPunct="1">
+      <a:lvl4pPr marL="1005840" indent="-182880" algn="l" defTabSz="914400" rtl="0" eaLnBrk="1" latinLnBrk="0" hangingPunct="1">
         <a:lnSpc>
           <a:spcPct val="90000"/>
         </a:lnSpc>
         <a:spcBef>
-          <a:spcPts val="500"/>
+          <a:spcPts val="400"/>
         </a:spcBef>
-        <a:buFont typeface="Arial" panose="020B0604020202020204" pitchFamily="34" charset="0"/>
-        <a:buChar char="•"/>
-        <a:defRPr sz="1800" kern="1200">
+        <a:spcAft>
+          <a:spcPts val="200"/>
+        </a:spcAft>
+        <a:buClr>
+          <a:schemeClr val="accent1">
+            <a:lumMod val="75000"/>
+          </a:schemeClr>
+        </a:buClr>
+        <a:buSzPct val="85000"/>
+        <a:buFont typeface="Wingdings" pitchFamily="2" charset="2"/>
+        <a:buChar char="§"/>
+        <a:defRPr sz="1600" kern="1200">
           <a:solidFill>
             <a:schemeClr val="tx1"/>
           </a:solidFill>
@@ -3120,16 +3781,25 @@
           <a:cs typeface="+mn-cs"/>
         </a:defRPr>
       </a:lvl4pPr>
-      <a:lvl5pPr marL="2057400" indent="-228600" algn="l" defTabSz="914400" rtl="0" eaLnBrk="1" latinLnBrk="0" hangingPunct="1">
+      <a:lvl5pPr marL="1280160" indent="-182880" algn="l" defTabSz="914400" rtl="0" eaLnBrk="1" latinLnBrk="0" hangingPunct="1">
         <a:lnSpc>
           <a:spcPct val="90000"/>
         </a:lnSpc>
         <a:spcBef>
-          <a:spcPts val="500"/>
+          <a:spcPts val="400"/>
         </a:spcBef>
-        <a:buFont typeface="Arial" panose="020B0604020202020204" pitchFamily="34" charset="0"/>
-        <a:buChar char="•"/>
-        <a:defRPr sz="1800" kern="1200">
+        <a:spcAft>
+          <a:spcPts val="200"/>
+        </a:spcAft>
+        <a:buClr>
+          <a:schemeClr val="accent1">
+            <a:lumMod val="75000"/>
+          </a:schemeClr>
+        </a:buClr>
+        <a:buSzPct val="85000"/>
+        <a:buFont typeface="Wingdings" pitchFamily="2" charset="2"/>
+        <a:buChar char="§"/>
+        <a:defRPr sz="1600" kern="1200">
           <a:solidFill>
             <a:schemeClr val="tx1"/>
           </a:solidFill>
@@ -3138,16 +3808,25 @@
           <a:cs typeface="+mn-cs"/>
         </a:defRPr>
       </a:lvl5pPr>
-      <a:lvl6pPr marL="2514600" indent="-228600" algn="l" defTabSz="914400" rtl="0" eaLnBrk="1" latinLnBrk="0" hangingPunct="1">
+      <a:lvl6pPr marL="1600000" indent="-228600" algn="l" defTabSz="914400" rtl="0" eaLnBrk="1" latinLnBrk="0" hangingPunct="1">
         <a:lnSpc>
           <a:spcPct val="90000"/>
         </a:lnSpc>
         <a:spcBef>
-          <a:spcPts val="500"/>
+          <a:spcPts val="400"/>
         </a:spcBef>
-        <a:buFont typeface="Arial" panose="020B0604020202020204" pitchFamily="34" charset="0"/>
-        <a:buChar char="•"/>
-        <a:defRPr sz="1800" kern="1200">
+        <a:spcAft>
+          <a:spcPts val="200"/>
+        </a:spcAft>
+        <a:buClr>
+          <a:schemeClr val="accent1">
+            <a:lumMod val="75000"/>
+          </a:schemeClr>
+        </a:buClr>
+        <a:buSzPct val="85000"/>
+        <a:buFont typeface="Wingdings" pitchFamily="2" charset="2"/>
+        <a:buChar char="§"/>
+        <a:defRPr sz="1600" kern="1200">
           <a:solidFill>
             <a:schemeClr val="tx1"/>
           </a:solidFill>
@@ -3156,16 +3835,25 @@
           <a:cs typeface="+mn-cs"/>
         </a:defRPr>
       </a:lvl6pPr>
-      <a:lvl7pPr marL="2971800" indent="-228600" algn="l" defTabSz="914400" rtl="0" eaLnBrk="1" latinLnBrk="0" hangingPunct="1">
+      <a:lvl7pPr marL="1900000" indent="-228600" algn="l" defTabSz="914400" rtl="0" eaLnBrk="1" latinLnBrk="0" hangingPunct="1">
         <a:lnSpc>
           <a:spcPct val="90000"/>
         </a:lnSpc>
         <a:spcBef>
-          <a:spcPts val="500"/>
+          <a:spcPts val="400"/>
         </a:spcBef>
-        <a:buFont typeface="Arial" panose="020B0604020202020204" pitchFamily="34" charset="0"/>
-        <a:buChar char="•"/>
-        <a:defRPr sz="1800" kern="1200">
+        <a:spcAft>
+          <a:spcPts val="200"/>
+        </a:spcAft>
+        <a:buClr>
+          <a:schemeClr val="accent1">
+            <a:lumMod val="75000"/>
+          </a:schemeClr>
+        </a:buClr>
+        <a:buSzPct val="85000"/>
+        <a:buFont typeface="Wingdings" pitchFamily="2" charset="2"/>
+        <a:buChar char="§"/>
+        <a:defRPr sz="1600" kern="1200">
           <a:solidFill>
             <a:schemeClr val="tx1"/>
           </a:solidFill>
@@ -3174,16 +3862,25 @@
           <a:cs typeface="+mn-cs"/>
         </a:defRPr>
       </a:lvl7pPr>
-      <a:lvl8pPr marL="3429000" indent="-228600" algn="l" defTabSz="914400" rtl="0" eaLnBrk="1" latinLnBrk="0" hangingPunct="1">
+      <a:lvl8pPr marL="2200000" indent="-228600" algn="l" defTabSz="914400" rtl="0" eaLnBrk="1" latinLnBrk="0" hangingPunct="1">
         <a:lnSpc>
           <a:spcPct val="90000"/>
         </a:lnSpc>
         <a:spcBef>
-          <a:spcPts val="500"/>
+          <a:spcPts val="400"/>
         </a:spcBef>
-        <a:buFont typeface="Arial" panose="020B0604020202020204" pitchFamily="34" charset="0"/>
-        <a:buChar char="•"/>
-        <a:defRPr sz="1800" kern="1200">
+        <a:spcAft>
+          <a:spcPts val="200"/>
+        </a:spcAft>
+        <a:buClr>
+          <a:schemeClr val="accent1">
+            <a:lumMod val="75000"/>
+          </a:schemeClr>
+        </a:buClr>
+        <a:buSzPct val="85000"/>
+        <a:buFont typeface="Wingdings" pitchFamily="2" charset="2"/>
+        <a:buChar char="§"/>
+        <a:defRPr sz="1600" kern="1200">
           <a:solidFill>
             <a:schemeClr val="tx1"/>
           </a:solidFill>
@@ -3192,16 +3889,25 @@
           <a:cs typeface="+mn-cs"/>
         </a:defRPr>
       </a:lvl8pPr>
-      <a:lvl9pPr marL="3886200" indent="-228600" algn="l" defTabSz="914400" rtl="0" eaLnBrk="1" latinLnBrk="0" hangingPunct="1">
+      <a:lvl9pPr marL="2500000" indent="-228600" algn="l" defTabSz="914400" rtl="0" eaLnBrk="1" latinLnBrk="0" hangingPunct="1">
         <a:lnSpc>
           <a:spcPct val="90000"/>
         </a:lnSpc>
         <a:spcBef>
-          <a:spcPts val="500"/>
+          <a:spcPts val="400"/>
         </a:spcBef>
-        <a:buFont typeface="Arial" panose="020B0604020202020204" pitchFamily="34" charset="0"/>
-        <a:buChar char="•"/>
-        <a:defRPr sz="1800" kern="1200">
+        <a:spcAft>
+          <a:spcPts val="200"/>
+        </a:spcAft>
+        <a:buClr>
+          <a:schemeClr val="accent1">
+            <a:lumMod val="75000"/>
+          </a:schemeClr>
+        </a:buClr>
+        <a:buSzPct val="85000"/>
+        <a:buFont typeface="Wingdings" pitchFamily="2" charset="2"/>
+        <a:buChar char="§"/>
+        <a:defRPr sz="1600" kern="1200">
           <a:solidFill>
             <a:schemeClr val="tx1"/>
           </a:solidFill>
@@ -3374,7 +4080,7 @@
         <p:spPr/>
         <p:txBody>
           <a:bodyPr>
-            <a:normAutofit lnSpcReduction="10000"/>
+            <a:normAutofit fontScale="55000" lnSpcReduction="20000"/>
           </a:bodyPr>
           <a:lstStyle/>
           <a:p>
@@ -3417,6 +4123,740 @@
     <p:extLst>
       <p:ext uri="{BB962C8B-B14F-4D97-AF65-F5344CB8AC3E}">
         <p14:creationId xmlns:p14="http://schemas.microsoft.com/office/powerpoint/2010/main" val="4115962085"/>
+      </p:ext>
+    </p:extLst>
+  </p:cSld>
+  <p:clrMapOvr>
+    <a:masterClrMapping/>
+  </p:clrMapOvr>
+</p:sld>
+</file>
+
+<file path=ppt/slides/slide10.xml><?xml version="1.0" encoding="utf-8"?>
+<p:sld xmlns:a="http://schemas.openxmlformats.org/drawingml/2006/main" xmlns:r="http://schemas.openxmlformats.org/officeDocument/2006/relationships" xmlns:p="http://schemas.openxmlformats.org/presentationml/2006/main">
+  <p:cSld>
+    <p:spTree>
+      <p:nvGrpSpPr>
+        <p:cNvPr id="1" name=""/>
+        <p:cNvGrpSpPr/>
+        <p:nvPr/>
+      </p:nvGrpSpPr>
+      <p:grpSpPr>
+        <a:xfrm>
+          <a:off x="0" y="0"/>
+          <a:ext cx="0" cy="0"/>
+          <a:chOff x="0" y="0"/>
+          <a:chExt cx="0" cy="0"/>
+        </a:xfrm>
+      </p:grpSpPr>
+      <p:sp>
+        <p:nvSpPr>
+          <p:cNvPr id="2" name="Title 1">
+            <a:extLst>
+              <a:ext uri="{FF2B5EF4-FFF2-40B4-BE49-F238E27FC236}">
+                <a16:creationId xmlns:a16="http://schemas.microsoft.com/office/drawing/2014/main" id="{1E6D5486-A76F-4ED0-9047-60A0ED0C40DF}"/>
+              </a:ext>
+            </a:extLst>
+          </p:cNvPr>
+          <p:cNvSpPr>
+            <a:spLocks noGrp="1"/>
+          </p:cNvSpPr>
+          <p:nvPr>
+            <p:ph type="title"/>
+          </p:nvPr>
+        </p:nvSpPr>
+        <p:spPr>
+          <a:xfrm>
+            <a:off x="718931" y="537405"/>
+            <a:ext cx="6013174" cy="1105866"/>
+          </a:xfrm>
+        </p:spPr>
+        <p:txBody>
+          <a:bodyPr/>
+          <a:lstStyle/>
+          <a:p>
+            <a:r>
+              <a:rPr lang="en-US" dirty="0"/>
+              <a:t>Charlotte</a:t>
+            </a:r>
+          </a:p>
+        </p:txBody>
+      </p:sp>
+      <p:pic>
+        <p:nvPicPr>
+          <p:cNvPr id="5" name="Content Placeholder 4">
+            <a:extLst>
+              <a:ext uri="{FF2B5EF4-FFF2-40B4-BE49-F238E27FC236}">
+                <a16:creationId xmlns:a16="http://schemas.microsoft.com/office/drawing/2014/main" id="{7E31A24E-B1C4-4BAD-B7D7-4AF97176F8AA}"/>
+              </a:ext>
+            </a:extLst>
+          </p:cNvPr>
+          <p:cNvPicPr>
+            <a:picLocks noGrp="1" noChangeAspect="1"/>
+          </p:cNvPicPr>
+          <p:nvPr>
+            <p:ph idx="1"/>
+          </p:nvPr>
+        </p:nvPicPr>
+        <p:blipFill rotWithShape="1">
+          <a:blip r:embed="rId2">
+            <a:extLst>
+              <a:ext uri="{28A0092B-C50C-407E-A947-70E740481C1C}">
+                <a14:useLocalDpi xmlns:a14="http://schemas.microsoft.com/office/drawing/2010/main" val="0"/>
+              </a:ext>
+            </a:extLst>
+          </a:blip>
+          <a:stretch/>
+        </p:blipFill>
+        <p:spPr>
+          <a:xfrm>
+            <a:off x="838200" y="2518561"/>
+            <a:ext cx="7226613" cy="3449638"/>
+          </a:xfrm>
+          <a:prstGeom prst="rect">
+            <a:avLst/>
+          </a:prstGeom>
+          <a:ln w="38100" cap="sq">
+            <a:solidFill>
+              <a:srgbClr val="000000"/>
+            </a:solidFill>
+            <a:prstDash val="solid"/>
+            <a:miter lim="800000"/>
+          </a:ln>
+          <a:effectLst>
+            <a:outerShdw blurRad="50800" dist="38100" dir="2700000" algn="tl" rotWithShape="0">
+              <a:srgbClr val="000000">
+                <a:alpha val="43000"/>
+              </a:srgbClr>
+            </a:outerShdw>
+          </a:effectLst>
+        </p:spPr>
+      </p:pic>
+      <p:pic>
+        <p:nvPicPr>
+          <p:cNvPr id="7" name="Picture 6">
+            <a:extLst>
+              <a:ext uri="{FF2B5EF4-FFF2-40B4-BE49-F238E27FC236}">
+                <a16:creationId xmlns:a16="http://schemas.microsoft.com/office/drawing/2014/main" id="{CC9D30F7-0397-4AD2-B5F5-25F0B157BB9E}"/>
+              </a:ext>
+            </a:extLst>
+          </p:cNvPr>
+          <p:cNvPicPr>
+            <a:picLocks noChangeAspect="1"/>
+          </p:cNvPicPr>
+          <p:nvPr/>
+        </p:nvPicPr>
+        <p:blipFill rotWithShape="1">
+          <a:blip r:embed="rId3">
+            <a:extLst>
+              <a:ext uri="{28A0092B-C50C-407E-A947-70E740481C1C}">
+                <a14:useLocalDpi xmlns:a14="http://schemas.microsoft.com/office/drawing/2010/main" val="0"/>
+              </a:ext>
+            </a:extLst>
+          </a:blip>
+          <a:srcRect l="202" t="-1" b="-1064"/>
+          <a:stretch/>
+        </p:blipFill>
+        <p:spPr>
+          <a:xfrm>
+            <a:off x="8600659" y="537405"/>
+            <a:ext cx="2872410" cy="1937777"/>
+          </a:xfrm>
+          <a:prstGeom prst="ellipse">
+            <a:avLst/>
+          </a:prstGeom>
+          <a:ln w="190500" cap="rnd">
+            <a:solidFill>
+              <a:srgbClr val="C8C6BD"/>
+            </a:solidFill>
+            <a:prstDash val="solid"/>
+          </a:ln>
+          <a:effectLst>
+            <a:outerShdw blurRad="127000" algn="bl" rotWithShape="0">
+              <a:srgbClr val="000000"/>
+            </a:outerShdw>
+          </a:effectLst>
+          <a:scene3d>
+            <a:camera prst="perspectiveFront" fov="5400000"/>
+            <a:lightRig rig="threePt" dir="t">
+              <a:rot lat="0" lon="0" rev="19200000"/>
+            </a:lightRig>
+          </a:scene3d>
+          <a:sp3d extrusionH="25400">
+            <a:bevelT w="304800" h="152400" prst="hardEdge"/>
+            <a:extrusionClr>
+              <a:srgbClr val="000000"/>
+            </a:extrusionClr>
+          </a:sp3d>
+        </p:spPr>
+      </p:pic>
+      <p:sp>
+        <p:nvSpPr>
+          <p:cNvPr id="8" name="TextBox 7">
+            <a:extLst>
+              <a:ext uri="{FF2B5EF4-FFF2-40B4-BE49-F238E27FC236}">
+                <a16:creationId xmlns:a16="http://schemas.microsoft.com/office/drawing/2014/main" id="{F1A198B9-2BBE-4983-A973-0F4CC9157726}"/>
+              </a:ext>
+            </a:extLst>
+          </p:cNvPr>
+          <p:cNvSpPr txBox="1"/>
+          <p:nvPr/>
+        </p:nvSpPr>
+        <p:spPr>
+          <a:xfrm>
+            <a:off x="8995739" y="3505656"/>
+            <a:ext cx="2358061" cy="1200329"/>
+          </a:xfrm>
+          <a:prstGeom prst="rect">
+            <a:avLst/>
+          </a:prstGeom>
+          <a:noFill/>
+        </p:spPr>
+        <p:txBody>
+          <a:bodyPr wrap="square" rtlCol="0">
+            <a:spAutoFit/>
+          </a:bodyPr>
+          <a:lstStyle/>
+          <a:p>
+            <a:r>
+              <a:rPr lang="en-US" dirty="0"/>
+              <a:t>The birth of princess Charlotte of Cambridge has a massive influence.</a:t>
+            </a:r>
+          </a:p>
+        </p:txBody>
+      </p:sp>
+    </p:spTree>
+    <p:extLst>
+      <p:ext uri="{BB962C8B-B14F-4D97-AF65-F5344CB8AC3E}">
+        <p14:creationId xmlns:p14="http://schemas.microsoft.com/office/powerpoint/2010/main" val="786902840"/>
+      </p:ext>
+    </p:extLst>
+  </p:cSld>
+  <p:clrMapOvr>
+    <a:masterClrMapping/>
+  </p:clrMapOvr>
+</p:sld>
+</file>
+
+<file path=ppt/slides/slide11.xml><?xml version="1.0" encoding="utf-8"?>
+<p:sld xmlns:a="http://schemas.openxmlformats.org/drawingml/2006/main" xmlns:r="http://schemas.openxmlformats.org/officeDocument/2006/relationships" xmlns:p="http://schemas.openxmlformats.org/presentationml/2006/main">
+  <p:cSld>
+    <p:spTree>
+      <p:nvGrpSpPr>
+        <p:cNvPr id="1" name=""/>
+        <p:cNvGrpSpPr/>
+        <p:nvPr/>
+      </p:nvGrpSpPr>
+      <p:grpSpPr>
+        <a:xfrm>
+          <a:off x="0" y="0"/>
+          <a:ext cx="0" cy="0"/>
+          <a:chOff x="0" y="0"/>
+          <a:chExt cx="0" cy="0"/>
+        </a:xfrm>
+      </p:grpSpPr>
+      <p:sp>
+        <p:nvSpPr>
+          <p:cNvPr id="2" name="Title 1">
+            <a:extLst>
+              <a:ext uri="{FF2B5EF4-FFF2-40B4-BE49-F238E27FC236}">
+                <a16:creationId xmlns:a16="http://schemas.microsoft.com/office/drawing/2014/main" id="{01191A72-9BE5-46CA-8DDA-BAA69DE2A7BA}"/>
+              </a:ext>
+            </a:extLst>
+          </p:cNvPr>
+          <p:cNvSpPr>
+            <a:spLocks noGrp="1"/>
+          </p:cNvSpPr>
+          <p:nvPr>
+            <p:ph type="title"/>
+          </p:nvPr>
+        </p:nvSpPr>
+        <p:spPr>
+          <a:xfrm>
+            <a:off x="1069848" y="484632"/>
+            <a:ext cx="4761109" cy="1609344"/>
+          </a:xfrm>
+        </p:spPr>
+        <p:txBody>
+          <a:bodyPr/>
+          <a:lstStyle/>
+          <a:p>
+            <a:r>
+              <a:rPr lang="en-US" dirty="0"/>
+              <a:t>Phoebe</a:t>
+            </a:r>
+          </a:p>
+        </p:txBody>
+      </p:sp>
+      <p:pic>
+        <p:nvPicPr>
+          <p:cNvPr id="5" name="Content Placeholder 4">
+            <a:extLst>
+              <a:ext uri="{FF2B5EF4-FFF2-40B4-BE49-F238E27FC236}">
+                <a16:creationId xmlns:a16="http://schemas.microsoft.com/office/drawing/2014/main" id="{70D3F791-5D07-4CFA-B483-DF141AD22E79}"/>
+              </a:ext>
+            </a:extLst>
+          </p:cNvPr>
+          <p:cNvPicPr>
+            <a:picLocks noGrp="1" noChangeAspect="1"/>
+          </p:cNvPicPr>
+          <p:nvPr>
+            <p:ph idx="1"/>
+          </p:nvPr>
+        </p:nvPicPr>
+        <p:blipFill>
+          <a:blip r:embed="rId2">
+            <a:extLst>
+              <a:ext uri="{28A0092B-C50C-407E-A947-70E740481C1C}">
+                <a14:useLocalDpi xmlns:a14="http://schemas.microsoft.com/office/drawing/2010/main" val="0"/>
+              </a:ext>
+            </a:extLst>
+          </a:blip>
+          <a:stretch>
+            <a:fillRect/>
+          </a:stretch>
+        </p:blipFill>
+        <p:spPr>
+          <a:xfrm>
+            <a:off x="1069848" y="2644793"/>
+            <a:ext cx="7215244" cy="3480593"/>
+          </a:xfrm>
+          <a:prstGeom prst="rect">
+            <a:avLst/>
+          </a:prstGeom>
+          <a:ln w="38100" cap="sq">
+            <a:solidFill>
+              <a:srgbClr val="000000"/>
+            </a:solidFill>
+            <a:prstDash val="solid"/>
+            <a:miter lim="800000"/>
+          </a:ln>
+          <a:effectLst>
+            <a:outerShdw blurRad="50800" dist="38100" dir="2700000" algn="tl" rotWithShape="0">
+              <a:srgbClr val="000000">
+                <a:alpha val="43000"/>
+              </a:srgbClr>
+            </a:outerShdw>
+          </a:effectLst>
+        </p:spPr>
+      </p:pic>
+      <p:pic>
+        <p:nvPicPr>
+          <p:cNvPr id="7" name="Picture 6">
+            <a:extLst>
+              <a:ext uri="{FF2B5EF4-FFF2-40B4-BE49-F238E27FC236}">
+                <a16:creationId xmlns:a16="http://schemas.microsoft.com/office/drawing/2014/main" id="{56F93C0C-4A04-4847-9DFA-BB298E13F357}"/>
+              </a:ext>
+            </a:extLst>
+          </p:cNvPr>
+          <p:cNvPicPr>
+            <a:picLocks noChangeAspect="1"/>
+          </p:cNvPicPr>
+          <p:nvPr/>
+        </p:nvPicPr>
+        <p:blipFill>
+          <a:blip r:embed="rId3">
+            <a:extLst>
+              <a:ext uri="{28A0092B-C50C-407E-A947-70E740481C1C}">
+                <a14:useLocalDpi xmlns:a14="http://schemas.microsoft.com/office/drawing/2010/main" val="0"/>
+              </a:ext>
+            </a:extLst>
+          </a:blip>
+          <a:stretch>
+            <a:fillRect/>
+          </a:stretch>
+        </p:blipFill>
+        <p:spPr>
+          <a:xfrm>
+            <a:off x="8764091" y="1248603"/>
+            <a:ext cx="2853923" cy="2180397"/>
+          </a:xfrm>
+          <a:prstGeom prst="roundRect">
+            <a:avLst>
+              <a:gd name="adj" fmla="val 4167"/>
+            </a:avLst>
+          </a:prstGeom>
+          <a:solidFill>
+            <a:srgbClr val="FFFFFF"/>
+          </a:solidFill>
+          <a:ln w="76200" cap="sq">
+            <a:solidFill>
+              <a:srgbClr val="292929"/>
+            </a:solidFill>
+            <a:miter lim="800000"/>
+          </a:ln>
+          <a:effectLst>
+            <a:reflection blurRad="12700" stA="28000" endPos="28000" dist="5000" dir="5400000" sy="-100000" algn="bl" rotWithShape="0"/>
+          </a:effectLst>
+          <a:scene3d>
+            <a:camera prst="orthographicFront"/>
+            <a:lightRig rig="threePt" dir="t">
+              <a:rot lat="0" lon="0" rev="2700000"/>
+            </a:lightRig>
+          </a:scene3d>
+          <a:sp3d>
+            <a:bevelT h="38100"/>
+            <a:contourClr>
+              <a:srgbClr val="C0C0C0"/>
+            </a:contourClr>
+          </a:sp3d>
+        </p:spPr>
+      </p:pic>
+      <p:sp>
+        <p:nvSpPr>
+          <p:cNvPr id="8" name="TextBox 7">
+            <a:extLst>
+              <a:ext uri="{FF2B5EF4-FFF2-40B4-BE49-F238E27FC236}">
+                <a16:creationId xmlns:a16="http://schemas.microsoft.com/office/drawing/2014/main" id="{B871BAA7-B734-4896-B7E7-B923A61A4248}"/>
+              </a:ext>
+            </a:extLst>
+          </p:cNvPr>
+          <p:cNvSpPr txBox="1"/>
+          <p:nvPr/>
+        </p:nvSpPr>
+        <p:spPr>
+          <a:xfrm>
+            <a:off x="8939011" y="4385089"/>
+            <a:ext cx="2679003" cy="923330"/>
+          </a:xfrm>
+          <a:prstGeom prst="rect">
+            <a:avLst/>
+          </a:prstGeom>
+          <a:noFill/>
+        </p:spPr>
+        <p:txBody>
+          <a:bodyPr wrap="none" rtlCol="0">
+            <a:spAutoFit/>
+          </a:bodyPr>
+          <a:lstStyle/>
+          <a:p>
+            <a:r>
+              <a:rPr lang="en-US" dirty="0"/>
+              <a:t>TV Show’s influence</a:t>
+            </a:r>
+          </a:p>
+          <a:p>
+            <a:r>
+              <a:rPr lang="en-US" dirty="0"/>
+              <a:t>on babies’ names;</a:t>
+            </a:r>
+          </a:p>
+          <a:p>
+            <a:r>
+              <a:rPr lang="en-US" dirty="0"/>
+              <a:t>Friends started in 1994.</a:t>
+            </a:r>
+          </a:p>
+        </p:txBody>
+      </p:sp>
+    </p:spTree>
+    <p:extLst>
+      <p:ext uri="{BB962C8B-B14F-4D97-AF65-F5344CB8AC3E}">
+        <p14:creationId xmlns:p14="http://schemas.microsoft.com/office/powerpoint/2010/main" val="1662382764"/>
+      </p:ext>
+    </p:extLst>
+  </p:cSld>
+  <p:clrMapOvr>
+    <a:masterClrMapping/>
+  </p:clrMapOvr>
+</p:sld>
+</file>
+
+<file path=ppt/slides/slide12.xml><?xml version="1.0" encoding="utf-8"?>
+<p:sld xmlns:a="http://schemas.openxmlformats.org/drawingml/2006/main" xmlns:r="http://schemas.openxmlformats.org/officeDocument/2006/relationships" xmlns:p="http://schemas.openxmlformats.org/presentationml/2006/main">
+  <p:cSld>
+    <p:spTree>
+      <p:nvGrpSpPr>
+        <p:cNvPr id="1" name=""/>
+        <p:cNvGrpSpPr/>
+        <p:nvPr/>
+      </p:nvGrpSpPr>
+      <p:grpSpPr>
+        <a:xfrm>
+          <a:off x="0" y="0"/>
+          <a:ext cx="0" cy="0"/>
+          <a:chOff x="0" y="0"/>
+          <a:chExt cx="0" cy="0"/>
+        </a:xfrm>
+      </p:grpSpPr>
+      <p:sp>
+        <p:nvSpPr>
+          <p:cNvPr id="2" name="Title 1">
+            <a:extLst>
+              <a:ext uri="{FF2B5EF4-FFF2-40B4-BE49-F238E27FC236}">
+                <a16:creationId xmlns:a16="http://schemas.microsoft.com/office/drawing/2014/main" id="{F725FB07-9470-4F77-BBD7-6EFF04DB761F}"/>
+              </a:ext>
+            </a:extLst>
+          </p:cNvPr>
+          <p:cNvSpPr>
+            <a:spLocks noGrp="1"/>
+          </p:cNvSpPr>
+          <p:nvPr>
+            <p:ph type="title"/>
+          </p:nvPr>
+        </p:nvSpPr>
+        <p:spPr>
+          <a:xfrm>
+            <a:off x="1069848" y="471379"/>
+            <a:ext cx="3626676" cy="1762539"/>
+          </a:xfrm>
+        </p:spPr>
+        <p:txBody>
+          <a:bodyPr/>
+          <a:lstStyle/>
+          <a:p>
+            <a:r>
+              <a:rPr lang="en-US" dirty="0"/>
+              <a:t>Ronaldo’s</a:t>
+            </a:r>
+          </a:p>
+        </p:txBody>
+      </p:sp>
+      <p:pic>
+        <p:nvPicPr>
+          <p:cNvPr id="5" name="Content Placeholder 4">
+            <a:extLst>
+              <a:ext uri="{FF2B5EF4-FFF2-40B4-BE49-F238E27FC236}">
+                <a16:creationId xmlns:a16="http://schemas.microsoft.com/office/drawing/2014/main" id="{AA5DD0C8-CF84-4BDD-ADBF-62251C0853DF}"/>
+              </a:ext>
+            </a:extLst>
+          </p:cNvPr>
+          <p:cNvPicPr>
+            <a:picLocks noGrp="1" noChangeAspect="1"/>
+          </p:cNvPicPr>
+          <p:nvPr>
+            <p:ph idx="1"/>
+          </p:nvPr>
+        </p:nvPicPr>
+        <p:blipFill>
+          <a:blip r:embed="rId2">
+            <a:extLst>
+              <a:ext uri="{28A0092B-C50C-407E-A947-70E740481C1C}">
+                <a14:useLocalDpi xmlns:a14="http://schemas.microsoft.com/office/drawing/2010/main" val="0"/>
+              </a:ext>
+            </a:extLst>
+          </a:blip>
+          <a:stretch>
+            <a:fillRect/>
+          </a:stretch>
+        </p:blipFill>
+        <p:spPr>
+          <a:xfrm>
+            <a:off x="1069848" y="2667942"/>
+            <a:ext cx="7253352" cy="3480593"/>
+          </a:xfrm>
+          <a:prstGeom prst="rect">
+            <a:avLst/>
+          </a:prstGeom>
+          <a:ln w="38100" cap="sq">
+            <a:solidFill>
+              <a:srgbClr val="000000"/>
+            </a:solidFill>
+            <a:prstDash val="solid"/>
+            <a:miter lim="800000"/>
+          </a:ln>
+          <a:effectLst>
+            <a:outerShdw blurRad="50800" dist="38100" dir="2700000" algn="tl" rotWithShape="0">
+              <a:srgbClr val="000000">
+                <a:alpha val="43000"/>
+              </a:srgbClr>
+            </a:outerShdw>
+          </a:effectLst>
+        </p:spPr>
+      </p:pic>
+      <p:pic>
+        <p:nvPicPr>
+          <p:cNvPr id="7" name="Picture 6">
+            <a:extLst>
+              <a:ext uri="{FF2B5EF4-FFF2-40B4-BE49-F238E27FC236}">
+                <a16:creationId xmlns:a16="http://schemas.microsoft.com/office/drawing/2014/main" id="{21BDFCB8-BEFF-4182-BD42-D56BEE955A5B}"/>
+              </a:ext>
+            </a:extLst>
+          </p:cNvPr>
+          <p:cNvPicPr>
+            <a:picLocks noChangeAspect="1"/>
+          </p:cNvPicPr>
+          <p:nvPr/>
+        </p:nvPicPr>
+        <p:blipFill>
+          <a:blip r:embed="rId3">
+            <a:extLst>
+              <a:ext uri="{28A0092B-C50C-407E-A947-70E740481C1C}">
+                <a14:useLocalDpi xmlns:a14="http://schemas.microsoft.com/office/drawing/2010/main" val="0"/>
+              </a:ext>
+            </a:extLst>
+          </a:blip>
+          <a:stretch>
+            <a:fillRect/>
+          </a:stretch>
+        </p:blipFill>
+        <p:spPr>
+          <a:xfrm>
+            <a:off x="5398301" y="325605"/>
+            <a:ext cx="2924899" cy="1908313"/>
+          </a:xfrm>
+          <a:prstGeom prst="ellipse">
+            <a:avLst/>
+          </a:prstGeom>
+          <a:ln>
+            <a:noFill/>
+          </a:ln>
+          <a:effectLst>
+            <a:softEdge rad="112500"/>
+          </a:effectLst>
+        </p:spPr>
+      </p:pic>
+      <p:pic>
+        <p:nvPicPr>
+          <p:cNvPr id="9" name="Picture 8">
+            <a:extLst>
+              <a:ext uri="{FF2B5EF4-FFF2-40B4-BE49-F238E27FC236}">
+                <a16:creationId xmlns:a16="http://schemas.microsoft.com/office/drawing/2014/main" id="{119095F5-8081-4C69-85CC-CA0169850D33}"/>
+              </a:ext>
+            </a:extLst>
+          </p:cNvPr>
+          <p:cNvPicPr>
+            <a:picLocks noChangeAspect="1"/>
+          </p:cNvPicPr>
+          <p:nvPr/>
+        </p:nvPicPr>
+        <p:blipFill>
+          <a:blip r:embed="rId4">
+            <a:extLst>
+              <a:ext uri="{28A0092B-C50C-407E-A947-70E740481C1C}">
+                <a14:useLocalDpi xmlns:a14="http://schemas.microsoft.com/office/drawing/2010/main" val="0"/>
+              </a:ext>
+            </a:extLst>
+          </a:blip>
+          <a:stretch>
+            <a:fillRect/>
+          </a:stretch>
+        </p:blipFill>
+        <p:spPr>
+          <a:xfrm>
+            <a:off x="8925558" y="2690190"/>
+            <a:ext cx="2544416" cy="1749287"/>
+          </a:xfrm>
+          <a:prstGeom prst="rect">
+            <a:avLst/>
+          </a:prstGeom>
+          <a:ln w="38100" cap="sq">
+            <a:solidFill>
+              <a:srgbClr val="000000"/>
+            </a:solidFill>
+            <a:prstDash val="solid"/>
+            <a:miter lim="800000"/>
+          </a:ln>
+          <a:effectLst>
+            <a:outerShdw blurRad="50800" dist="38100" dir="2700000" algn="tl" rotWithShape="0">
+              <a:srgbClr val="000000">
+                <a:alpha val="43000"/>
+              </a:srgbClr>
+            </a:outerShdw>
+          </a:effectLst>
+        </p:spPr>
+      </p:pic>
+      <p:pic>
+        <p:nvPicPr>
+          <p:cNvPr id="11" name="Picture 10">
+            <a:extLst>
+              <a:ext uri="{FF2B5EF4-FFF2-40B4-BE49-F238E27FC236}">
+                <a16:creationId xmlns:a16="http://schemas.microsoft.com/office/drawing/2014/main" id="{04AF25E4-F308-44C6-9284-5CBA0D9E726B}"/>
+              </a:ext>
+            </a:extLst>
+          </p:cNvPr>
+          <p:cNvPicPr>
+            <a:picLocks noChangeAspect="1"/>
+          </p:cNvPicPr>
+          <p:nvPr/>
+        </p:nvPicPr>
+        <p:blipFill>
+          <a:blip r:embed="rId5">
+            <a:extLst>
+              <a:ext uri="{28A0092B-C50C-407E-A947-70E740481C1C}">
+                <a14:useLocalDpi xmlns:a14="http://schemas.microsoft.com/office/drawing/2010/main" val="0"/>
+              </a:ext>
+            </a:extLst>
+          </a:blip>
+          <a:stretch>
+            <a:fillRect/>
+          </a:stretch>
+        </p:blipFill>
+        <p:spPr>
+          <a:xfrm>
+            <a:off x="8925557" y="564144"/>
+            <a:ext cx="2544416" cy="1431234"/>
+          </a:xfrm>
+          <a:prstGeom prst="rect">
+            <a:avLst/>
+          </a:prstGeom>
+          <a:ln w="38100" cap="sq">
+            <a:solidFill>
+              <a:srgbClr val="000000"/>
+            </a:solidFill>
+            <a:prstDash val="solid"/>
+            <a:miter lim="800000"/>
+          </a:ln>
+          <a:effectLst>
+            <a:outerShdw blurRad="50800" dist="38100" dir="2700000" algn="tl" rotWithShape="0">
+              <a:srgbClr val="000000">
+                <a:alpha val="43000"/>
+              </a:srgbClr>
+            </a:outerShdw>
+          </a:effectLst>
+        </p:spPr>
+      </p:pic>
+      <p:sp>
+        <p:nvSpPr>
+          <p:cNvPr id="12" name="TextBox 11">
+            <a:extLst>
+              <a:ext uri="{FF2B5EF4-FFF2-40B4-BE49-F238E27FC236}">
+                <a16:creationId xmlns:a16="http://schemas.microsoft.com/office/drawing/2014/main" id="{F0737450-9B83-40B4-9429-56E24ACC33FF}"/>
+              </a:ext>
+            </a:extLst>
+          </p:cNvPr>
+          <p:cNvSpPr txBox="1"/>
+          <p:nvPr/>
+        </p:nvSpPr>
+        <p:spPr>
+          <a:xfrm>
+            <a:off x="8667288" y="4699786"/>
+            <a:ext cx="3060954" cy="1200329"/>
+          </a:xfrm>
+          <a:prstGeom prst="rect">
+            <a:avLst/>
+          </a:prstGeom>
+          <a:noFill/>
+        </p:spPr>
+        <p:txBody>
+          <a:bodyPr wrap="square" rtlCol="0">
+            <a:spAutoFit/>
+          </a:bodyPr>
+          <a:lstStyle/>
+          <a:p>
+            <a:r>
+              <a:rPr lang="en-US" dirty="0"/>
+              <a:t>Mainly after the World Cup</a:t>
+            </a:r>
+          </a:p>
+          <a:p>
+            <a:r>
+              <a:rPr lang="en-US" dirty="0"/>
+              <a:t>in 1994 in the United States, Ronaldo’s names started </a:t>
+            </a:r>
+          </a:p>
+          <a:p>
+            <a:r>
+              <a:rPr lang="en-US" dirty="0"/>
+              <a:t>to appear.</a:t>
+            </a:r>
+          </a:p>
+        </p:txBody>
+      </p:sp>
+    </p:spTree>
+    <p:extLst>
+      <p:ext uri="{BB962C8B-B14F-4D97-AF65-F5344CB8AC3E}">
+        <p14:creationId xmlns:p14="http://schemas.microsoft.com/office/powerpoint/2010/main" val="1473111144"/>
       </p:ext>
     </p:extLst>
   </p:cSld>
@@ -3489,7 +4929,9 @@
         </p:nvSpPr>
         <p:spPr/>
         <p:txBody>
-          <a:bodyPr/>
+          <a:bodyPr>
+            <a:normAutofit/>
+          </a:bodyPr>
           <a:lstStyle/>
           <a:p>
             <a:r>
@@ -3580,7 +5022,12 @@
             <p:ph type="title"/>
           </p:nvPr>
         </p:nvSpPr>
-        <p:spPr/>
+        <p:spPr>
+          <a:xfrm>
+            <a:off x="1069848" y="484632"/>
+            <a:ext cx="10058400" cy="1224753"/>
+          </a:xfrm>
+        </p:spPr>
         <p:txBody>
           <a:bodyPr/>
           <a:lstStyle/>
@@ -3608,7 +5055,12 @@
             <p:ph idx="1"/>
           </p:nvPr>
         </p:nvSpPr>
-        <p:spPr/>
+        <p:spPr>
+          <a:xfrm>
+            <a:off x="977154" y="1674919"/>
+            <a:ext cx="10058400" cy="711948"/>
+          </a:xfrm>
+        </p:spPr>
         <p:txBody>
           <a:bodyPr/>
           <a:lstStyle/>
@@ -3676,8 +5128,8 @@
         </p:nvSpPr>
         <p:spPr>
           <a:xfrm>
-            <a:off x="5365904" y="2575099"/>
-            <a:ext cx="1381027" cy="369332"/>
+            <a:off x="4935358" y="2404220"/>
+            <a:ext cx="2201597" cy="369332"/>
           </a:xfrm>
           <a:prstGeom prst="rect">
             <a:avLst/>
@@ -3690,6 +5142,7 @@
           </a:bodyPr>
           <a:lstStyle/>
           <a:p>
+            <a:pPr algn="ctr"/>
             <a:r>
               <a:rPr lang="en-US" dirty="0"/>
               <a:t>National File</a:t>
@@ -3967,6 +5420,7 @@
           </a:bodyPr>
           <a:lstStyle/>
           <a:p>
+            <a:pPr algn="ctr"/>
             <a:r>
               <a:rPr lang="en-US" dirty="0"/>
               <a:t>State File</a:t>
@@ -4130,7 +5584,7 @@
         </p:nvSpPr>
         <p:spPr>
           <a:xfrm rot="20932438">
-            <a:off x="4501941" y="5711180"/>
+            <a:off x="4492005" y="5711180"/>
             <a:ext cx="824753" cy="369332"/>
           </a:xfrm>
           <a:prstGeom prst="rect">
@@ -4251,17 +5705,19 @@
       </p:sp>
       <p:pic>
         <p:nvPicPr>
-          <p:cNvPr id="7" name="Picture 6" descr="A close up of a device&#10;&#10;Description generated with high confidence">
+          <p:cNvPr id="5" name="Content Placeholder 4" descr="A close up of a map&#10;&#10;Description generated with high confidence">
             <a:extLst>
               <a:ext uri="{FF2B5EF4-FFF2-40B4-BE49-F238E27FC236}">
-                <a16:creationId xmlns:a16="http://schemas.microsoft.com/office/drawing/2014/main" id="{7A725F75-CA96-4FCD-8929-18D1CD683458}"/>
+                <a16:creationId xmlns:a16="http://schemas.microsoft.com/office/drawing/2014/main" id="{0924B5B1-26B3-419F-8806-281932009466}"/>
               </a:ext>
             </a:extLst>
           </p:cNvPr>
           <p:cNvPicPr>
-            <a:picLocks noChangeAspect="1"/>
+            <a:picLocks noGrp="1" noChangeAspect="1"/>
           </p:cNvPicPr>
-          <p:nvPr/>
+          <p:nvPr>
+            <p:ph idx="1"/>
+          </p:nvPr>
         </p:nvPicPr>
         <p:blipFill>
           <a:blip r:embed="rId2">
@@ -4277,20 +5733,17 @@
         </p:blipFill>
         <p:spPr>
           <a:xfrm>
-            <a:off x="-1" y="3539765"/>
+            <a:off x="0" y="632829"/>
             <a:ext cx="4105373" cy="3172334"/>
           </a:xfrm>
-          <a:prstGeom prst="rect">
-            <a:avLst/>
-          </a:prstGeom>
         </p:spPr>
       </p:pic>
       <p:pic>
         <p:nvPicPr>
-          <p:cNvPr id="9" name="Picture 8" descr="A close up of a map&#10;&#10;Description generated with high confidence">
+          <p:cNvPr id="7" name="Picture 6" descr="A close up of a device&#10;&#10;Description generated with high confidence">
             <a:extLst>
               <a:ext uri="{FF2B5EF4-FFF2-40B4-BE49-F238E27FC236}">
-                <a16:creationId xmlns:a16="http://schemas.microsoft.com/office/drawing/2014/main" id="{2496CECF-24E9-4F70-A1CC-B175E38EA89A}"/>
+                <a16:creationId xmlns:a16="http://schemas.microsoft.com/office/drawing/2014/main" id="{7A725F75-CA96-4FCD-8929-18D1CD683458}"/>
               </a:ext>
             </a:extLst>
           </p:cNvPr>
@@ -4313,7 +5766,7 @@
         </p:blipFill>
         <p:spPr>
           <a:xfrm>
-            <a:off x="8031994" y="632829"/>
+            <a:off x="-1" y="3539765"/>
             <a:ext cx="4105373" cy="3172334"/>
           </a:xfrm>
           <a:prstGeom prst="rect">
@@ -4321,6 +5774,42 @@
           </a:prstGeom>
         </p:spPr>
       </p:pic>
+      <p:pic>
+        <p:nvPicPr>
+          <p:cNvPr id="9" name="Picture 8" descr="A close up of a map&#10;&#10;Description generated with high confidence">
+            <a:extLst>
+              <a:ext uri="{FF2B5EF4-FFF2-40B4-BE49-F238E27FC236}">
+                <a16:creationId xmlns:a16="http://schemas.microsoft.com/office/drawing/2014/main" id="{2496CECF-24E9-4F70-A1CC-B175E38EA89A}"/>
+              </a:ext>
+            </a:extLst>
+          </p:cNvPr>
+          <p:cNvPicPr>
+            <a:picLocks noChangeAspect="1"/>
+          </p:cNvPicPr>
+          <p:nvPr/>
+        </p:nvPicPr>
+        <p:blipFill>
+          <a:blip r:embed="rId4">
+            <a:extLst>
+              <a:ext uri="{28A0092B-C50C-407E-A947-70E740481C1C}">
+                <a14:useLocalDpi xmlns:a14="http://schemas.microsoft.com/office/drawing/2010/main" val="0"/>
+              </a:ext>
+            </a:extLst>
+          </a:blip>
+          <a:stretch>
+            <a:fillRect/>
+          </a:stretch>
+        </p:blipFill>
+        <p:spPr>
+          <a:xfrm>
+            <a:off x="8031994" y="632829"/>
+            <a:ext cx="4105373" cy="3172334"/>
+          </a:xfrm>
+          <a:prstGeom prst="rect">
+            <a:avLst/>
+          </a:prstGeom>
+        </p:spPr>
+      </p:pic>
       <p:sp>
         <p:nvSpPr>
           <p:cNvPr id="10" name="TextBox 9">
@@ -4335,7 +5824,7 @@
         </p:nvSpPr>
         <p:spPr>
           <a:xfrm>
-            <a:off x="4561961" y="2928000"/>
+            <a:off x="4293922" y="2705023"/>
             <a:ext cx="3403075" cy="1754326"/>
           </a:xfrm>
           <a:prstGeom prst="rect">
@@ -4397,41 +5886,6 @@
           </a:p>
         </p:txBody>
       </p:sp>
-      <p:pic>
-        <p:nvPicPr>
-          <p:cNvPr id="5" name="Content Placeholder 4" descr="A close up of a map&#10;&#10;Description generated with high confidence">
-            <a:extLst>
-              <a:ext uri="{FF2B5EF4-FFF2-40B4-BE49-F238E27FC236}">
-                <a16:creationId xmlns:a16="http://schemas.microsoft.com/office/drawing/2014/main" id="{0924B5B1-26B3-419F-8806-281932009466}"/>
-              </a:ext>
-            </a:extLst>
-          </p:cNvPr>
-          <p:cNvPicPr>
-            <a:picLocks noGrp="1" noChangeAspect="1"/>
-          </p:cNvPicPr>
-          <p:nvPr>
-            <p:ph idx="1"/>
-          </p:nvPr>
-        </p:nvPicPr>
-        <p:blipFill>
-          <a:blip r:embed="rId4">
-            <a:extLst>
-              <a:ext uri="{28A0092B-C50C-407E-A947-70E740481C1C}">
-                <a14:useLocalDpi xmlns:a14="http://schemas.microsoft.com/office/drawing/2010/main" val="0"/>
-              </a:ext>
-            </a:extLst>
-          </a:blip>
-          <a:stretch>
-            <a:fillRect/>
-          </a:stretch>
-        </p:blipFill>
-        <p:spPr>
-          <a:xfrm>
-            <a:off x="0" y="632829"/>
-            <a:ext cx="4105373" cy="3172334"/>
-          </a:xfrm>
-        </p:spPr>
-      </p:pic>
       <p:pic>
         <p:nvPicPr>
           <p:cNvPr id="12" name="Picture 11" descr="A screenshot of a cell phone&#10;&#10;Description generated with high confidence">
@@ -4521,7 +5975,9 @@
           </a:xfrm>
         </p:spPr>
         <p:txBody>
-          <a:bodyPr/>
+          <a:bodyPr>
+            <a:normAutofit fontScale="90000"/>
+          </a:bodyPr>
           <a:lstStyle/>
           <a:p>
             <a:r>
@@ -4988,7 +6444,7 @@
         </p:blipFill>
         <p:spPr>
           <a:xfrm>
-            <a:off x="0" y="2222319"/>
+            <a:off x="1" y="1294667"/>
             <a:ext cx="5999116" cy="4635681"/>
           </a:xfrm>
         </p:spPr>
@@ -5021,7 +6477,7 @@
         </p:blipFill>
         <p:spPr>
           <a:xfrm>
-            <a:off x="6192884" y="2222320"/>
+            <a:off x="6192884" y="1294668"/>
             <a:ext cx="5999116" cy="4635680"/>
           </a:xfrm>
           <a:prstGeom prst="rect">
@@ -5042,10 +6498,367 @@
 </p:sld>
 </file>
 
+<file path=ppt/slides/slide8.xml><?xml version="1.0" encoding="utf-8"?>
+<p:sld xmlns:a="http://schemas.openxmlformats.org/drawingml/2006/main" xmlns:r="http://schemas.openxmlformats.org/officeDocument/2006/relationships" xmlns:p="http://schemas.openxmlformats.org/presentationml/2006/main">
+  <p:cSld>
+    <p:spTree>
+      <p:nvGrpSpPr>
+        <p:cNvPr id="1" name=""/>
+        <p:cNvGrpSpPr/>
+        <p:nvPr/>
+      </p:nvGrpSpPr>
+      <p:grpSpPr>
+        <a:xfrm>
+          <a:off x="0" y="0"/>
+          <a:ext cx="0" cy="0"/>
+          <a:chOff x="0" y="0"/>
+          <a:chExt cx="0" cy="0"/>
+        </a:xfrm>
+      </p:grpSpPr>
+      <p:sp>
+        <p:nvSpPr>
+          <p:cNvPr id="2" name="Title 1">
+            <a:extLst>
+              <a:ext uri="{FF2B5EF4-FFF2-40B4-BE49-F238E27FC236}">
+                <a16:creationId xmlns:a16="http://schemas.microsoft.com/office/drawing/2014/main" id="{6E83B60E-BFFE-4202-A373-5EA3C24323F9}"/>
+              </a:ext>
+            </a:extLst>
+          </p:cNvPr>
+          <p:cNvSpPr>
+            <a:spLocks noGrp="1"/>
+          </p:cNvSpPr>
+          <p:nvPr>
+            <p:ph type="title"/>
+          </p:nvPr>
+        </p:nvSpPr>
+        <p:spPr>
+          <a:xfrm>
+            <a:off x="1063752" y="201993"/>
+            <a:ext cx="10058400" cy="1073878"/>
+          </a:xfrm>
+        </p:spPr>
+        <p:txBody>
+          <a:bodyPr/>
+          <a:lstStyle/>
+          <a:p>
+            <a:r>
+              <a:rPr lang="en-US" dirty="0"/>
+              <a:t>Mary vs. john</a:t>
+            </a:r>
+          </a:p>
+        </p:txBody>
+      </p:sp>
+      <p:pic>
+        <p:nvPicPr>
+          <p:cNvPr id="9" name="Content Placeholder 8">
+            <a:extLst>
+              <a:ext uri="{FF2B5EF4-FFF2-40B4-BE49-F238E27FC236}">
+                <a16:creationId xmlns:a16="http://schemas.microsoft.com/office/drawing/2014/main" id="{D9DFFD15-87EE-4C4F-92F8-A6F72436F5F5}"/>
+              </a:ext>
+            </a:extLst>
+          </p:cNvPr>
+          <p:cNvPicPr>
+            <a:picLocks noGrp="1" noChangeAspect="1"/>
+          </p:cNvPicPr>
+          <p:nvPr>
+            <p:ph idx="1"/>
+          </p:nvPr>
+        </p:nvPicPr>
+        <p:blipFill>
+          <a:blip r:embed="rId2">
+            <a:extLst>
+              <a:ext uri="{28A0092B-C50C-407E-A947-70E740481C1C}">
+                <a14:useLocalDpi xmlns:a14="http://schemas.microsoft.com/office/drawing/2010/main" val="0"/>
+              </a:ext>
+            </a:extLst>
+          </a:blip>
+          <a:stretch>
+            <a:fillRect/>
+          </a:stretch>
+        </p:blipFill>
+        <p:spPr>
+          <a:xfrm>
+            <a:off x="4320209" y="4018825"/>
+            <a:ext cx="6602740" cy="2637182"/>
+          </a:xfrm>
+          <a:prstGeom prst="rect">
+            <a:avLst/>
+          </a:prstGeom>
+          <a:ln w="38100" cap="sq">
+            <a:solidFill>
+              <a:srgbClr val="000000"/>
+            </a:solidFill>
+            <a:prstDash val="solid"/>
+            <a:miter lim="800000"/>
+          </a:ln>
+          <a:effectLst>
+            <a:outerShdw blurRad="50800" dist="38100" dir="2700000" algn="tl" rotWithShape="0">
+              <a:srgbClr val="000000">
+                <a:alpha val="43000"/>
+              </a:srgbClr>
+            </a:outerShdw>
+          </a:effectLst>
+        </p:spPr>
+      </p:pic>
+      <p:pic>
+        <p:nvPicPr>
+          <p:cNvPr id="11" name="Picture 10">
+            <a:extLst>
+              <a:ext uri="{FF2B5EF4-FFF2-40B4-BE49-F238E27FC236}">
+                <a16:creationId xmlns:a16="http://schemas.microsoft.com/office/drawing/2014/main" id="{63F534C4-555C-4FC8-B323-7329880DAB80}"/>
+              </a:ext>
+            </a:extLst>
+          </p:cNvPr>
+          <p:cNvPicPr>
+            <a:picLocks noChangeAspect="1"/>
+          </p:cNvPicPr>
+          <p:nvPr/>
+        </p:nvPicPr>
+        <p:blipFill>
+          <a:blip r:embed="rId3">
+            <a:extLst>
+              <a:ext uri="{28A0092B-C50C-407E-A947-70E740481C1C}">
+                <a14:useLocalDpi xmlns:a14="http://schemas.microsoft.com/office/drawing/2010/main" val="0"/>
+              </a:ext>
+            </a:extLst>
+          </a:blip>
+          <a:stretch>
+            <a:fillRect/>
+          </a:stretch>
+        </p:blipFill>
+        <p:spPr>
+          <a:xfrm>
+            <a:off x="1063752" y="1275871"/>
+            <a:ext cx="6887552" cy="2589420"/>
+          </a:xfrm>
+          <a:prstGeom prst="rect">
+            <a:avLst/>
+          </a:prstGeom>
+          <a:ln w="38100" cap="sq">
+            <a:solidFill>
+              <a:srgbClr val="000000"/>
+            </a:solidFill>
+            <a:prstDash val="solid"/>
+            <a:miter lim="800000"/>
+          </a:ln>
+          <a:effectLst>
+            <a:outerShdw blurRad="50800" dist="38100" dir="2700000" algn="tl" rotWithShape="0">
+              <a:srgbClr val="000000">
+                <a:alpha val="43000"/>
+              </a:srgbClr>
+            </a:outerShdw>
+          </a:effectLst>
+        </p:spPr>
+      </p:pic>
+    </p:spTree>
+    <p:extLst>
+      <p:ext uri="{BB962C8B-B14F-4D97-AF65-F5344CB8AC3E}">
+        <p14:creationId xmlns:p14="http://schemas.microsoft.com/office/powerpoint/2010/main" val="1324673236"/>
+      </p:ext>
+    </p:extLst>
+  </p:cSld>
+  <p:clrMapOvr>
+    <a:masterClrMapping/>
+  </p:clrMapOvr>
+</p:sld>
+</file>
+
+<file path=ppt/slides/slide9.xml><?xml version="1.0" encoding="utf-8"?>
+<p:sld xmlns:a="http://schemas.openxmlformats.org/drawingml/2006/main" xmlns:r="http://schemas.openxmlformats.org/officeDocument/2006/relationships" xmlns:p="http://schemas.openxmlformats.org/presentationml/2006/main">
+  <p:cSld>
+    <p:spTree>
+      <p:nvGrpSpPr>
+        <p:cNvPr id="1" name=""/>
+        <p:cNvGrpSpPr/>
+        <p:nvPr/>
+      </p:nvGrpSpPr>
+      <p:grpSpPr>
+        <a:xfrm>
+          <a:off x="0" y="0"/>
+          <a:ext cx="0" cy="0"/>
+          <a:chOff x="0" y="0"/>
+          <a:chExt cx="0" cy="0"/>
+        </a:xfrm>
+      </p:grpSpPr>
+      <p:sp>
+        <p:nvSpPr>
+          <p:cNvPr id="2" name="Title 1">
+            <a:extLst>
+              <a:ext uri="{FF2B5EF4-FFF2-40B4-BE49-F238E27FC236}">
+                <a16:creationId xmlns:a16="http://schemas.microsoft.com/office/drawing/2014/main" id="{6349E13D-0809-4DC5-83E5-9DB479DB7DCE}"/>
+              </a:ext>
+            </a:extLst>
+          </p:cNvPr>
+          <p:cNvSpPr>
+            <a:spLocks noGrp="1"/>
+          </p:cNvSpPr>
+          <p:nvPr>
+            <p:ph type="title"/>
+          </p:nvPr>
+        </p:nvSpPr>
+        <p:spPr>
+          <a:xfrm>
+            <a:off x="1069848" y="484632"/>
+            <a:ext cx="7247256" cy="1609344"/>
+          </a:xfrm>
+        </p:spPr>
+        <p:txBody>
+          <a:bodyPr/>
+          <a:lstStyle/>
+          <a:p>
+            <a:r>
+              <a:rPr lang="en-US" dirty="0"/>
+              <a:t>Gail</a:t>
+            </a:r>
+          </a:p>
+        </p:txBody>
+      </p:sp>
+      <p:pic>
+        <p:nvPicPr>
+          <p:cNvPr id="5" name="Content Placeholder 4">
+            <a:extLst>
+              <a:ext uri="{FF2B5EF4-FFF2-40B4-BE49-F238E27FC236}">
+                <a16:creationId xmlns:a16="http://schemas.microsoft.com/office/drawing/2014/main" id="{7D641E4D-27AC-4584-8CBD-C9A744A5920E}"/>
+              </a:ext>
+            </a:extLst>
+          </p:cNvPr>
+          <p:cNvPicPr>
+            <a:picLocks noGrp="1" noChangeAspect="1"/>
+          </p:cNvPicPr>
+          <p:nvPr>
+            <p:ph idx="1"/>
+          </p:nvPr>
+        </p:nvPicPr>
+        <p:blipFill>
+          <a:blip r:embed="rId2">
+            <a:extLst>
+              <a:ext uri="{28A0092B-C50C-407E-A947-70E740481C1C}">
+                <a14:useLocalDpi xmlns:a14="http://schemas.microsoft.com/office/drawing/2010/main" val="0"/>
+              </a:ext>
+            </a:extLst>
+          </a:blip>
+          <a:stretch>
+            <a:fillRect/>
+          </a:stretch>
+        </p:blipFill>
+        <p:spPr>
+          <a:xfrm>
+            <a:off x="1063752" y="2684549"/>
+            <a:ext cx="7253352" cy="3480593"/>
+          </a:xfrm>
+          <a:prstGeom prst="rect">
+            <a:avLst/>
+          </a:prstGeom>
+          <a:ln w="38100" cap="sq">
+            <a:solidFill>
+              <a:srgbClr val="000000"/>
+            </a:solidFill>
+            <a:prstDash val="solid"/>
+            <a:miter lim="800000"/>
+          </a:ln>
+          <a:effectLst>
+            <a:outerShdw blurRad="50800" dist="38100" dir="2700000" algn="tl" rotWithShape="0">
+              <a:srgbClr val="000000">
+                <a:alpha val="43000"/>
+              </a:srgbClr>
+            </a:outerShdw>
+          </a:effectLst>
+        </p:spPr>
+      </p:pic>
+      <p:pic>
+        <p:nvPicPr>
+          <p:cNvPr id="7" name="Picture 6">
+            <a:extLst>
+              <a:ext uri="{FF2B5EF4-FFF2-40B4-BE49-F238E27FC236}">
+                <a16:creationId xmlns:a16="http://schemas.microsoft.com/office/drawing/2014/main" id="{A176E092-4805-4F0B-9083-A847145921FF}"/>
+              </a:ext>
+            </a:extLst>
+          </p:cNvPr>
+          <p:cNvPicPr>
+            <a:picLocks noChangeAspect="1"/>
+          </p:cNvPicPr>
+          <p:nvPr/>
+        </p:nvPicPr>
+        <p:blipFill>
+          <a:blip r:embed="rId3">
+            <a:extLst>
+              <a:ext uri="{28A0092B-C50C-407E-A947-70E740481C1C}">
+                <a14:useLocalDpi xmlns:a14="http://schemas.microsoft.com/office/drawing/2010/main" val="0"/>
+              </a:ext>
+            </a:extLst>
+          </a:blip>
+          <a:stretch>
+            <a:fillRect/>
+          </a:stretch>
+        </p:blipFill>
+        <p:spPr>
+          <a:xfrm>
+            <a:off x="8975184" y="867652"/>
+            <a:ext cx="2537377" cy="2027168"/>
+          </a:xfrm>
+          <a:prstGeom prst="ellipse">
+            <a:avLst/>
+          </a:prstGeom>
+          <a:ln>
+            <a:noFill/>
+          </a:ln>
+          <a:effectLst>
+            <a:softEdge rad="112500"/>
+          </a:effectLst>
+        </p:spPr>
+      </p:pic>
+      <p:sp>
+        <p:nvSpPr>
+          <p:cNvPr id="9" name="TextBox 8">
+            <a:extLst>
+              <a:ext uri="{FF2B5EF4-FFF2-40B4-BE49-F238E27FC236}">
+                <a16:creationId xmlns:a16="http://schemas.microsoft.com/office/drawing/2014/main" id="{B3ADF685-FE05-4916-B1B5-ECE935F8BB37}"/>
+              </a:ext>
+            </a:extLst>
+          </p:cNvPr>
+          <p:cNvSpPr txBox="1"/>
+          <p:nvPr/>
+        </p:nvSpPr>
+        <p:spPr>
+          <a:xfrm>
+            <a:off x="9134209" y="3963180"/>
+            <a:ext cx="2537378" cy="923330"/>
+          </a:xfrm>
+          <a:prstGeom prst="rect">
+            <a:avLst/>
+          </a:prstGeom>
+          <a:noFill/>
+        </p:spPr>
+        <p:txBody>
+          <a:bodyPr wrap="square" rtlCol="0">
+            <a:spAutoFit/>
+          </a:bodyPr>
+          <a:lstStyle/>
+          <a:p>
+            <a:r>
+              <a:rPr lang="en-US" dirty="0"/>
+              <a:t>Gail Russell, an American film and television actress.</a:t>
+            </a:r>
+          </a:p>
+        </p:txBody>
+      </p:sp>
+    </p:spTree>
+    <p:extLst>
+      <p:ext uri="{BB962C8B-B14F-4D97-AF65-F5344CB8AC3E}">
+        <p14:creationId xmlns:p14="http://schemas.microsoft.com/office/powerpoint/2010/main" val="2377837470"/>
+      </p:ext>
+    </p:extLst>
+  </p:cSld>
+  <p:clrMapOvr>
+    <a:masterClrMapping/>
+  </p:clrMapOvr>
+</p:sld>
+</file>
+
 <file path=ppt/theme/theme1.xml><?xml version="1.0" encoding="utf-8"?>
-<a:theme xmlns:a="http://schemas.openxmlformats.org/drawingml/2006/main" name="Office Theme">
+<a:theme xmlns:a="http://schemas.openxmlformats.org/drawingml/2006/main" name="Wood Type">
   <a:themeElements>
-    <a:clrScheme name="Office">
+    <a:clrScheme name="Wood Type">
       <a:dk1>
         <a:sysClr val="windowText" lastClr="000000"/>
       </a:dk1>
@@ -5053,48 +6866,86 @@
         <a:sysClr val="window" lastClr="FFFFFF"/>
       </a:lt1>
       <a:dk2>
-        <a:srgbClr val="44546A"/>
+        <a:srgbClr val="696464"/>
       </a:dk2>
       <a:lt2>
-        <a:srgbClr val="E7E6E6"/>
+        <a:srgbClr val="E9E5DC"/>
       </a:lt2>
       <a:accent1>
-        <a:srgbClr val="4472C4"/>
+        <a:srgbClr val="D34817"/>
       </a:accent1>
       <a:accent2>
-        <a:srgbClr val="ED7D31"/>
+        <a:srgbClr val="9B2D1F"/>
       </a:accent2>
       <a:accent3>
-        <a:srgbClr val="A5A5A5"/>
+        <a:srgbClr val="A28E6A"/>
       </a:accent3>
       <a:accent4>
-        <a:srgbClr val="FFC000"/>
+        <a:srgbClr val="956251"/>
       </a:accent4>
       <a:accent5>
-        <a:srgbClr val="5B9BD5"/>
+        <a:srgbClr val="918485"/>
       </a:accent5>
       <a:accent6>
-        <a:srgbClr val="70AD47"/>
+        <a:srgbClr val="855D5D"/>
       </a:accent6>
       <a:hlink>
-        <a:srgbClr val="0563C1"/>
+        <a:srgbClr val="CC9900"/>
       </a:hlink>
       <a:folHlink>
-        <a:srgbClr val="954F72"/>
+        <a:srgbClr val="96A9A9"/>
       </a:folHlink>
     </a:clrScheme>
-    <a:fontScheme name="Office">
+    <a:fontScheme name="Wood Type">
       <a:majorFont>
-        <a:latin typeface="Calibri Light" panose="020F0302020204030204"/>
+        <a:latin typeface="Rockwell Condensed" panose="02060603050405020104"/>
         <a:ea typeface=""/>
         <a:cs typeface=""/>
-        <a:font script="Jpan" typeface="游ゴシック Light"/>
-        <a:font script="Hang" typeface="맑은 고딕"/>
-        <a:font script="Hans" typeface="等线 Light"/>
-        <a:font script="Hant" typeface="新細明體"/>
+        <a:font script="Grek" typeface="Cambria"/>
+        <a:font script="Cyrl" typeface="Cambria"/>
+        <a:font script="Jpan" typeface="HG明朝B"/>
+        <a:font script="Hang" typeface="바탕"/>
+        <a:font script="Hans" typeface="方正姚体"/>
+        <a:font script="Hant" typeface="微軟正黑體"/>
         <a:font script="Arab" typeface="Times New Roman"/>
-        <a:font script="Hebr" typeface="Times New Roman"/>
-        <a:font script="Thai" typeface="Angsana New"/>
+        <a:font script="Hebr" typeface="David"/>
+        <a:font script="Thai" typeface="JasmineUPC"/>
+        <a:font script="Ethi" typeface="Nyala"/>
+        <a:font script="Beng" typeface="Vrinda"/>
+        <a:font script="Gujr" typeface="Shruti"/>
+        <a:font script="Khmr" typeface="MoolBoran"/>
+        <a:font script="Knda" typeface="Tunga"/>
+        <a:font script="Guru" typeface="Raavi"/>
+        <a:font script="Cans" typeface="Euphemia"/>
+        <a:font script="Cher" typeface="Plantagenet Cherokee"/>
+        <a:font script="Yiii" typeface="Microsoft Yi Baiti"/>
+        <a:font script="Tibt" typeface="Microsoft Himalaya"/>
+        <a:font script="Thaa" typeface="MV Boli"/>
+        <a:font script="Deva" typeface="Mangal"/>
+        <a:font script="Telu" typeface="Gautami"/>
+        <a:font script="Taml" typeface="Latha"/>
+        <a:font script="Syrc" typeface="Estrangelo Edessa"/>
+        <a:font script="Orya" typeface="Kalinga"/>
+        <a:font script="Mlym" typeface="Kartika"/>
+        <a:font script="Laoo" typeface="DokChampa"/>
+        <a:font script="Sinh" typeface="Iskoola Pota"/>
+        <a:font script="Mong" typeface="Mongolian Baiti"/>
+        <a:font script="Viet" typeface="Arial"/>
+        <a:font script="Uigh" typeface="Microsoft Uighur"/>
+      </a:majorFont>
+      <a:minorFont>
+        <a:latin typeface="Rockwell" panose="02060603020205020403"/>
+        <a:ea typeface=""/>
+        <a:cs typeface=""/>
+        <a:font script="Grek" typeface="Cambria"/>
+        <a:font script="Cyrl" typeface="Cambria"/>
+        <a:font script="Jpan" typeface="HG明朝B"/>
+        <a:font script="Hang" typeface="바탕"/>
+        <a:font script="Hans" typeface="方正姚体"/>
+        <a:font script="Hant" typeface="標楷體"/>
+        <a:font script="Arab" typeface="Times New Roman"/>
+        <a:font script="Hebr" typeface="David"/>
+        <a:font script="Thai" typeface="JasmineUPC"/>
         <a:font script="Ethi" typeface="Nyala"/>
         <a:font script="Beng" typeface="Vrinda"/>
         <a:font script="Gujr" typeface="Shruti"/>
@@ -5117,135 +6968,42 @@
         <a:font script="Mong" typeface="Mongolian Baiti"/>
         <a:font script="Viet" typeface="Times New Roman"/>
         <a:font script="Uigh" typeface="Microsoft Uighur"/>
-        <a:font script="Geor" typeface="Sylfaen"/>
-        <a:font script="Armn" typeface="Arial"/>
-        <a:font script="Bugi" typeface="Leelawadee UI"/>
-        <a:font script="Bopo" typeface="Microsoft JhengHei"/>
-        <a:font script="Java" typeface="Javanese Text"/>
-        <a:font script="Lisu" typeface="Segoe UI"/>
-        <a:font script="Mymr" typeface="Myanmar Text"/>
-        <a:font script="Nkoo" typeface="Ebrima"/>
-        <a:font script="Olck" typeface="Nirmala UI"/>
-        <a:font script="Osma" typeface="Ebrima"/>
-        <a:font script="Phag" typeface="Phagspa"/>
-        <a:font script="Syrn" typeface="Estrangelo Edessa"/>
-        <a:font script="Syrj" typeface="Estrangelo Edessa"/>
-        <a:font script="Syre" typeface="Estrangelo Edessa"/>
-        <a:font script="Sora" typeface="Nirmala UI"/>
-        <a:font script="Tale" typeface="Microsoft Tai Le"/>
-        <a:font script="Talu" typeface="Microsoft New Tai Lue"/>
-        <a:font script="Tfng" typeface="Ebrima"/>
-      </a:majorFont>
-      <a:minorFont>
-        <a:latin typeface="Calibri" panose="020F0502020204030204"/>
-        <a:ea typeface=""/>
-        <a:cs typeface=""/>
-        <a:font script="Jpan" typeface="游ゴシック"/>
-        <a:font script="Hang" typeface="맑은 고딕"/>
-        <a:font script="Hans" typeface="等线"/>
-        <a:font script="Hant" typeface="新細明體"/>
-        <a:font script="Arab" typeface="Arial"/>
-        <a:font script="Hebr" typeface="Arial"/>
-        <a:font script="Thai" typeface="Cordia New"/>
-        <a:font script="Ethi" typeface="Nyala"/>
-        <a:font script="Beng" typeface="Vrinda"/>
-        <a:font script="Gujr" typeface="Shruti"/>
-        <a:font script="Khmr" typeface="DaunPenh"/>
-        <a:font script="Knda" typeface="Tunga"/>
-        <a:font script="Guru" typeface="Raavi"/>
-        <a:font script="Cans" typeface="Euphemia"/>
-        <a:font script="Cher" typeface="Plantagenet Cherokee"/>
-        <a:font script="Yiii" typeface="Microsoft Yi Baiti"/>
-        <a:font script="Tibt" typeface="Microsoft Himalaya"/>
-        <a:font script="Thaa" typeface="MV Boli"/>
-        <a:font script="Deva" typeface="Mangal"/>
-        <a:font script="Telu" typeface="Gautami"/>
-        <a:font script="Taml" typeface="Latha"/>
-        <a:font script="Syrc" typeface="Estrangelo Edessa"/>
-        <a:font script="Orya" typeface="Kalinga"/>
-        <a:font script="Mlym" typeface="Kartika"/>
-        <a:font script="Laoo" typeface="DokChampa"/>
-        <a:font script="Sinh" typeface="Iskoola Pota"/>
-        <a:font script="Mong" typeface="Mongolian Baiti"/>
-        <a:font script="Viet" typeface="Arial"/>
-        <a:font script="Uigh" typeface="Microsoft Uighur"/>
-        <a:font script="Geor" typeface="Sylfaen"/>
-        <a:font script="Armn" typeface="Arial"/>
-        <a:font script="Bugi" typeface="Leelawadee UI"/>
-        <a:font script="Bopo" typeface="Microsoft JhengHei"/>
-        <a:font script="Java" typeface="Javanese Text"/>
-        <a:font script="Lisu" typeface="Segoe UI"/>
-        <a:font script="Mymr" typeface="Myanmar Text"/>
-        <a:font script="Nkoo" typeface="Ebrima"/>
-        <a:font script="Olck" typeface="Nirmala UI"/>
-        <a:font script="Osma" typeface="Ebrima"/>
-        <a:font script="Phag" typeface="Phagspa"/>
-        <a:font script="Syrn" typeface="Estrangelo Edessa"/>
-        <a:font script="Syrj" typeface="Estrangelo Edessa"/>
-        <a:font script="Syre" typeface="Estrangelo Edessa"/>
-        <a:font script="Sora" typeface="Nirmala UI"/>
-        <a:font script="Tale" typeface="Microsoft Tai Le"/>
-        <a:font script="Talu" typeface="Microsoft New Tai Lue"/>
-        <a:font script="Tfng" typeface="Ebrima"/>
       </a:minorFont>
     </a:fontScheme>
-    <a:fmtScheme name="Office">
+    <a:fmtScheme name="Wood Type">
       <a:fillStyleLst>
         <a:solidFill>
           <a:schemeClr val="phClr"/>
         </a:solidFill>
-        <a:gradFill rotWithShape="1">
-          <a:gsLst>
-            <a:gs pos="0">
+        <a:blipFill rotWithShape="1">
+          <a:blip xmlns:r="http://schemas.openxmlformats.org/officeDocument/2006/relationships" r:embed="rId1">
+            <a:duotone>
               <a:schemeClr val="phClr">
-                <a:lumMod val="110000"/>
-                <a:satMod val="105000"/>
-                <a:tint val="67000"/>
+                <a:tint val="70000"/>
+                <a:shade val="63000"/>
               </a:schemeClr>
-            </a:gs>
-            <a:gs pos="50000">
               <a:schemeClr val="phClr">
-                <a:lumMod val="105000"/>
-                <a:satMod val="103000"/>
-                <a:tint val="73000"/>
+                <a:tint val="10000"/>
+                <a:satMod val="150000"/>
               </a:schemeClr>
-            </a:gs>
-            <a:gs pos="100000">
+            </a:duotone>
+          </a:blip>
+          <a:tile tx="0" ty="0" sx="60000" sy="59000" flip="none" algn="tl"/>
+        </a:blipFill>
+        <a:blipFill rotWithShape="1">
+          <a:blip xmlns:r="http://schemas.openxmlformats.org/officeDocument/2006/relationships" r:embed="rId1">
+            <a:duotone>
               <a:schemeClr val="phClr">
-                <a:lumMod val="105000"/>
-                <a:satMod val="109000"/>
-                <a:tint val="81000"/>
+                <a:shade val="36000"/>
+                <a:satMod val="120000"/>
               </a:schemeClr>
-            </a:gs>
-          </a:gsLst>
-          <a:lin ang="5400000" scaled="0"/>
-        </a:gradFill>
-        <a:gradFill rotWithShape="1">
-          <a:gsLst>
-            <a:gs pos="0">
               <a:schemeClr val="phClr">
-                <a:satMod val="103000"/>
-                <a:lumMod val="102000"/>
-                <a:tint val="94000"/>
+                <a:tint val="40000"/>
               </a:schemeClr>
-            </a:gs>
-            <a:gs pos="50000">
-              <a:schemeClr val="phClr">
-                <a:satMod val="110000"/>
-                <a:lumMod val="100000"/>
-                <a:shade val="100000"/>
-              </a:schemeClr>
-            </a:gs>
-            <a:gs pos="100000">
-              <a:schemeClr val="phClr">
-                <a:lumMod val="99000"/>
-                <a:satMod val="120000"/>
-                <a:shade val="78000"/>
-              </a:schemeClr>
-            </a:gs>
-          </a:gsLst>
-          <a:lin ang="5400000" scaled="0"/>
-        </a:gradFill>
+            </a:duotone>
+          </a:blip>
+          <a:tile tx="0" ty="0" sx="60000" sy="59000" flip="none" algn="tl"/>
+        </a:blipFill>
       </a:fillStyleLst>
       <a:lnStyleLst>
         <a:ln w="6350" cap="flat" cmpd="sng" algn="ctr">
@@ -5253,21 +7011,18 @@
             <a:schemeClr val="phClr"/>
           </a:solidFill>
           <a:prstDash val="solid"/>
-          <a:miter lim="800000"/>
         </a:ln>
         <a:ln w="12700" cap="flat" cmpd="sng" algn="ctr">
           <a:solidFill>
             <a:schemeClr val="phClr"/>
           </a:solidFill>
           <a:prstDash val="solid"/>
-          <a:miter lim="800000"/>
         </a:ln>
         <a:ln w="19050" cap="flat" cmpd="sng" algn="ctr">
           <a:solidFill>
             <a:schemeClr val="phClr"/>
           </a:solidFill>
           <a:prstDash val="solid"/>
-          <a:miter lim="800000"/>
         </a:ln>
       </a:lnStyleLst>
       <a:effectStyleLst>
@@ -5275,15 +7030,18 @@
           <a:effectLst/>
         </a:effectStyle>
         <a:effectStyle>
-          <a:effectLst/>
+          <a:effectLst>
+            <a:softEdge rad="12700"/>
+          </a:effectLst>
         </a:effectStyle>
         <a:effectStyle>
           <a:effectLst>
-            <a:outerShdw blurRad="57150" dist="19050" dir="5400000" algn="ctr" rotWithShape="0">
+            <a:outerShdw blurRad="50800" dist="19050" dir="5400000" algn="tl" rotWithShape="0">
               <a:srgbClr val="000000">
-                <a:alpha val="63000"/>
+                <a:alpha val="60000"/>
               </a:srgbClr>
             </a:outerShdw>
+            <a:softEdge rad="12700"/>
           </a:effectLst>
         </a:effectStyle>
       </a:effectStyleLst>
@@ -5293,37 +7051,26 @@
         </a:solidFill>
         <a:solidFill>
           <a:schemeClr val="phClr">
-            <a:tint val="95000"/>
-            <a:satMod val="170000"/>
+            <a:shade val="97000"/>
+            <a:satMod val="150000"/>
           </a:schemeClr>
         </a:solidFill>
-        <a:gradFill rotWithShape="1">
-          <a:gsLst>
-            <a:gs pos="0">
+        <a:blipFill rotWithShape="1">
+          <a:blip xmlns:r="http://schemas.openxmlformats.org/officeDocument/2006/relationships" r:embed="rId1">
+            <a:duotone>
               <a:schemeClr val="phClr">
-                <a:tint val="93000"/>
-                <a:satMod val="150000"/>
-                <a:shade val="98000"/>
-                <a:lumMod val="102000"/>
-              </a:schemeClr>
-            </a:gs>
-            <a:gs pos="50000">
-              <a:schemeClr val="phClr">
-                <a:tint val="98000"/>
-                <a:satMod val="130000"/>
-                <a:shade val="90000"/>
-                <a:lumMod val="103000"/>
-              </a:schemeClr>
-            </a:gs>
-            <a:gs pos="100000">
-              <a:schemeClr val="phClr">
-                <a:shade val="63000"/>
+                <a:tint val="75000"/>
+                <a:shade val="58000"/>
                 <a:satMod val="120000"/>
               </a:schemeClr>
-            </a:gs>
-          </a:gsLst>
-          <a:lin ang="5400000" scaled="0"/>
-        </a:gradFill>
+              <a:schemeClr val="phClr">
+                <a:tint val="50000"/>
+                <a:shade val="96000"/>
+              </a:schemeClr>
+            </a:duotone>
+          </a:blip>
+          <a:tile tx="0" ty="0" sx="100000" sy="100000" flip="none" algn="tl"/>
+        </a:blipFill>
       </a:bgFillStyleLst>
     </a:fmtScheme>
   </a:themeElements>
@@ -5331,7 +7078,7 @@
   <a:extraClrSchemeLst/>
   <a:extLst>
     <a:ext uri="{05A4C25C-085E-4340-85A3-A5531E510DB2}">
-      <thm15:themeFamily xmlns:thm15="http://schemas.microsoft.com/office/thememl/2012/main" name="Office Theme" id="{62F939B6-93AF-4DB8-9C6B-D6C7DFDC589F}" vid="{4A3C46E8-61CC-4603-A589-7422A47A8E4A}"/>
+      <thm15:themeFamily xmlns:thm15="http://schemas.microsoft.com/office/thememl/2012/main" name="Wood Type" id="{7ACABC62-BF99-48CF-A9DC-4DB89C7B13DC}" vid="{142A1326-48AB-42A9-8428-CB14AA30176D}"/>
     </a:ext>
   </a:extLst>
 </a:theme>

--- a/What’s in a Name.pptx
+++ b/What’s in a Name.pptx
@@ -526,7 +526,7 @@
           <a:p>
             <a:fld id="{BAFE54DC-5661-417D-B7C7-C81BD4791878}" type="datetimeFigureOut">
               <a:rPr lang="en-US" smtClean="0"/>
-              <a:t>2/8/2018</a:t>
+              <a:t>2/9/2018</a:t>
             </a:fld>
             <a:endParaRPr lang="en-US"/>
           </a:p>
@@ -705,7 +705,7 @@
           <a:p>
             <a:fld id="{BAFE54DC-5661-417D-B7C7-C81BD4791878}" type="datetimeFigureOut">
               <a:rPr lang="en-US" smtClean="0"/>
-              <a:t>2/8/2018</a:t>
+              <a:t>2/9/2018</a:t>
             </a:fld>
             <a:endParaRPr lang="en-US"/>
           </a:p>
@@ -885,7 +885,7 @@
           <a:p>
             <a:fld id="{BAFE54DC-5661-417D-B7C7-C81BD4791878}" type="datetimeFigureOut">
               <a:rPr lang="en-US" smtClean="0"/>
-              <a:t>2/8/2018</a:t>
+              <a:t>2/9/2018</a:t>
             </a:fld>
             <a:endParaRPr lang="en-US"/>
           </a:p>
@@ -1055,7 +1055,7 @@
           <a:p>
             <a:fld id="{BAFE54DC-5661-417D-B7C7-C81BD4791878}" type="datetimeFigureOut">
               <a:rPr lang="en-US" smtClean="0"/>
-              <a:t>2/8/2018</a:t>
+              <a:t>2/9/2018</a:t>
             </a:fld>
             <a:endParaRPr lang="en-US"/>
           </a:p>
@@ -1368,7 +1368,7 @@
           <a:p>
             <a:fld id="{BAFE54DC-5661-417D-B7C7-C81BD4791878}" type="datetimeFigureOut">
               <a:rPr lang="en-US" smtClean="0"/>
-              <a:t>2/8/2018</a:t>
+              <a:t>2/9/2018</a:t>
             </a:fld>
             <a:endParaRPr lang="en-US"/>
           </a:p>
@@ -1754,7 +1754,7 @@
           <a:p>
             <a:fld id="{BAFE54DC-5661-417D-B7C7-C81BD4791878}" type="datetimeFigureOut">
               <a:rPr lang="en-US" smtClean="0"/>
-              <a:t>2/8/2018</a:t>
+              <a:t>2/9/2018</a:t>
             </a:fld>
             <a:endParaRPr lang="en-US"/>
           </a:p>
@@ -2188,7 +2188,7 @@
           <a:p>
             <a:fld id="{BAFE54DC-5661-417D-B7C7-C81BD4791878}" type="datetimeFigureOut">
               <a:rPr lang="en-US" smtClean="0"/>
-              <a:t>2/8/2018</a:t>
+              <a:t>2/9/2018</a:t>
             </a:fld>
             <a:endParaRPr lang="en-US"/>
           </a:p>
@@ -2306,7 +2306,7 @@
           <a:p>
             <a:fld id="{BAFE54DC-5661-417D-B7C7-C81BD4791878}" type="datetimeFigureOut">
               <a:rPr lang="en-US" smtClean="0"/>
-              <a:t>2/8/2018</a:t>
+              <a:t>2/9/2018</a:t>
             </a:fld>
             <a:endParaRPr lang="en-US"/>
           </a:p>
@@ -2401,7 +2401,7 @@
           <a:p>
             <a:fld id="{BAFE54DC-5661-417D-B7C7-C81BD4791878}" type="datetimeFigureOut">
               <a:rPr lang="en-US" smtClean="0"/>
-              <a:t>2/8/2018</a:t>
+              <a:t>2/9/2018</a:t>
             </a:fld>
             <a:endParaRPr lang="en-US"/>
           </a:p>
@@ -2751,7 +2751,7 @@
           <a:p>
             <a:fld id="{BAFE54DC-5661-417D-B7C7-C81BD4791878}" type="datetimeFigureOut">
               <a:rPr lang="en-US" smtClean="0"/>
-              <a:t>2/8/2018</a:t>
+              <a:t>2/9/2018</a:t>
             </a:fld>
             <a:endParaRPr lang="en-US"/>
           </a:p>
@@ -3176,7 +3176,7 @@
           <a:p>
             <a:fld id="{BAFE54DC-5661-417D-B7C7-C81BD4791878}" type="datetimeFigureOut">
               <a:rPr lang="en-US" smtClean="0"/>
-              <a:t>2/8/2018</a:t>
+              <a:t>2/9/2018</a:t>
             </a:fld>
             <a:endParaRPr lang="en-US"/>
           </a:p>
@@ -3457,7 +3457,7 @@
           <a:p>
             <a:fld id="{BAFE54DC-5661-417D-B7C7-C81BD4791878}" type="datetimeFigureOut">
               <a:rPr lang="en-US" smtClean="0"/>
-              <a:t>2/8/2018</a:t>
+              <a:t>2/9/2018</a:t>
             </a:fld>
             <a:endParaRPr lang="en-US"/>
           </a:p>
@@ -4976,6 +4976,44 @@
           </a:p>
         </p:txBody>
       </p:sp>
+      <p:pic>
+        <p:nvPicPr>
+          <p:cNvPr id="4" name="tomclip-1947 HITS ARCHIVE_ Linda - Buddy Clark &amp; Ray Noble (#1 hit)-NRZeA8n0LXM AETrim1518207172602">
+            <a:hlinkClick r:id="" action="ppaction://media"/>
+            <a:extLst>
+              <a:ext uri="{FF2B5EF4-FFF2-40B4-BE49-F238E27FC236}">
+                <a16:creationId xmlns:a16="http://schemas.microsoft.com/office/drawing/2014/main" id="{A28476BB-3AA8-4CB0-94ED-863769FCE8CC}"/>
+              </a:ext>
+            </a:extLst>
+          </p:cNvPr>
+          <p:cNvPicPr>
+            <a:picLocks noChangeAspect="1"/>
+          </p:cNvPicPr>
+          <p:nvPr>
+            <a:audioFile r:link="rId2"/>
+            <p:extLst>
+              <p:ext uri="{DAA4B4D4-6D71-4841-9C94-3DE7FCFB9230}">
+                <p14:media xmlns:p14="http://schemas.microsoft.com/office/powerpoint/2010/main" r:embed="rId1"/>
+              </p:ext>
+            </p:extLst>
+          </p:nvPr>
+        </p:nvPicPr>
+        <p:blipFill>
+          <a:blip r:embed="rId4"/>
+          <a:stretch>
+            <a:fillRect/>
+          </a:stretch>
+        </p:blipFill>
+        <p:spPr>
+          <a:xfrm>
+            <a:off x="98425" y="98425"/>
+            <a:ext cx="244475" cy="244475"/>
+          </a:xfrm>
+          <a:prstGeom prst="rect">
+            <a:avLst/>
+          </a:prstGeom>
+        </p:spPr>
+      </p:pic>
     </p:spTree>
     <p:extLst>
       <p:ext uri="{BB962C8B-B14F-4D97-AF65-F5344CB8AC3E}">
@@ -4986,6 +5024,90 @@
   <p:clrMapOvr>
     <a:masterClrMapping/>
   </p:clrMapOvr>
+  <p:timing>
+    <p:tnLst>
+      <p:par>
+        <p:cTn id="1" dur="indefinite" restart="never" nodeType="tmRoot">
+          <p:childTnLst>
+            <p:seq concurrent="1" nextAc="seek">
+              <p:cTn id="2" dur="indefinite" nodeType="mainSeq">
+                <p:childTnLst>
+                  <p:par>
+                    <p:cTn id="3" fill="hold">
+                      <p:stCondLst>
+                        <p:cond delay="indefinite"/>
+                      </p:stCondLst>
+                      <p:childTnLst>
+                        <p:par>
+                          <p:cTn id="4" fill="hold">
+                            <p:stCondLst>
+                              <p:cond delay="0"/>
+                            </p:stCondLst>
+                            <p:childTnLst>
+                              <p:par>
+                                <p:cTn id="5" presetID="1" presetClass="mediacall" presetSubtype="0" fill="hold" nodeType="clickEffect">
+                                  <p:stCondLst>
+                                    <p:cond delay="0"/>
+                                  </p:stCondLst>
+                                  <p:childTnLst>
+                                    <p:cmd type="call" cmd="playFrom(0.0)">
+                                      <p:cBhvr>
+                                        <p:cTn id="6" dur="31582" fill="hold"/>
+                                        <p:tgtEl>
+                                          <p:spTgt spid="4"/>
+                                        </p:tgtEl>
+                                      </p:cBhvr>
+                                    </p:cmd>
+                                  </p:childTnLst>
+                                </p:cTn>
+                              </p:par>
+                            </p:childTnLst>
+                          </p:cTn>
+                        </p:par>
+                      </p:childTnLst>
+                    </p:cTn>
+                  </p:par>
+                </p:childTnLst>
+              </p:cTn>
+              <p:prevCondLst>
+                <p:cond evt="onPrev" delay="0">
+                  <p:tgtEl>
+                    <p:sldTgt/>
+                  </p:tgtEl>
+                </p:cond>
+              </p:prevCondLst>
+              <p:nextCondLst>
+                <p:cond evt="onNext" delay="0">
+                  <p:tgtEl>
+                    <p:sldTgt/>
+                  </p:tgtEl>
+                </p:cond>
+              </p:nextCondLst>
+            </p:seq>
+            <p:audio>
+              <p:cMediaNode vol="80000">
+                <p:cTn id="7" fill="hold" display="0">
+                  <p:stCondLst>
+                    <p:cond delay="indefinite"/>
+                  </p:stCondLst>
+                  <p:endCondLst>
+                    <p:cond evt="onStopAudio" delay="0">
+                      <p:tgtEl>
+                        <p:sldTgt/>
+                      </p:tgtEl>
+                    </p:cond>
+                  </p:endCondLst>
+                </p:cTn>
+                <p:tgtEl>
+                  <p:spTgt spid="4"/>
+                </p:tgtEl>
+              </p:cMediaNode>
+            </p:audio>
+          </p:childTnLst>
+        </p:cTn>
+      </p:par>
+    </p:tnLst>
+  </p:timing>
 </p:sld>
 </file>
 

--- a/What’s in a Name.pptx
+++ b/What’s in a Name.pptx
@@ -5,7 +5,7 @@
     <p:sldMasterId id="2147483672" r:id="rId1"/>
   </p:sldMasterIdLst>
   <p:sldIdLst>
-    <p:sldId id="256" r:id="rId2"/>
+    <p:sldId id="269" r:id="rId2"/>
     <p:sldId id="257" r:id="rId3"/>
     <p:sldId id="258" r:id="rId4"/>
     <p:sldId id="259" r:id="rId5"/>
@@ -4033,88 +4033,169 @@
           <a:chExt cx="0" cy="0"/>
         </a:xfrm>
       </p:grpSpPr>
-      <p:sp>
-        <p:nvSpPr>
-          <p:cNvPr id="2" name="Title 1">
+      <p:pic>
+        <p:nvPicPr>
+          <p:cNvPr id="5" name="Content Placeholder 4">
             <a:extLst>
               <a:ext uri="{FF2B5EF4-FFF2-40B4-BE49-F238E27FC236}">
-                <a16:creationId xmlns:a16="http://schemas.microsoft.com/office/drawing/2014/main" id="{3A6685B0-2F1F-4BAC-91E0-9DFC97914161}"/>
+                <a16:creationId xmlns:a16="http://schemas.microsoft.com/office/drawing/2014/main" id="{9687EDBE-F558-4982-86DB-4178F2BAF51E}"/>
               </a:ext>
             </a:extLst>
           </p:cNvPr>
-          <p:cNvSpPr>
-            <a:spLocks noGrp="1"/>
-          </p:cNvSpPr>
-          <p:nvPr>
-            <p:ph type="ctrTitle"/>
-          </p:nvPr>
-        </p:nvSpPr>
-        <p:spPr/>
-        <p:txBody>
-          <a:bodyPr/>
-          <a:lstStyle/>
-          <a:p>
-            <a:r>
-              <a:rPr lang="en-US" dirty="0"/>
-              <a:t>What’s in a Name?</a:t>
-            </a:r>
-          </a:p>
-        </p:txBody>
-      </p:sp>
-      <p:sp>
-        <p:nvSpPr>
-          <p:cNvPr id="3" name="Subtitle 2">
+          <p:cNvPicPr>
+            <a:picLocks noGrp="1" noChangeAspect="1"/>
+          </p:cNvPicPr>
+          <p:nvPr>
+            <p:ph idx="1"/>
+          </p:nvPr>
+        </p:nvPicPr>
+        <p:blipFill>
+          <a:blip r:embed="rId2">
+            <a:extLst>
+              <a:ext uri="{BEBA8EAE-BF5A-486C-A8C5-ECC9F3942E4B}">
+                <a14:imgProps xmlns:a14="http://schemas.microsoft.com/office/drawing/2010/main">
+                  <a14:imgLayer r:embed="rId3">
+                    <a14:imgEffect>
+                      <a14:sharpenSoften amount="50000"/>
+                    </a14:imgEffect>
+                  </a14:imgLayer>
+                </a14:imgProps>
+              </a:ext>
+              <a:ext uri="{28A0092B-C50C-407E-A947-70E740481C1C}">
+                <a14:useLocalDpi xmlns:a14="http://schemas.microsoft.com/office/drawing/2010/main" val="0"/>
+              </a:ext>
+            </a:extLst>
+          </a:blip>
+          <a:stretch>
+            <a:fillRect/>
+          </a:stretch>
+        </p:blipFill>
+        <p:spPr>
+          <a:xfrm>
+            <a:off x="0" y="0"/>
+            <a:ext cx="6095999" cy="6858000"/>
+          </a:xfrm>
+        </p:spPr>
+      </p:pic>
+      <p:pic>
+        <p:nvPicPr>
+          <p:cNvPr id="7" name="Picture 6">
             <a:extLst>
               <a:ext uri="{FF2B5EF4-FFF2-40B4-BE49-F238E27FC236}">
-                <a16:creationId xmlns:a16="http://schemas.microsoft.com/office/drawing/2014/main" id="{DFF53D51-22F1-4429-99F9-ADABA4A3BB0F}"/>
+                <a16:creationId xmlns:a16="http://schemas.microsoft.com/office/drawing/2014/main" id="{122E53DE-8192-4A99-88E9-0A547BF88C0A}"/>
               </a:ext>
             </a:extLst>
           </p:cNvPr>
-          <p:cNvSpPr>
-            <a:spLocks noGrp="1"/>
-          </p:cNvSpPr>
-          <p:nvPr>
-            <p:ph type="subTitle" idx="1"/>
-          </p:nvPr>
-        </p:nvSpPr>
-        <p:spPr/>
-        <p:txBody>
-          <a:bodyPr>
-            <a:normAutofit fontScale="55000" lnSpcReduction="20000"/>
+          <p:cNvPicPr>
+            <a:picLocks noChangeAspect="1"/>
+          </p:cNvPicPr>
+          <p:nvPr/>
+        </p:nvPicPr>
+        <p:blipFill>
+          <a:blip r:embed="rId4">
+            <a:extLst>
+              <a:ext uri="{BEBA8EAE-BF5A-486C-A8C5-ECC9F3942E4B}">
+                <a14:imgProps xmlns:a14="http://schemas.microsoft.com/office/drawing/2010/main">
+                  <a14:imgLayer r:embed="rId5">
+                    <a14:imgEffect>
+                      <a14:sharpenSoften amount="50000"/>
+                    </a14:imgEffect>
+                  </a14:imgLayer>
+                </a14:imgProps>
+              </a:ext>
+              <a:ext uri="{28A0092B-C50C-407E-A947-70E740481C1C}">
+                <a14:useLocalDpi xmlns:a14="http://schemas.microsoft.com/office/drawing/2010/main" val="0"/>
+              </a:ext>
+            </a:extLst>
+          </a:blip>
+          <a:stretch>
+            <a:fillRect/>
+          </a:stretch>
+        </p:blipFill>
+        <p:spPr>
+          <a:xfrm>
+            <a:off x="6096000" y="-1"/>
+            <a:ext cx="6095999" cy="6857999"/>
+          </a:xfrm>
+          <a:prstGeom prst="rect">
+            <a:avLst/>
+          </a:prstGeom>
+        </p:spPr>
+      </p:pic>
+      <p:sp>
+        <p:nvSpPr>
+          <p:cNvPr id="8" name="TextBox 7">
+            <a:extLst>
+              <a:ext uri="{FF2B5EF4-FFF2-40B4-BE49-F238E27FC236}">
+                <a16:creationId xmlns:a16="http://schemas.microsoft.com/office/drawing/2014/main" id="{CAF2A1E0-30D2-4EDE-8C74-38117FC97871}"/>
+              </a:ext>
+            </a:extLst>
+          </p:cNvPr>
+          <p:cNvSpPr txBox="1"/>
+          <p:nvPr/>
+        </p:nvSpPr>
+        <p:spPr>
+          <a:xfrm>
+            <a:off x="0" y="3059666"/>
+            <a:ext cx="12191999" cy="1846659"/>
+          </a:xfrm>
+          <a:prstGeom prst="rect">
+            <a:avLst/>
+          </a:prstGeom>
+          <a:noFill/>
+        </p:spPr>
+        <p:txBody>
+          <a:bodyPr wrap="square" rtlCol="0">
+            <a:spAutoFit/>
           </a:bodyPr>
           <a:lstStyle/>
           <a:p>
-            <a:r>
-              <a:rPr lang="en-US" dirty="0"/>
+            <a:pPr algn="ctr"/>
+            <a:r>
+              <a:rPr lang="en-US" sz="3200" dirty="0"/>
+              <a:t>What’s in a Name?</a:t>
+            </a:r>
+          </a:p>
+          <a:p>
+            <a:pPr algn="ctr"/>
+            <a:r>
+              <a:rPr lang="en-US" sz="1600" dirty="0"/>
               <a:t>Gabriel Alves</a:t>
             </a:r>
           </a:p>
           <a:p>
-            <a:r>
-              <a:rPr lang="en-US" dirty="0"/>
+            <a:pPr algn="ctr"/>
+            <a:r>
+              <a:rPr lang="en-US" sz="1600" dirty="0"/>
               <a:t>Scott Boxberger</a:t>
             </a:r>
           </a:p>
           <a:p>
-            <a:r>
-              <a:rPr lang="en-US" dirty="0"/>
+            <a:pPr algn="ctr"/>
+            <a:r>
+              <a:rPr lang="en-US" sz="1600" dirty="0"/>
               <a:t>Erik </a:t>
             </a:r>
             <a:r>
-              <a:rPr lang="en-US" dirty="0" err="1"/>
+              <a:rPr lang="en-US" sz="1600" dirty="0" err="1"/>
               <a:t>Figge</a:t>
             </a:r>
-            <a:endParaRPr lang="en-US" dirty="0"/>
-          </a:p>
-          <a:p>
-            <a:r>
-              <a:rPr lang="en-US" dirty="0"/>
+            <a:endParaRPr lang="en-US" sz="1600" dirty="0"/>
+          </a:p>
+          <a:p>
+            <a:pPr algn="ctr"/>
+            <a:r>
+              <a:rPr lang="en-US" sz="1600" dirty="0"/>
               <a:t>Rajeev </a:t>
             </a:r>
             <a:r>
-              <a:rPr lang="en-US" dirty="0" err="1"/>
+              <a:rPr lang="en-US" sz="1600" dirty="0" err="1"/>
               <a:t>Kulshrestha</a:t>
             </a:r>
+            <a:endParaRPr lang="en-US" sz="1600" dirty="0"/>
+          </a:p>
+          <a:p>
+            <a:pPr algn="ctr"/>
             <a:endParaRPr lang="en-US" dirty="0"/>
           </a:p>
         </p:txBody>
@@ -4122,7 +4203,7 @@
     </p:spTree>
     <p:extLst>
       <p:ext uri="{BB962C8B-B14F-4D97-AF65-F5344CB8AC3E}">
-        <p14:creationId xmlns:p14="http://schemas.microsoft.com/office/powerpoint/2010/main" val="4115962085"/>
+        <p14:creationId xmlns:p14="http://schemas.microsoft.com/office/powerpoint/2010/main" val="3595761370"/>
       </p:ext>
     </p:extLst>
   </p:cSld>
@@ -4607,7 +4688,7 @@
           <a:p>
             <a:r>
               <a:rPr lang="en-US" dirty="0"/>
-              <a:t>Ronaldo’s</a:t>
+              <a:t>Ronaldo</a:t>
             </a:r>
           </a:p>
         </p:txBody>

--- a/What’s in a Name.pptx
+++ b/What’s in a Name.pptx
@@ -17,6 +17,8 @@
     <p:sldId id="263" r:id="rId11"/>
     <p:sldId id="265" r:id="rId12"/>
     <p:sldId id="267" r:id="rId13"/>
+    <p:sldId id="270" r:id="rId14"/>
+    <p:sldId id="271" r:id="rId15"/>
   </p:sldIdLst>
   <p:sldSz cx="12192000" cy="6858000"/>
   <p:notesSz cx="6858000" cy="9144000"/>
@@ -4947,6 +4949,151 @@
 </p:sld>
 </file>
 
+<file path=ppt/slides/slide13.xml><?xml version="1.0" encoding="utf-8"?>
+<p:sld xmlns:a="http://schemas.openxmlformats.org/drawingml/2006/main" xmlns:r="http://schemas.openxmlformats.org/officeDocument/2006/relationships" xmlns:p="http://schemas.openxmlformats.org/presentationml/2006/main">
+  <p:cSld>
+    <p:spTree>
+      <p:nvGrpSpPr>
+        <p:cNvPr id="1" name=""/>
+        <p:cNvGrpSpPr/>
+        <p:nvPr/>
+      </p:nvGrpSpPr>
+      <p:grpSpPr>
+        <a:xfrm>
+          <a:off x="0" y="0"/>
+          <a:ext cx="0" cy="0"/>
+          <a:chOff x="0" y="0"/>
+          <a:chExt cx="0" cy="0"/>
+        </a:xfrm>
+      </p:grpSpPr>
+      <p:sp>
+        <p:nvSpPr>
+          <p:cNvPr id="2" name="Title 1">
+            <a:extLst>
+              <a:ext uri="{FF2B5EF4-FFF2-40B4-BE49-F238E27FC236}">
+                <a16:creationId xmlns:a16="http://schemas.microsoft.com/office/drawing/2014/main" id="{D8E07D75-3A63-42E8-A627-90B8E4F244B0}"/>
+              </a:ext>
+            </a:extLst>
+          </p:cNvPr>
+          <p:cNvSpPr>
+            <a:spLocks noGrp="1"/>
+          </p:cNvSpPr>
+          <p:nvPr>
+            <p:ph type="title"/>
+          </p:nvPr>
+        </p:nvSpPr>
+        <p:spPr/>
+        <p:txBody>
+          <a:bodyPr/>
+          <a:lstStyle/>
+          <a:p>
+            <a:r>
+              <a:rPr lang="en-US" dirty="0"/>
+              <a:t>Appendix</a:t>
+            </a:r>
+          </a:p>
+        </p:txBody>
+      </p:sp>
+    </p:spTree>
+    <p:extLst>
+      <p:ext uri="{BB962C8B-B14F-4D97-AF65-F5344CB8AC3E}">
+        <p14:creationId xmlns:p14="http://schemas.microsoft.com/office/powerpoint/2010/main" val="271915359"/>
+      </p:ext>
+    </p:extLst>
+  </p:cSld>
+  <p:clrMapOvr>
+    <a:masterClrMapping/>
+  </p:clrMapOvr>
+</p:sld>
+</file>
+
+<file path=ppt/slides/slide14.xml><?xml version="1.0" encoding="utf-8"?>
+<p:sld xmlns:a="http://schemas.openxmlformats.org/drawingml/2006/main" xmlns:r="http://schemas.openxmlformats.org/officeDocument/2006/relationships" xmlns:p="http://schemas.openxmlformats.org/presentationml/2006/main">
+  <p:cSld>
+    <p:spTree>
+      <p:nvGrpSpPr>
+        <p:cNvPr id="1" name=""/>
+        <p:cNvGrpSpPr/>
+        <p:nvPr/>
+      </p:nvGrpSpPr>
+      <p:grpSpPr>
+        <a:xfrm>
+          <a:off x="0" y="0"/>
+          <a:ext cx="0" cy="0"/>
+          <a:chOff x="0" y="0"/>
+          <a:chExt cx="0" cy="0"/>
+        </a:xfrm>
+      </p:grpSpPr>
+      <p:sp>
+        <p:nvSpPr>
+          <p:cNvPr id="2" name="Title 1">
+            <a:extLst>
+              <a:ext uri="{FF2B5EF4-FFF2-40B4-BE49-F238E27FC236}">
+                <a16:creationId xmlns:a16="http://schemas.microsoft.com/office/drawing/2014/main" id="{3EF97BE8-2A38-4C85-BD30-4FFFC7AF867D}"/>
+              </a:ext>
+            </a:extLst>
+          </p:cNvPr>
+          <p:cNvSpPr>
+            <a:spLocks noGrp="1"/>
+          </p:cNvSpPr>
+          <p:nvPr>
+            <p:ph type="title"/>
+          </p:nvPr>
+        </p:nvSpPr>
+        <p:spPr/>
+        <p:txBody>
+          <a:bodyPr/>
+          <a:lstStyle/>
+          <a:p>
+            <a:r>
+              <a:rPr lang="en-US" dirty="0" err="1"/>
+              <a:t>iPython</a:t>
+            </a:r>
+            <a:r>
+              <a:rPr lang="en-US" dirty="0"/>
+              <a:t> Notebooks</a:t>
+            </a:r>
+          </a:p>
+        </p:txBody>
+      </p:sp>
+      <p:sp>
+        <p:nvSpPr>
+          <p:cNvPr id="3" name="Content Placeholder 2">
+            <a:extLst>
+              <a:ext uri="{FF2B5EF4-FFF2-40B4-BE49-F238E27FC236}">
+                <a16:creationId xmlns:a16="http://schemas.microsoft.com/office/drawing/2014/main" id="{CA81A47B-5DB2-440B-99DE-C3B471606378}"/>
+              </a:ext>
+            </a:extLst>
+          </p:cNvPr>
+          <p:cNvSpPr>
+            <a:spLocks noGrp="1"/>
+          </p:cNvSpPr>
+          <p:nvPr>
+            <p:ph idx="1"/>
+          </p:nvPr>
+        </p:nvSpPr>
+        <p:spPr/>
+        <p:txBody>
+          <a:bodyPr/>
+          <a:lstStyle/>
+          <a:p>
+            <a:endParaRPr lang="en-US" dirty="0"/>
+          </a:p>
+        </p:txBody>
+      </p:sp>
+    </p:spTree>
+    <p:extLst>
+      <p:ext uri="{BB962C8B-B14F-4D97-AF65-F5344CB8AC3E}">
+        <p14:creationId xmlns:p14="http://schemas.microsoft.com/office/powerpoint/2010/main" val="499625023"/>
+      </p:ext>
+    </p:extLst>
+  </p:cSld>
+  <p:clrMapOvr>
+    <a:masterClrMapping/>
+  </p:clrMapOvr>
+</p:sld>
+</file>
+
 <file path=ppt/slides/slide2.xml><?xml version="1.0" encoding="utf-8"?>
 <p:sld xmlns:a="http://schemas.openxmlformats.org/drawingml/2006/main" xmlns:r="http://schemas.openxmlformats.org/officeDocument/2006/relationships" xmlns:p="http://schemas.openxmlformats.org/presentationml/2006/main">
   <p:cSld>
@@ -6647,7 +6794,7 @@
         </p:blipFill>
         <p:spPr>
           <a:xfrm>
-            <a:off x="1" y="1294667"/>
+            <a:off x="0" y="795096"/>
             <a:ext cx="5999116" cy="4635681"/>
           </a:xfrm>
         </p:spPr>
@@ -6680,7 +6827,7 @@
         </p:blipFill>
         <p:spPr>
           <a:xfrm>
-            <a:off x="6192884" y="1294668"/>
+            <a:off x="6133707" y="795096"/>
             <a:ext cx="5999116" cy="4635680"/>
           </a:xfrm>
           <a:prstGeom prst="rect">
@@ -6688,6 +6835,58 @@
           </a:prstGeom>
         </p:spPr>
       </p:pic>
+      <p:sp>
+        <p:nvSpPr>
+          <p:cNvPr id="3" name="TextBox 2">
+            <a:extLst>
+              <a:ext uri="{FF2B5EF4-FFF2-40B4-BE49-F238E27FC236}">
+                <a16:creationId xmlns:a16="http://schemas.microsoft.com/office/drawing/2014/main" id="{E6CF9FCE-7847-41B7-96DC-D77196D8024E}"/>
+              </a:ext>
+            </a:extLst>
+          </p:cNvPr>
+          <p:cNvSpPr txBox="1"/>
+          <p:nvPr/>
+        </p:nvSpPr>
+        <p:spPr>
+          <a:xfrm>
+            <a:off x="633045" y="5688496"/>
+            <a:ext cx="5999116" cy="923330"/>
+          </a:xfrm>
+          <a:prstGeom prst="rect">
+            <a:avLst/>
+          </a:prstGeom>
+          <a:noFill/>
+        </p:spPr>
+        <p:txBody>
+          <a:bodyPr wrap="square" rtlCol="0">
+            <a:spAutoFit/>
+          </a:bodyPr>
+          <a:lstStyle/>
+          <a:p>
+            <a:r>
+              <a:rPr lang="en-US" dirty="0"/>
+              <a:t>Twitter:  @</a:t>
+            </a:r>
+            <a:r>
+              <a:rPr lang="en-US" dirty="0" err="1"/>
+              <a:t>RocChalkChicken</a:t>
+            </a:r>
+            <a:endParaRPr lang="en-US" dirty="0"/>
+          </a:p>
+          <a:p>
+            <a:r>
+              <a:rPr lang="en-US" dirty="0"/>
+              <a:t>#Name_Male_XX_19XX  or   #Name_Female_XX_19XX</a:t>
+            </a:r>
+          </a:p>
+          <a:p>
+            <a:r>
+              <a:rPr lang="en-US" dirty="0"/>
+              <a:t>#Scott_Male_KS_1969</a:t>
+            </a:r>
+          </a:p>
+        </p:txBody>
+      </p:sp>
     </p:spTree>
     <p:extLst>
       <p:ext uri="{BB962C8B-B14F-4D97-AF65-F5344CB8AC3E}">
